--- a/Reports/SEE PPT's/Final ppt/KRISHNA.pptx
+++ b/Reports/SEE PPT's/Final ppt/KRISHNA.pptx
@@ -5,10 +5,10 @@
     <p:sldMasterId id="2147483803" r:id="rId1"/>
   </p:sldMasterIdLst>
   <p:notesMasterIdLst>
-    <p:notesMasterId r:id="rId31"/>
+    <p:notesMasterId r:id="rId32"/>
   </p:notesMasterIdLst>
   <p:handoutMasterIdLst>
-    <p:handoutMasterId r:id="rId32"/>
+    <p:handoutMasterId r:id="rId33"/>
   </p:handoutMasterIdLst>
   <p:sldIdLst>
     <p:sldId id="257" r:id="rId2"/>
@@ -38,8 +38,9 @@
     <p:sldId id="324" r:id="rId26"/>
     <p:sldId id="325" r:id="rId27"/>
     <p:sldId id="326" r:id="rId28"/>
-    <p:sldId id="318" r:id="rId29"/>
-    <p:sldId id="303" r:id="rId30"/>
+    <p:sldId id="327" r:id="rId29"/>
+    <p:sldId id="318" r:id="rId30"/>
+    <p:sldId id="303" r:id="rId31"/>
   </p:sldIdLst>
   <p:sldSz cx="12192000" cy="6858000"/>
   <p:notesSz cx="6858000" cy="9144000"/>
@@ -162,7 +163,7 @@
 
 <file path=ppt/commentAuthors.xml><?xml version="1.0" encoding="utf-8"?>
 <p:cmAuthorLst xmlns:a="http://schemas.openxmlformats.org/drawingml/2006/main" xmlns:r="http://schemas.openxmlformats.org/officeDocument/2006/relationships" xmlns:p="http://schemas.openxmlformats.org/presentationml/2006/main">
-  <p:cmAuthor id="1" name="KRISHNA ." initials="K." lastIdx="1" clrIdx="0">
+  <p:cmAuthor id="1" name="KRISHNA ." initials="K." lastIdx="2" clrIdx="0">
     <p:extLst>
       <p:ext uri="{19B8F6BF-5375-455C-9EA6-DF929625EA0E}">
         <p15:presenceInfo xmlns:p15="http://schemas.microsoft.com/office/powerpoint/2012/main" userId="a6445e251d59b333" providerId="Windows Live"/>
@@ -756,6 +757,37 @@
   </mc:AlternateContent>
   <c:chart>
     <c:title>
+      <c:tx>
+        <c:rich>
+          <a:bodyPr rot="0" spcFirstLastPara="1" vertOverflow="ellipsis" vert="horz" wrap="square" anchor="ctr" anchorCtr="1"/>
+          <a:lstStyle/>
+          <a:p>
+            <a:pPr>
+              <a:defRPr sz="1862" b="0" i="0" u="none" strike="noStrike" kern="1200" spc="0" baseline="0">
+                <a:solidFill>
+                  <a:schemeClr val="tx1">
+                    <a:lumMod val="65000"/>
+                    <a:lumOff val="35000"/>
+                  </a:schemeClr>
+                </a:solidFill>
+                <a:latin typeface="+mn-lt"/>
+                <a:ea typeface="+mn-ea"/>
+                <a:cs typeface="+mn-cs"/>
+              </a:defRPr>
+            </a:pPr>
+            <a:r>
+              <a:rPr lang="en-IN" b="1" dirty="0">
+                <a:solidFill>
+                  <a:schemeClr val="tx1"/>
+                </a:solidFill>
+                <a:latin typeface="Times New Roman" panose="02020603050405020304" pitchFamily="18" charset="0"/>
+                <a:cs typeface="Times New Roman" panose="02020603050405020304" pitchFamily="18" charset="0"/>
+              </a:rPr>
+              <a:t>INTERNSHIP PERFORMANCE</a:t>
+            </a:r>
+          </a:p>
+        </c:rich>
+      </c:tx>
       <c:overlay val="0"/>
       <c:spPr>
         <a:noFill/>
@@ -1201,6 +1233,499 @@
 </c:chartSpace>
 </file>
 
+<file path=ppt/charts/chart3.xml><?xml version="1.0" encoding="utf-8"?>
+<c:chartSpace xmlns:c="http://schemas.openxmlformats.org/drawingml/2006/chart" xmlns:a="http://schemas.openxmlformats.org/drawingml/2006/main" xmlns:r="http://schemas.openxmlformats.org/officeDocument/2006/relationships" xmlns:c16r2="http://schemas.microsoft.com/office/drawing/2015/06/chart">
+  <c:date1904 val="0"/>
+  <c:lang val="en-US"/>
+  <c:roundedCorners val="0"/>
+  <mc:AlternateContent xmlns:mc="http://schemas.openxmlformats.org/markup-compatibility/2006">
+    <mc:Choice xmlns:c14="http://schemas.microsoft.com/office/drawing/2007/8/2/chart" Requires="c14">
+      <c14:style val="102"/>
+    </mc:Choice>
+    <mc:Fallback>
+      <c:style val="2"/>
+    </mc:Fallback>
+  </mc:AlternateContent>
+  <c:chart>
+    <c:title>
+      <c:tx>
+        <c:rich>
+          <a:bodyPr rot="0" spcFirstLastPara="1" vertOverflow="ellipsis" vert="horz" wrap="square" anchor="ctr" anchorCtr="1"/>
+          <a:lstStyle/>
+          <a:p>
+            <a:pPr>
+              <a:defRPr sz="1862" b="0" i="0" u="none" strike="noStrike" kern="1200" spc="0" baseline="0">
+                <a:solidFill>
+                  <a:schemeClr val="tx1">
+                    <a:lumMod val="65000"/>
+                    <a:lumOff val="35000"/>
+                  </a:schemeClr>
+                </a:solidFill>
+                <a:latin typeface="+mn-lt"/>
+                <a:ea typeface="+mn-ea"/>
+                <a:cs typeface="+mn-cs"/>
+              </a:defRPr>
+            </a:pPr>
+            <a:r>
+              <a:rPr lang="en-GB" b="1" dirty="0">
+                <a:latin typeface="Times New Roman" panose="02020603050405020304" pitchFamily="18" charset="0"/>
+                <a:cs typeface="Times New Roman" panose="02020603050405020304" pitchFamily="18" charset="0"/>
+              </a:rPr>
+              <a:t>INTERNSHIP</a:t>
+            </a:r>
+            <a:r>
+              <a:rPr lang="en-GB" b="1" baseline="0" dirty="0">
+                <a:latin typeface="Times New Roman" panose="02020603050405020304" pitchFamily="18" charset="0"/>
+                <a:cs typeface="Times New Roman" panose="02020603050405020304" pitchFamily="18" charset="0"/>
+              </a:rPr>
+              <a:t> PERFORMANCE</a:t>
+            </a:r>
+            <a:endParaRPr lang="en-IN" b="1" dirty="0">
+              <a:latin typeface="Times New Roman" panose="02020603050405020304" pitchFamily="18" charset="0"/>
+              <a:cs typeface="Times New Roman" panose="02020603050405020304" pitchFamily="18" charset="0"/>
+            </a:endParaRPr>
+          </a:p>
+        </c:rich>
+      </c:tx>
+      <c:overlay val="0"/>
+      <c:spPr>
+        <a:noFill/>
+        <a:ln>
+          <a:noFill/>
+        </a:ln>
+        <a:effectLst/>
+      </c:spPr>
+      <c:txPr>
+        <a:bodyPr rot="0" spcFirstLastPara="1" vertOverflow="ellipsis" vert="horz" wrap="square" anchor="ctr" anchorCtr="1"/>
+        <a:lstStyle/>
+        <a:p>
+          <a:pPr>
+            <a:defRPr sz="1862" b="0" i="0" u="none" strike="noStrike" kern="1200" spc="0" baseline="0">
+              <a:solidFill>
+                <a:schemeClr val="tx1">
+                  <a:lumMod val="65000"/>
+                  <a:lumOff val="35000"/>
+                </a:schemeClr>
+              </a:solidFill>
+              <a:latin typeface="+mn-lt"/>
+              <a:ea typeface="+mn-ea"/>
+              <a:cs typeface="+mn-cs"/>
+            </a:defRPr>
+          </a:pPr>
+          <a:endParaRPr lang="en-US"/>
+        </a:p>
+      </c:txPr>
+    </c:title>
+    <c:autoTitleDeleted val="0"/>
+    <c:plotArea>
+      <c:layout/>
+      <c:barChart>
+        <c:barDir val="col"/>
+        <c:grouping val="clustered"/>
+        <c:varyColors val="0"/>
+        <c:ser>
+          <c:idx val="0"/>
+          <c:order val="0"/>
+          <c:tx>
+            <c:strRef>
+              <c:f>Sheet1!$B$1</c:f>
+              <c:strCache>
+                <c:ptCount val="1"/>
+                <c:pt idx="0">
+                  <c:v>2021</c:v>
+                </c:pt>
+              </c:strCache>
+            </c:strRef>
+          </c:tx>
+          <c:spPr>
+            <a:solidFill>
+              <a:schemeClr val="accent1"/>
+            </a:solidFill>
+            <a:ln>
+              <a:noFill/>
+            </a:ln>
+            <a:effectLst/>
+          </c:spPr>
+          <c:invertIfNegative val="0"/>
+          <c:cat>
+            <c:strRef>
+              <c:f>Sheet1!$A$2:$A$5</c:f>
+              <c:strCache>
+                <c:ptCount val="4"/>
+                <c:pt idx="0">
+                  <c:v>Diploma</c:v>
+                </c:pt>
+                <c:pt idx="1">
+                  <c:v>B.E</c:v>
+                </c:pt>
+                <c:pt idx="2">
+                  <c:v>MCA</c:v>
+                </c:pt>
+                <c:pt idx="3">
+                  <c:v>Category 4</c:v>
+                </c:pt>
+              </c:strCache>
+            </c:strRef>
+          </c:cat>
+          <c:val>
+            <c:numRef>
+              <c:f>Sheet1!$B$2:$B$5</c:f>
+              <c:numCache>
+                <c:formatCode>General</c:formatCode>
+                <c:ptCount val="4"/>
+                <c:pt idx="0">
+                  <c:v>5</c:v>
+                </c:pt>
+                <c:pt idx="1">
+                  <c:v>12</c:v>
+                </c:pt>
+                <c:pt idx="2">
+                  <c:v>10</c:v>
+                </c:pt>
+                <c:pt idx="3">
+                  <c:v>4.5</c:v>
+                </c:pt>
+              </c:numCache>
+            </c:numRef>
+          </c:val>
+          <c:extLst>
+            <c:ext xmlns:c16="http://schemas.microsoft.com/office/drawing/2014/chart" uri="{C3380CC4-5D6E-409C-BE32-E72D297353CC}">
+              <c16:uniqueId val="{00000000-53DC-4E0B-9505-CD4677B02750}"/>
+            </c:ext>
+          </c:extLst>
+        </c:ser>
+        <c:ser>
+          <c:idx val="1"/>
+          <c:order val="1"/>
+          <c:tx>
+            <c:strRef>
+              <c:f>Sheet1!$C$1</c:f>
+              <c:strCache>
+                <c:ptCount val="1"/>
+                <c:pt idx="0">
+                  <c:v>2022</c:v>
+                </c:pt>
+              </c:strCache>
+            </c:strRef>
+          </c:tx>
+          <c:spPr>
+            <a:solidFill>
+              <a:schemeClr val="accent2"/>
+            </a:solidFill>
+            <a:ln>
+              <a:noFill/>
+            </a:ln>
+            <a:effectLst/>
+          </c:spPr>
+          <c:invertIfNegative val="0"/>
+          <c:cat>
+            <c:strRef>
+              <c:f>Sheet1!$A$2:$A$5</c:f>
+              <c:strCache>
+                <c:ptCount val="4"/>
+                <c:pt idx="0">
+                  <c:v>Diploma</c:v>
+                </c:pt>
+                <c:pt idx="1">
+                  <c:v>B.E</c:v>
+                </c:pt>
+                <c:pt idx="2">
+                  <c:v>MCA</c:v>
+                </c:pt>
+                <c:pt idx="3">
+                  <c:v>Category 4</c:v>
+                </c:pt>
+              </c:strCache>
+            </c:strRef>
+          </c:cat>
+          <c:val>
+            <c:numRef>
+              <c:f>Sheet1!$C$2:$C$5</c:f>
+              <c:numCache>
+                <c:formatCode>General</c:formatCode>
+                <c:ptCount val="4"/>
+                <c:pt idx="0">
+                  <c:v>6</c:v>
+                </c:pt>
+                <c:pt idx="1">
+                  <c:v>18</c:v>
+                </c:pt>
+                <c:pt idx="2">
+                  <c:v>11</c:v>
+                </c:pt>
+                <c:pt idx="3">
+                  <c:v>2.8</c:v>
+                </c:pt>
+              </c:numCache>
+            </c:numRef>
+          </c:val>
+          <c:extLst>
+            <c:ext xmlns:c16="http://schemas.microsoft.com/office/drawing/2014/chart" uri="{C3380CC4-5D6E-409C-BE32-E72D297353CC}">
+              <c16:uniqueId val="{00000001-53DC-4E0B-9505-CD4677B02750}"/>
+            </c:ext>
+          </c:extLst>
+        </c:ser>
+        <c:ser>
+          <c:idx val="2"/>
+          <c:order val="2"/>
+          <c:tx>
+            <c:strRef>
+              <c:f>Sheet1!$D$1</c:f>
+              <c:strCache>
+                <c:ptCount val="1"/>
+                <c:pt idx="0">
+                  <c:v>Series 3</c:v>
+                </c:pt>
+              </c:strCache>
+            </c:strRef>
+          </c:tx>
+          <c:spPr>
+            <a:solidFill>
+              <a:schemeClr val="accent3"/>
+            </a:solidFill>
+            <a:ln>
+              <a:noFill/>
+            </a:ln>
+            <a:effectLst/>
+          </c:spPr>
+          <c:invertIfNegative val="0"/>
+          <c:cat>
+            <c:strRef>
+              <c:f>Sheet1!$A$2:$A$5</c:f>
+              <c:strCache>
+                <c:ptCount val="4"/>
+                <c:pt idx="0">
+                  <c:v>Diploma</c:v>
+                </c:pt>
+                <c:pt idx="1">
+                  <c:v>B.E</c:v>
+                </c:pt>
+                <c:pt idx="2">
+                  <c:v>MCA</c:v>
+                </c:pt>
+                <c:pt idx="3">
+                  <c:v>Category 4</c:v>
+                </c:pt>
+              </c:strCache>
+            </c:strRef>
+          </c:cat>
+          <c:val>
+            <c:numRef>
+              <c:f>Sheet1!$D$2:$D$5</c:f>
+              <c:numCache>
+                <c:formatCode>General</c:formatCode>
+                <c:ptCount val="4"/>
+                <c:pt idx="1">
+                  <c:v>2</c:v>
+                </c:pt>
+                <c:pt idx="2">
+                  <c:v>3</c:v>
+                </c:pt>
+                <c:pt idx="3">
+                  <c:v>5</c:v>
+                </c:pt>
+              </c:numCache>
+            </c:numRef>
+          </c:val>
+          <c:extLst>
+            <c:ext xmlns:c16="http://schemas.microsoft.com/office/drawing/2014/chart" uri="{C3380CC4-5D6E-409C-BE32-E72D297353CC}">
+              <c16:uniqueId val="{00000002-53DC-4E0B-9505-CD4677B02750}"/>
+            </c:ext>
+          </c:extLst>
+        </c:ser>
+        <c:dLbls>
+          <c:showLegendKey val="0"/>
+          <c:showVal val="0"/>
+          <c:showCatName val="0"/>
+          <c:showSerName val="0"/>
+          <c:showPercent val="0"/>
+          <c:showBubbleSize val="0"/>
+        </c:dLbls>
+        <c:gapWidth val="219"/>
+        <c:overlap val="-27"/>
+        <c:axId val="337031343"/>
+        <c:axId val="379329807"/>
+      </c:barChart>
+      <c:catAx>
+        <c:axId val="337031343"/>
+        <c:scaling>
+          <c:orientation val="minMax"/>
+        </c:scaling>
+        <c:delete val="0"/>
+        <c:axPos val="b"/>
+        <c:numFmt formatCode="General" sourceLinked="1"/>
+        <c:majorTickMark val="none"/>
+        <c:minorTickMark val="none"/>
+        <c:tickLblPos val="nextTo"/>
+        <c:spPr>
+          <a:noFill/>
+          <a:ln w="9525" cap="flat" cmpd="sng" algn="ctr">
+            <a:solidFill>
+              <a:schemeClr val="tx1">
+                <a:lumMod val="15000"/>
+                <a:lumOff val="85000"/>
+              </a:schemeClr>
+            </a:solidFill>
+            <a:round/>
+          </a:ln>
+          <a:effectLst/>
+        </c:spPr>
+        <c:txPr>
+          <a:bodyPr rot="-60000000" spcFirstLastPara="1" vertOverflow="ellipsis" vert="horz" wrap="square" anchor="ctr" anchorCtr="1"/>
+          <a:lstStyle/>
+          <a:p>
+            <a:pPr>
+              <a:defRPr sz="1197" b="0" i="0" u="none" strike="noStrike" kern="1200" baseline="0">
+                <a:solidFill>
+                  <a:schemeClr val="tx1">
+                    <a:lumMod val="65000"/>
+                    <a:lumOff val="35000"/>
+                  </a:schemeClr>
+                </a:solidFill>
+                <a:latin typeface="+mn-lt"/>
+                <a:ea typeface="+mn-ea"/>
+                <a:cs typeface="+mn-cs"/>
+              </a:defRPr>
+            </a:pPr>
+            <a:endParaRPr lang="en-US"/>
+          </a:p>
+        </c:txPr>
+        <c:crossAx val="379329807"/>
+        <c:crosses val="autoZero"/>
+        <c:auto val="1"/>
+        <c:lblAlgn val="ctr"/>
+        <c:lblOffset val="100"/>
+        <c:noMultiLvlLbl val="0"/>
+      </c:catAx>
+      <c:valAx>
+        <c:axId val="379329807"/>
+        <c:scaling>
+          <c:orientation val="minMax"/>
+        </c:scaling>
+        <c:delete val="0"/>
+        <c:axPos val="l"/>
+        <c:majorGridlines>
+          <c:spPr>
+            <a:ln w="9525" cap="flat" cmpd="sng" algn="ctr">
+              <a:solidFill>
+                <a:schemeClr val="tx1">
+                  <a:lumMod val="15000"/>
+                  <a:lumOff val="85000"/>
+                </a:schemeClr>
+              </a:solidFill>
+              <a:round/>
+            </a:ln>
+            <a:effectLst/>
+          </c:spPr>
+        </c:majorGridlines>
+        <c:numFmt formatCode="General" sourceLinked="1"/>
+        <c:majorTickMark val="none"/>
+        <c:minorTickMark val="none"/>
+        <c:tickLblPos val="nextTo"/>
+        <c:spPr>
+          <a:noFill/>
+          <a:ln>
+            <a:noFill/>
+          </a:ln>
+          <a:effectLst/>
+        </c:spPr>
+        <c:txPr>
+          <a:bodyPr rot="-60000000" spcFirstLastPara="1" vertOverflow="ellipsis" vert="horz" wrap="square" anchor="ctr" anchorCtr="1"/>
+          <a:lstStyle/>
+          <a:p>
+            <a:pPr>
+              <a:defRPr sz="1197" b="0" i="0" u="none" strike="noStrike" kern="1200" baseline="0">
+                <a:solidFill>
+                  <a:schemeClr val="tx1">
+                    <a:lumMod val="65000"/>
+                    <a:lumOff val="35000"/>
+                  </a:schemeClr>
+                </a:solidFill>
+                <a:latin typeface="+mn-lt"/>
+                <a:ea typeface="+mn-ea"/>
+                <a:cs typeface="+mn-cs"/>
+              </a:defRPr>
+            </a:pPr>
+            <a:endParaRPr lang="en-US"/>
+          </a:p>
+        </c:txPr>
+        <c:crossAx val="337031343"/>
+        <c:crosses val="autoZero"/>
+        <c:crossBetween val="between"/>
+      </c:valAx>
+      <c:spPr>
+        <a:noFill/>
+        <a:ln>
+          <a:noFill/>
+        </a:ln>
+        <a:effectLst/>
+      </c:spPr>
+    </c:plotArea>
+    <c:legend>
+      <c:legendPos val="b"/>
+      <c:overlay val="0"/>
+      <c:spPr>
+        <a:noFill/>
+        <a:ln>
+          <a:noFill/>
+        </a:ln>
+        <a:effectLst/>
+      </c:spPr>
+      <c:txPr>
+        <a:bodyPr rot="0" spcFirstLastPara="1" vertOverflow="ellipsis" vert="horz" wrap="square" anchor="ctr" anchorCtr="1"/>
+        <a:lstStyle/>
+        <a:p>
+          <a:pPr>
+            <a:defRPr sz="1197" b="0" i="0" u="none" strike="noStrike" kern="1200" baseline="0">
+              <a:solidFill>
+                <a:schemeClr val="tx1">
+                  <a:lumMod val="65000"/>
+                  <a:lumOff val="35000"/>
+                </a:schemeClr>
+              </a:solidFill>
+              <a:latin typeface="+mn-lt"/>
+              <a:ea typeface="+mn-ea"/>
+              <a:cs typeface="+mn-cs"/>
+            </a:defRPr>
+          </a:pPr>
+          <a:endParaRPr lang="en-US"/>
+        </a:p>
+      </c:txPr>
+    </c:legend>
+    <c:plotVisOnly val="1"/>
+    <c:dispBlanksAs val="gap"/>
+    <c:extLst>
+      <c:ext xmlns:c16r3="http://schemas.microsoft.com/office/drawing/2017/03/chart" uri="{56B9EC1D-385E-4148-901F-78D8002777C0}">
+        <c16r3:dataDisplayOptions16>
+          <c16r3:dispNaAsBlank val="1"/>
+        </c16r3:dataDisplayOptions16>
+      </c:ext>
+    </c:extLst>
+    <c:showDLblsOverMax val="0"/>
+  </c:chart>
+  <c:spPr>
+    <a:noFill/>
+    <a:ln>
+      <a:noFill/>
+    </a:ln>
+    <a:effectLst/>
+  </c:spPr>
+  <c:txPr>
+    <a:bodyPr/>
+    <a:lstStyle/>
+    <a:p>
+      <a:pPr>
+        <a:defRPr/>
+      </a:pPr>
+      <a:endParaRPr lang="en-US"/>
+    </a:p>
+  </c:txPr>
+  <c:externalData r:id="rId3">
+    <c:autoUpdate val="0"/>
+  </c:externalData>
+</c:chartSpace>
+</file>
+
 <file path=ppt/charts/colors1.xml><?xml version="1.0" encoding="utf-8"?>
 <cs:colorStyle xmlns:cs="http://schemas.microsoft.com/office/drawing/2012/chartStyle" xmlns:a="http://schemas.openxmlformats.org/drawingml/2006/main" meth="cycle" id="10">
   <a:schemeClr val="accent1"/>
@@ -1242,6 +1767,46 @@
 </file>
 
 <file path=ppt/charts/colors2.xml><?xml version="1.0" encoding="utf-8"?>
+<cs:colorStyle xmlns:cs="http://schemas.microsoft.com/office/drawing/2012/chartStyle" xmlns:a="http://schemas.openxmlformats.org/drawingml/2006/main" meth="cycle" id="10">
+  <a:schemeClr val="accent1"/>
+  <a:schemeClr val="accent2"/>
+  <a:schemeClr val="accent3"/>
+  <a:schemeClr val="accent4"/>
+  <a:schemeClr val="accent5"/>
+  <a:schemeClr val="accent6"/>
+  <cs:variation/>
+  <cs:variation>
+    <a:lumMod val="60000"/>
+  </cs:variation>
+  <cs:variation>
+    <a:lumMod val="80000"/>
+    <a:lumOff val="20000"/>
+  </cs:variation>
+  <cs:variation>
+    <a:lumMod val="80000"/>
+  </cs:variation>
+  <cs:variation>
+    <a:lumMod val="60000"/>
+    <a:lumOff val="40000"/>
+  </cs:variation>
+  <cs:variation>
+    <a:lumMod val="50000"/>
+  </cs:variation>
+  <cs:variation>
+    <a:lumMod val="70000"/>
+    <a:lumOff val="30000"/>
+  </cs:variation>
+  <cs:variation>
+    <a:lumMod val="70000"/>
+  </cs:variation>
+  <cs:variation>
+    <a:lumMod val="50000"/>
+    <a:lumOff val="50000"/>
+  </cs:variation>
+</cs:colorStyle>
+</file>
+
+<file path=ppt/charts/colors3.xml><?xml version="1.0" encoding="utf-8"?>
 <cs:colorStyle xmlns:cs="http://schemas.microsoft.com/office/drawing/2012/chartStyle" xmlns:a="http://schemas.openxmlformats.org/drawingml/2006/main" meth="cycle" id="10">
   <a:schemeClr val="accent1"/>
   <a:schemeClr val="accent2"/>
@@ -2287,6 +2852,509 @@
 </cs:chartStyle>
 </file>
 
+<file path=ppt/charts/style3.xml><?xml version="1.0" encoding="utf-8"?>
+<cs:chartStyle xmlns:cs="http://schemas.microsoft.com/office/drawing/2012/chartStyle" xmlns:a="http://schemas.openxmlformats.org/drawingml/2006/main" id="201">
+  <cs:axisTitle>
+    <cs:lnRef idx="0"/>
+    <cs:fillRef idx="0"/>
+    <cs:effectRef idx="0"/>
+    <cs:fontRef idx="minor">
+      <a:schemeClr val="tx1">
+        <a:lumMod val="65000"/>
+        <a:lumOff val="35000"/>
+      </a:schemeClr>
+    </cs:fontRef>
+    <cs:defRPr sz="1330" kern="1200"/>
+  </cs:axisTitle>
+  <cs:categoryAxis>
+    <cs:lnRef idx="0"/>
+    <cs:fillRef idx="0"/>
+    <cs:effectRef idx="0"/>
+    <cs:fontRef idx="minor">
+      <a:schemeClr val="tx1">
+        <a:lumMod val="65000"/>
+        <a:lumOff val="35000"/>
+      </a:schemeClr>
+    </cs:fontRef>
+    <cs:spPr>
+      <a:ln w="9525" cap="flat" cmpd="sng" algn="ctr">
+        <a:solidFill>
+          <a:schemeClr val="tx1">
+            <a:lumMod val="15000"/>
+            <a:lumOff val="85000"/>
+          </a:schemeClr>
+        </a:solidFill>
+        <a:round/>
+      </a:ln>
+    </cs:spPr>
+    <cs:defRPr sz="1197" kern="1200"/>
+  </cs:categoryAxis>
+  <cs:chartArea mods="allowNoFillOverride allowNoLineOverride">
+    <cs:lnRef idx="0"/>
+    <cs:fillRef idx="0"/>
+    <cs:effectRef idx="0"/>
+    <cs:fontRef idx="minor">
+      <a:schemeClr val="tx1"/>
+    </cs:fontRef>
+    <cs:spPr>
+      <a:solidFill>
+        <a:schemeClr val="bg1"/>
+      </a:solidFill>
+      <a:ln w="9525" cap="flat" cmpd="sng" algn="ctr">
+        <a:solidFill>
+          <a:schemeClr val="tx1">
+            <a:lumMod val="15000"/>
+            <a:lumOff val="85000"/>
+          </a:schemeClr>
+        </a:solidFill>
+        <a:round/>
+      </a:ln>
+    </cs:spPr>
+    <cs:defRPr sz="1330" kern="1200"/>
+  </cs:chartArea>
+  <cs:dataLabel>
+    <cs:lnRef idx="0"/>
+    <cs:fillRef idx="0"/>
+    <cs:effectRef idx="0"/>
+    <cs:fontRef idx="minor">
+      <a:schemeClr val="tx1">
+        <a:lumMod val="75000"/>
+        <a:lumOff val="25000"/>
+      </a:schemeClr>
+    </cs:fontRef>
+    <cs:defRPr sz="1197" kern="1200"/>
+  </cs:dataLabel>
+  <cs:dataLabelCallout>
+    <cs:lnRef idx="0"/>
+    <cs:fillRef idx="0"/>
+    <cs:effectRef idx="0"/>
+    <cs:fontRef idx="minor">
+      <a:schemeClr val="dk1">
+        <a:lumMod val="65000"/>
+        <a:lumOff val="35000"/>
+      </a:schemeClr>
+    </cs:fontRef>
+    <cs:spPr>
+      <a:solidFill>
+        <a:schemeClr val="lt1"/>
+      </a:solidFill>
+      <a:ln>
+        <a:solidFill>
+          <a:schemeClr val="dk1">
+            <a:lumMod val="25000"/>
+            <a:lumOff val="75000"/>
+          </a:schemeClr>
+        </a:solidFill>
+      </a:ln>
+    </cs:spPr>
+    <cs:defRPr sz="1197" kern="1200"/>
+    <cs:bodyPr rot="0" spcFirstLastPara="1" vertOverflow="clip" horzOverflow="clip" vert="horz" wrap="square" lIns="36576" tIns="18288" rIns="36576" bIns="18288" anchor="ctr" anchorCtr="1">
+      <a:spAutoFit/>
+    </cs:bodyPr>
+  </cs:dataLabelCallout>
+  <cs:dataPoint>
+    <cs:lnRef idx="0"/>
+    <cs:fillRef idx="1">
+      <cs:styleClr val="auto"/>
+    </cs:fillRef>
+    <cs:effectRef idx="0"/>
+    <cs:fontRef idx="minor">
+      <a:schemeClr val="tx1"/>
+    </cs:fontRef>
+  </cs:dataPoint>
+  <cs:dataPoint3D>
+    <cs:lnRef idx="0"/>
+    <cs:fillRef idx="1">
+      <cs:styleClr val="auto"/>
+    </cs:fillRef>
+    <cs:effectRef idx="0"/>
+    <cs:fontRef idx="minor">
+      <a:schemeClr val="tx1"/>
+    </cs:fontRef>
+  </cs:dataPoint3D>
+  <cs:dataPointLine>
+    <cs:lnRef idx="0">
+      <cs:styleClr val="auto"/>
+    </cs:lnRef>
+    <cs:fillRef idx="1"/>
+    <cs:effectRef idx="0"/>
+    <cs:fontRef idx="minor">
+      <a:schemeClr val="tx1"/>
+    </cs:fontRef>
+    <cs:spPr>
+      <a:ln w="28575" cap="rnd">
+        <a:solidFill>
+          <a:schemeClr val="phClr"/>
+        </a:solidFill>
+        <a:round/>
+      </a:ln>
+    </cs:spPr>
+  </cs:dataPointLine>
+  <cs:dataPointMarker>
+    <cs:lnRef idx="0">
+      <cs:styleClr val="auto"/>
+    </cs:lnRef>
+    <cs:fillRef idx="1">
+      <cs:styleClr val="auto"/>
+    </cs:fillRef>
+    <cs:effectRef idx="0"/>
+    <cs:fontRef idx="minor">
+      <a:schemeClr val="tx1"/>
+    </cs:fontRef>
+    <cs:spPr>
+      <a:ln w="9525">
+        <a:solidFill>
+          <a:schemeClr val="phClr"/>
+        </a:solidFill>
+      </a:ln>
+    </cs:spPr>
+  </cs:dataPointMarker>
+  <cs:dataPointMarkerLayout symbol="circle" size="5"/>
+  <cs:dataPointWireframe>
+    <cs:lnRef idx="0">
+      <cs:styleClr val="auto"/>
+    </cs:lnRef>
+    <cs:fillRef idx="1"/>
+    <cs:effectRef idx="0"/>
+    <cs:fontRef idx="minor">
+      <a:schemeClr val="tx1"/>
+    </cs:fontRef>
+    <cs:spPr>
+      <a:ln w="9525" cap="rnd">
+        <a:solidFill>
+          <a:schemeClr val="phClr"/>
+        </a:solidFill>
+        <a:round/>
+      </a:ln>
+    </cs:spPr>
+  </cs:dataPointWireframe>
+  <cs:dataTable>
+    <cs:lnRef idx="0"/>
+    <cs:fillRef idx="0"/>
+    <cs:effectRef idx="0"/>
+    <cs:fontRef idx="minor">
+      <a:schemeClr val="tx1">
+        <a:lumMod val="65000"/>
+        <a:lumOff val="35000"/>
+      </a:schemeClr>
+    </cs:fontRef>
+    <cs:spPr>
+      <a:noFill/>
+      <a:ln w="9525" cap="flat" cmpd="sng" algn="ctr">
+        <a:solidFill>
+          <a:schemeClr val="tx1">
+            <a:lumMod val="15000"/>
+            <a:lumOff val="85000"/>
+          </a:schemeClr>
+        </a:solidFill>
+        <a:round/>
+      </a:ln>
+    </cs:spPr>
+    <cs:defRPr sz="1197" kern="1200"/>
+  </cs:dataTable>
+  <cs:downBar>
+    <cs:lnRef idx="0"/>
+    <cs:fillRef idx="0"/>
+    <cs:effectRef idx="0"/>
+    <cs:fontRef idx="minor">
+      <a:schemeClr val="dk1"/>
+    </cs:fontRef>
+    <cs:spPr>
+      <a:solidFill>
+        <a:schemeClr val="dk1">
+          <a:lumMod val="65000"/>
+          <a:lumOff val="35000"/>
+        </a:schemeClr>
+      </a:solidFill>
+      <a:ln w="9525">
+        <a:solidFill>
+          <a:schemeClr val="tx1">
+            <a:lumMod val="65000"/>
+            <a:lumOff val="35000"/>
+          </a:schemeClr>
+        </a:solidFill>
+      </a:ln>
+    </cs:spPr>
+  </cs:downBar>
+  <cs:dropLine>
+    <cs:lnRef idx="0"/>
+    <cs:fillRef idx="0"/>
+    <cs:effectRef idx="0"/>
+    <cs:fontRef idx="minor">
+      <a:schemeClr val="tx1"/>
+    </cs:fontRef>
+    <cs:spPr>
+      <a:ln w="9525" cap="flat" cmpd="sng" algn="ctr">
+        <a:solidFill>
+          <a:schemeClr val="tx1">
+            <a:lumMod val="35000"/>
+            <a:lumOff val="65000"/>
+          </a:schemeClr>
+        </a:solidFill>
+        <a:round/>
+      </a:ln>
+    </cs:spPr>
+  </cs:dropLine>
+  <cs:errorBar>
+    <cs:lnRef idx="0"/>
+    <cs:fillRef idx="0"/>
+    <cs:effectRef idx="0"/>
+    <cs:fontRef idx="minor">
+      <a:schemeClr val="tx1"/>
+    </cs:fontRef>
+    <cs:spPr>
+      <a:ln w="9525" cap="flat" cmpd="sng" algn="ctr">
+        <a:solidFill>
+          <a:schemeClr val="tx1">
+            <a:lumMod val="65000"/>
+            <a:lumOff val="35000"/>
+          </a:schemeClr>
+        </a:solidFill>
+        <a:round/>
+      </a:ln>
+    </cs:spPr>
+  </cs:errorBar>
+  <cs:floor>
+    <cs:lnRef idx="0"/>
+    <cs:fillRef idx="0"/>
+    <cs:effectRef idx="0"/>
+    <cs:fontRef idx="minor">
+      <a:schemeClr val="tx1"/>
+    </cs:fontRef>
+    <cs:spPr>
+      <a:noFill/>
+      <a:ln>
+        <a:noFill/>
+      </a:ln>
+    </cs:spPr>
+  </cs:floor>
+  <cs:gridlineMajor>
+    <cs:lnRef idx="0"/>
+    <cs:fillRef idx="0"/>
+    <cs:effectRef idx="0"/>
+    <cs:fontRef idx="minor">
+      <a:schemeClr val="tx1"/>
+    </cs:fontRef>
+    <cs:spPr>
+      <a:ln w="9525" cap="flat" cmpd="sng" algn="ctr">
+        <a:solidFill>
+          <a:schemeClr val="tx1">
+            <a:lumMod val="15000"/>
+            <a:lumOff val="85000"/>
+          </a:schemeClr>
+        </a:solidFill>
+        <a:round/>
+      </a:ln>
+    </cs:spPr>
+  </cs:gridlineMajor>
+  <cs:gridlineMinor>
+    <cs:lnRef idx="0"/>
+    <cs:fillRef idx="0"/>
+    <cs:effectRef idx="0"/>
+    <cs:fontRef idx="minor">
+      <a:schemeClr val="tx1"/>
+    </cs:fontRef>
+    <cs:spPr>
+      <a:ln w="9525" cap="flat" cmpd="sng" algn="ctr">
+        <a:solidFill>
+          <a:schemeClr val="tx1">
+            <a:lumMod val="5000"/>
+            <a:lumOff val="95000"/>
+          </a:schemeClr>
+        </a:solidFill>
+        <a:round/>
+      </a:ln>
+    </cs:spPr>
+  </cs:gridlineMinor>
+  <cs:hiLoLine>
+    <cs:lnRef idx="0"/>
+    <cs:fillRef idx="0"/>
+    <cs:effectRef idx="0"/>
+    <cs:fontRef idx="minor">
+      <a:schemeClr val="tx1"/>
+    </cs:fontRef>
+    <cs:spPr>
+      <a:ln w="9525" cap="flat" cmpd="sng" algn="ctr">
+        <a:solidFill>
+          <a:schemeClr val="tx1">
+            <a:lumMod val="75000"/>
+            <a:lumOff val="25000"/>
+          </a:schemeClr>
+        </a:solidFill>
+        <a:round/>
+      </a:ln>
+    </cs:spPr>
+  </cs:hiLoLine>
+  <cs:leaderLine>
+    <cs:lnRef idx="0"/>
+    <cs:fillRef idx="0"/>
+    <cs:effectRef idx="0"/>
+    <cs:fontRef idx="minor">
+      <a:schemeClr val="tx1"/>
+    </cs:fontRef>
+    <cs:spPr>
+      <a:ln w="9525" cap="flat" cmpd="sng" algn="ctr">
+        <a:solidFill>
+          <a:schemeClr val="tx1">
+            <a:lumMod val="35000"/>
+            <a:lumOff val="65000"/>
+          </a:schemeClr>
+        </a:solidFill>
+        <a:round/>
+      </a:ln>
+    </cs:spPr>
+  </cs:leaderLine>
+  <cs:legend>
+    <cs:lnRef idx="0"/>
+    <cs:fillRef idx="0"/>
+    <cs:effectRef idx="0"/>
+    <cs:fontRef idx="minor">
+      <a:schemeClr val="tx1">
+        <a:lumMod val="65000"/>
+        <a:lumOff val="35000"/>
+      </a:schemeClr>
+    </cs:fontRef>
+    <cs:defRPr sz="1197" kern="1200"/>
+  </cs:legend>
+  <cs:plotArea mods="allowNoFillOverride allowNoLineOverride">
+    <cs:lnRef idx="0"/>
+    <cs:fillRef idx="0"/>
+    <cs:effectRef idx="0"/>
+    <cs:fontRef idx="minor">
+      <a:schemeClr val="tx1"/>
+    </cs:fontRef>
+  </cs:plotArea>
+  <cs:plotArea3D mods="allowNoFillOverride allowNoLineOverride">
+    <cs:lnRef idx="0"/>
+    <cs:fillRef idx="0"/>
+    <cs:effectRef idx="0"/>
+    <cs:fontRef idx="minor">
+      <a:schemeClr val="tx1"/>
+    </cs:fontRef>
+  </cs:plotArea3D>
+  <cs:seriesAxis>
+    <cs:lnRef idx="0"/>
+    <cs:fillRef idx="0"/>
+    <cs:effectRef idx="0"/>
+    <cs:fontRef idx="minor">
+      <a:schemeClr val="tx1">
+        <a:lumMod val="65000"/>
+        <a:lumOff val="35000"/>
+      </a:schemeClr>
+    </cs:fontRef>
+    <cs:defRPr sz="1197" kern="1200"/>
+  </cs:seriesAxis>
+  <cs:seriesLine>
+    <cs:lnRef idx="0"/>
+    <cs:fillRef idx="0"/>
+    <cs:effectRef idx="0"/>
+    <cs:fontRef idx="minor">
+      <a:schemeClr val="tx1"/>
+    </cs:fontRef>
+    <cs:spPr>
+      <a:ln w="9525" cap="flat" cmpd="sng" algn="ctr">
+        <a:solidFill>
+          <a:schemeClr val="tx1">
+            <a:lumMod val="35000"/>
+            <a:lumOff val="65000"/>
+          </a:schemeClr>
+        </a:solidFill>
+        <a:round/>
+      </a:ln>
+    </cs:spPr>
+  </cs:seriesLine>
+  <cs:title>
+    <cs:lnRef idx="0"/>
+    <cs:fillRef idx="0"/>
+    <cs:effectRef idx="0"/>
+    <cs:fontRef idx="minor">
+      <a:schemeClr val="tx1">
+        <a:lumMod val="65000"/>
+        <a:lumOff val="35000"/>
+      </a:schemeClr>
+    </cs:fontRef>
+    <cs:defRPr sz="1862" b="0" kern="1200" spc="0" baseline="0"/>
+  </cs:title>
+  <cs:trendline>
+    <cs:lnRef idx="0">
+      <cs:styleClr val="auto"/>
+    </cs:lnRef>
+    <cs:fillRef idx="0"/>
+    <cs:effectRef idx="0"/>
+    <cs:fontRef idx="minor">
+      <a:schemeClr val="tx1"/>
+    </cs:fontRef>
+    <cs:spPr>
+      <a:ln w="19050" cap="rnd">
+        <a:solidFill>
+          <a:schemeClr val="phClr"/>
+        </a:solidFill>
+        <a:prstDash val="sysDot"/>
+      </a:ln>
+    </cs:spPr>
+  </cs:trendline>
+  <cs:trendlineLabel>
+    <cs:lnRef idx="0"/>
+    <cs:fillRef idx="0"/>
+    <cs:effectRef idx="0"/>
+    <cs:fontRef idx="minor">
+      <a:schemeClr val="tx1">
+        <a:lumMod val="65000"/>
+        <a:lumOff val="35000"/>
+      </a:schemeClr>
+    </cs:fontRef>
+    <cs:defRPr sz="1197" kern="1200"/>
+  </cs:trendlineLabel>
+  <cs:upBar>
+    <cs:lnRef idx="0"/>
+    <cs:fillRef idx="0"/>
+    <cs:effectRef idx="0"/>
+    <cs:fontRef idx="minor">
+      <a:schemeClr val="dk1"/>
+    </cs:fontRef>
+    <cs:spPr>
+      <a:solidFill>
+        <a:schemeClr val="lt1"/>
+      </a:solidFill>
+      <a:ln w="9525">
+        <a:solidFill>
+          <a:schemeClr val="tx1">
+            <a:lumMod val="15000"/>
+            <a:lumOff val="85000"/>
+          </a:schemeClr>
+        </a:solidFill>
+      </a:ln>
+    </cs:spPr>
+  </cs:upBar>
+  <cs:valueAxis>
+    <cs:lnRef idx="0"/>
+    <cs:fillRef idx="0"/>
+    <cs:effectRef idx="0"/>
+    <cs:fontRef idx="minor">
+      <a:schemeClr val="tx1">
+        <a:lumMod val="65000"/>
+        <a:lumOff val="35000"/>
+      </a:schemeClr>
+    </cs:fontRef>
+    <cs:defRPr sz="1197" kern="1200"/>
+  </cs:valueAxis>
+  <cs:wall>
+    <cs:lnRef idx="0"/>
+    <cs:fillRef idx="0"/>
+    <cs:effectRef idx="0"/>
+    <cs:fontRef idx="minor">
+      <a:schemeClr val="tx1"/>
+    </cs:fontRef>
+    <cs:spPr>
+      <a:noFill/>
+      <a:ln>
+        <a:noFill/>
+      </a:ln>
+    </cs:spPr>
+  </cs:wall>
+</cs:chartStyle>
+</file>
+
 <file path=ppt/handoutMasters/handoutMaster1.xml><?xml version="1.0" encoding="utf-8"?>
 <p:handoutMaster xmlns:a="http://schemas.openxmlformats.org/drawingml/2006/main" xmlns:r="http://schemas.openxmlformats.org/officeDocument/2006/relationships" xmlns:p="http://schemas.openxmlformats.org/presentationml/2006/main">
   <p:cSld>
@@ -2382,7 +3450,7 @@
             <a:fld id="{23AD794A-17F4-48F7-A14F-39DCAE091952}" type="datetimeFigureOut">
               <a:rPr lang="en-US" smtClean="0"/>
               <a:pPr/>
-              <a:t>6/22/2023</a:t>
+              <a:t>6/23/2023</a:t>
             </a:fld>
             <a:endParaRPr lang="en-US" dirty="0"/>
           </a:p>
@@ -2561,7 +3629,7 @@
             <a:fld id="{594C6A87-CC60-415C-BFEE-13D1CAD6861A}" type="datetimeFigureOut">
               <a:rPr lang="en-US" smtClean="0"/>
               <a:pPr/>
-              <a:t>6/22/2023</a:t>
+              <a:t>6/23/2023</a:t>
             </a:fld>
             <a:endParaRPr lang="en-US" dirty="0"/>
           </a:p>
@@ -2979,7 +4047,7 @@
             <a:fld id="{64BF4833-09CA-4F95-9AA9-D45BF689F777}" type="datetimeFigureOut">
               <a:rPr lang="en-IN" smtClean="0"/>
               <a:pPr/>
-              <a:t>22-06-2023</a:t>
+              <a:t>23-06-2023</a:t>
             </a:fld>
             <a:endParaRPr lang="en-IN"/>
           </a:p>
@@ -3182,7 +4250,7 @@
             <a:fld id="{64BF4833-09CA-4F95-9AA9-D45BF689F777}" type="datetimeFigureOut">
               <a:rPr lang="en-IN" smtClean="0"/>
               <a:pPr/>
-              <a:t>22-06-2023</a:t>
+              <a:t>23-06-2023</a:t>
             </a:fld>
             <a:endParaRPr lang="en-IN"/>
           </a:p>
@@ -3395,7 +4463,7 @@
             <a:fld id="{64BF4833-09CA-4F95-9AA9-D45BF689F777}" type="datetimeFigureOut">
               <a:rPr lang="en-IN" smtClean="0"/>
               <a:pPr/>
-              <a:t>22-06-2023</a:t>
+              <a:t>23-06-2023</a:t>
             </a:fld>
             <a:endParaRPr lang="en-IN"/>
           </a:p>
@@ -7038,7 +8106,7 @@
             <a:fld id="{64BF4833-09CA-4F95-9AA9-D45BF689F777}" type="datetimeFigureOut">
               <a:rPr lang="en-IN" smtClean="0"/>
               <a:pPr/>
-              <a:t>22-06-2023</a:t>
+              <a:t>23-06-2023</a:t>
             </a:fld>
             <a:endParaRPr lang="en-IN"/>
           </a:p>
@@ -11136,7 +12204,7 @@
             <a:fld id="{64BF4833-09CA-4F95-9AA9-D45BF689F777}" type="datetimeFigureOut">
               <a:rPr lang="en-IN" smtClean="0"/>
               <a:pPr/>
-              <a:t>22-06-2023</a:t>
+              <a:t>23-06-2023</a:t>
             </a:fld>
             <a:endParaRPr lang="en-IN"/>
           </a:p>
@@ -16910,7 +17978,7 @@
             <a:fld id="{64BF4833-09CA-4F95-9AA9-D45BF689F777}" type="datetimeFigureOut">
               <a:rPr lang="en-IN" smtClean="0"/>
               <a:pPr/>
-              <a:t>22-06-2023</a:t>
+              <a:t>23-06-2023</a:t>
             </a:fld>
             <a:endParaRPr lang="en-IN"/>
           </a:p>
@@ -22914,7 +23982,7 @@
             <a:fld id="{64BF4833-09CA-4F95-9AA9-D45BF689F777}" type="datetimeFigureOut">
               <a:rPr lang="en-IN" smtClean="0"/>
               <a:pPr/>
-              <a:t>22-06-2023</a:t>
+              <a:t>23-06-2023</a:t>
             </a:fld>
             <a:endParaRPr lang="en-IN"/>
           </a:p>
@@ -28441,7 +29509,7 @@
             <a:fld id="{64BF4833-09CA-4F95-9AA9-D45BF689F777}" type="datetimeFigureOut">
               <a:rPr lang="en-IN" smtClean="0"/>
               <a:pPr/>
-              <a:t>22-06-2023</a:t>
+              <a:t>23-06-2023</a:t>
             </a:fld>
             <a:endParaRPr lang="en-IN"/>
           </a:p>
@@ -28557,7 +29625,7 @@
             <a:fld id="{64BF4833-09CA-4F95-9AA9-D45BF689F777}" type="datetimeFigureOut">
               <a:rPr lang="en-IN" smtClean="0"/>
               <a:pPr/>
-              <a:t>22-06-2023</a:t>
+              <a:t>23-06-2023</a:t>
             </a:fld>
             <a:endParaRPr lang="en-IN"/>
           </a:p>
@@ -28873,7 +29941,7 @@
             <a:fld id="{64BF4833-09CA-4F95-9AA9-D45BF689F777}" type="datetimeFigureOut">
               <a:rPr lang="en-IN" smtClean="0"/>
               <a:pPr/>
-              <a:t>22-06-2023</a:t>
+              <a:t>23-06-2023</a:t>
             </a:fld>
             <a:endParaRPr lang="en-IN"/>
           </a:p>
@@ -29164,7 +30232,7 @@
             <a:fld id="{64BF4833-09CA-4F95-9AA9-D45BF689F777}" type="datetimeFigureOut">
               <a:rPr lang="en-IN" smtClean="0"/>
               <a:pPr/>
-              <a:t>22-06-2023</a:t>
+              <a:t>23-06-2023</a:t>
             </a:fld>
             <a:endParaRPr lang="en-IN"/>
           </a:p>
@@ -29409,7 +30477,7 @@
             <a:fld id="{64BF4833-09CA-4F95-9AA9-D45BF689F777}" type="datetimeFigureOut">
               <a:rPr lang="en-IN" smtClean="0"/>
               <a:pPr/>
-              <a:t>22-06-2023</a:t>
+              <a:t>23-06-2023</a:t>
             </a:fld>
             <a:endParaRPr lang="en-IN"/>
           </a:p>
@@ -30129,6 +31197,47 @@
           </a:prstGeom>
         </p:spPr>
       </p:pic>
+      <p:sp>
+        <p:nvSpPr>
+          <p:cNvPr id="6" name="TextBox 5">
+            <a:extLst>
+              <a:ext uri="{FF2B5EF4-FFF2-40B4-BE49-F238E27FC236}">
+                <a16:creationId xmlns:a16="http://schemas.microsoft.com/office/drawing/2014/main" id="{3B6B080B-3947-4BFA-B91C-C01F31F5FBFE}"/>
+              </a:ext>
+            </a:extLst>
+          </p:cNvPr>
+          <p:cNvSpPr txBox="1"/>
+          <p:nvPr/>
+        </p:nvSpPr>
+        <p:spPr>
+          <a:xfrm>
+            <a:off x="772413" y="5558523"/>
+            <a:ext cx="6148386" cy="369332"/>
+          </a:xfrm>
+          <a:prstGeom prst="rect">
+            <a:avLst/>
+          </a:prstGeom>
+          <a:noFill/>
+        </p:spPr>
+        <p:txBody>
+          <a:bodyPr wrap="square">
+            <a:spAutoFit/>
+          </a:bodyPr>
+          <a:lstStyle/>
+          <a:p>
+            <a:r>
+              <a:rPr lang="en-IN" dirty="0">
+                <a:solidFill>
+                  <a:schemeClr val="bg1">
+                    <a:lumMod val="95000"/>
+                  </a:schemeClr>
+                </a:solidFill>
+              </a:rPr>
+              <a:t>BLDEA’s SSM POLYTECHNIC VIJAYAPUR</a:t>
+            </a:r>
+          </a:p>
+        </p:txBody>
+      </p:sp>
     </p:spTree>
     <p:extLst>
       <p:ext uri="{BB962C8B-B14F-4D97-AF65-F5344CB8AC3E}">
@@ -30202,7 +31311,7 @@
           <p:nvPr>
             <p:extLst>
               <p:ext uri="{D42A27DB-BD31-4B8C-83A1-F6EECF244321}">
-                <p14:modId xmlns:p14="http://schemas.microsoft.com/office/powerpoint/2010/main" val="1748519642"/>
+                <p14:modId xmlns:p14="http://schemas.microsoft.com/office/powerpoint/2010/main" val="2545633675"/>
               </p:ext>
             </p:extLst>
           </p:nvPr>
@@ -30217,36 +31326,34 @@
           </a:graphicData>
         </a:graphic>
       </p:graphicFrame>
-      <p:pic>
-        <p:nvPicPr>
-          <p:cNvPr id="3" name="Picture 2">
-            <a:extLst>
-              <a:ext uri="{FF2B5EF4-FFF2-40B4-BE49-F238E27FC236}">
-                <a16:creationId xmlns:a16="http://schemas.microsoft.com/office/drawing/2014/main" id="{642E43B3-0E6E-404C-90E0-0AA9C8C0B812}"/>
-              </a:ext>
-            </a:extLst>
-          </p:cNvPr>
-          <p:cNvPicPr>
-            <a:picLocks noChangeAspect="1"/>
-          </p:cNvPicPr>
-          <p:nvPr/>
-        </p:nvPicPr>
-        <p:blipFill>
-          <a:blip r:embed="rId3"/>
-          <a:stretch>
-            <a:fillRect/>
-          </a:stretch>
-        </p:blipFill>
-        <p:spPr>
-          <a:xfrm>
-            <a:off x="6096000" y="2741672"/>
-            <a:ext cx="5895343" cy="3389670"/>
-          </a:xfrm>
-          <a:prstGeom prst="rect">
-            <a:avLst/>
-          </a:prstGeom>
-        </p:spPr>
-      </p:pic>
+      <p:graphicFrame>
+        <p:nvGraphicFramePr>
+          <p:cNvPr id="7" name="Chart 6">
+            <a:extLst>
+              <a:ext uri="{FF2B5EF4-FFF2-40B4-BE49-F238E27FC236}">
+                <a16:creationId xmlns:a16="http://schemas.microsoft.com/office/drawing/2014/main" id="{02EB45D9-5AF0-497D-BCF6-20800235C191}"/>
+              </a:ext>
+            </a:extLst>
+          </p:cNvPr>
+          <p:cNvGraphicFramePr/>
+          <p:nvPr>
+            <p:extLst>
+              <p:ext uri="{D42A27DB-BD31-4B8C-83A1-F6EECF244321}">
+                <p14:modId xmlns:p14="http://schemas.microsoft.com/office/powerpoint/2010/main" val="3104974809"/>
+              </p:ext>
+            </p:extLst>
+          </p:nvPr>
+        </p:nvGraphicFramePr>
+        <p:xfrm>
+          <a:off x="6432884" y="2478280"/>
+          <a:ext cx="5408538" cy="3164397"/>
+        </p:xfrm>
+        <a:graphic>
+          <a:graphicData uri="http://schemas.openxmlformats.org/drawingml/2006/chart">
+            <c:chart xmlns:c="http://schemas.openxmlformats.org/drawingml/2006/chart" xmlns:r="http://schemas.openxmlformats.org/officeDocument/2006/relationships" r:id="rId3"/>
+          </a:graphicData>
+        </a:graphic>
+      </p:graphicFrame>
     </p:spTree>
     <p:extLst>
       <p:ext uri="{BB962C8B-B14F-4D97-AF65-F5344CB8AC3E}">
@@ -30295,7 +31402,7 @@
         </p:nvSpPr>
         <p:spPr>
           <a:xfrm>
-            <a:off x="838200" y="365126"/>
+            <a:off x="838200" y="575726"/>
             <a:ext cx="10515600" cy="940026"/>
           </a:xfrm>
         </p:spPr>
@@ -30307,10 +31414,16 @@
           <a:p>
             <a:pPr algn="ctr"/>
             <a:r>
-              <a:rPr lang="en-GB" sz="4000" b="1" dirty="0"/>
+              <a:rPr lang="en-GB" sz="4000" b="1" dirty="0">
+                <a:latin typeface="Times New Roman" panose="02020603050405020304" pitchFamily="18" charset="0"/>
+                <a:cs typeface="Times New Roman" panose="02020603050405020304" pitchFamily="18" charset="0"/>
+              </a:rPr>
               <a:t> 2. On Job Training - I	</a:t>
             </a:r>
-            <a:endParaRPr lang="en-IN" sz="4000" b="1" dirty="0"/>
+            <a:endParaRPr lang="en-IN" sz="4000" b="1" dirty="0">
+              <a:latin typeface="Times New Roman" panose="02020603050405020304" pitchFamily="18" charset="0"/>
+              <a:cs typeface="Times New Roman" panose="02020603050405020304" pitchFamily="18" charset="0"/>
+            </a:endParaRPr>
           </a:p>
         </p:txBody>
       </p:sp>
@@ -30347,6 +31460,8 @@
                     <a:lumMod val="50000"/>
                   </a:schemeClr>
                 </a:solidFill>
+                <a:latin typeface="Times New Roman" panose="02020603050405020304" pitchFamily="18" charset="0"/>
+                <a:cs typeface="Times New Roman" panose="02020603050405020304" pitchFamily="18" charset="0"/>
               </a:rPr>
               <a:pPr/>
               <a:t>11</a:t>
@@ -30357,6 +31472,8 @@
                   <a:lumMod val="50000"/>
                 </a:schemeClr>
               </a:solidFill>
+              <a:latin typeface="Times New Roman" panose="02020603050405020304" pitchFamily="18" charset="0"/>
+              <a:cs typeface="Times New Roman" panose="02020603050405020304" pitchFamily="18" charset="0"/>
             </a:endParaRPr>
           </a:p>
         </p:txBody>
@@ -30391,7 +31508,10 @@
           <a:p>
             <a:pPr algn="just"/>
             <a:r>
-              <a:rPr lang="en-US" sz="3600" b="1" dirty="0"/>
+              <a:rPr lang="en-US" sz="3600" b="1" dirty="0">
+                <a:latin typeface="Times New Roman" panose="02020603050405020304" pitchFamily="18" charset="0"/>
+                <a:cs typeface="Times New Roman" panose="02020603050405020304" pitchFamily="18" charset="0"/>
+              </a:rPr>
               <a:t>PYTHON PROGRAMMING WITH OOP’s</a:t>
             </a:r>
           </a:p>
@@ -30404,7 +31524,10 @@
               <a:buChar char="•"/>
             </a:pPr>
             <a:r>
-              <a:rPr lang="en-US" sz="2000" dirty="0"/>
+              <a:rPr lang="en-US" sz="2000" dirty="0">
+                <a:latin typeface="Times New Roman" panose="02020603050405020304" pitchFamily="18" charset="0"/>
+                <a:cs typeface="Times New Roman" panose="02020603050405020304" pitchFamily="18" charset="0"/>
+              </a:rPr>
               <a:t> Python is an high-level, interpreted programming language that emphasize code readability and simplicity.</a:t>
             </a:r>
           </a:p>
@@ -30417,7 +31540,10 @@
               <a:buChar char="•"/>
             </a:pPr>
             <a:r>
-              <a:rPr lang="en-US" sz="2000" dirty="0"/>
+              <a:rPr lang="en-US" sz="2000" dirty="0">
+                <a:latin typeface="Times New Roman" panose="02020603050405020304" pitchFamily="18" charset="0"/>
+                <a:cs typeface="Times New Roman" panose="02020603050405020304" pitchFamily="18" charset="0"/>
+              </a:rPr>
               <a:t>Python is known for its elegant syntax and easy-to-understand code, making it a popular choice for beginners and experienced developers.</a:t>
             </a:r>
           </a:p>
@@ -30430,7 +31556,10 @@
               <a:buChar char="•"/>
             </a:pPr>
             <a:r>
-              <a:rPr lang="en-US" sz="2000" dirty="0"/>
+              <a:rPr lang="en-US" sz="2000" dirty="0">
+                <a:latin typeface="Times New Roman" panose="02020603050405020304" pitchFamily="18" charset="0"/>
+                <a:cs typeface="Times New Roman" panose="02020603050405020304" pitchFamily="18" charset="0"/>
+              </a:rPr>
               <a:t>It supports various programming paradigms, including procedural, functional, and object – oriented programming (OOP)</a:t>
             </a:r>
           </a:p>
@@ -30443,20 +31572,29 @@
               <a:buChar char="•"/>
             </a:pPr>
             <a:r>
-              <a:rPr lang="en-US" sz="2000" dirty="0"/>
+              <a:rPr lang="en-US" sz="2000" dirty="0">
+                <a:latin typeface="Times New Roman" panose="02020603050405020304" pitchFamily="18" charset="0"/>
+                <a:cs typeface="Times New Roman" panose="02020603050405020304" pitchFamily="18" charset="0"/>
+              </a:rPr>
               <a:t>Python programming with an emphasis on OOP principles, concepts, and implementation.</a:t>
             </a:r>
           </a:p>
           <a:p>
             <a:pPr algn="just"/>
-            <a:endParaRPr lang="en-US" sz="2000" b="1" dirty="0"/>
+            <a:endParaRPr lang="en-US" sz="2000" b="1" dirty="0">
+              <a:latin typeface="Times New Roman" panose="02020603050405020304" pitchFamily="18" charset="0"/>
+              <a:cs typeface="Times New Roman" panose="02020603050405020304" pitchFamily="18" charset="0"/>
+            </a:endParaRPr>
           </a:p>
           <a:p>
             <a:pPr marL="285750" indent="-285750" algn="just">
               <a:buFont typeface="Arial" panose="020B0604020202020204" pitchFamily="34" charset="0"/>
               <a:buChar char="•"/>
             </a:pPr>
-            <a:endParaRPr lang="en-GB" dirty="0"/>
+            <a:endParaRPr lang="en-GB" dirty="0">
+              <a:latin typeface="Times New Roman" panose="02020603050405020304" pitchFamily="18" charset="0"/>
+              <a:cs typeface="Times New Roman" panose="02020603050405020304" pitchFamily="18" charset="0"/>
+            </a:endParaRPr>
           </a:p>
         </p:txBody>
       </p:sp>
@@ -30557,22 +31695,40 @@
           <a:lstStyle/>
           <a:p>
             <a:br>
-              <a:rPr lang="en-IN" sz="3600" b="1" dirty="0"/>
+              <a:rPr lang="en-IN" sz="3600" b="1" dirty="0">
+                <a:latin typeface="Times New Roman" panose="02020603050405020304" pitchFamily="18" charset="0"/>
+                <a:cs typeface="Times New Roman" panose="02020603050405020304" pitchFamily="18" charset="0"/>
+              </a:rPr>
             </a:br>
             <a:br>
-              <a:rPr lang="en-IN" sz="3600" b="1" dirty="0"/>
+              <a:rPr lang="en-IN" sz="3600" b="1" dirty="0">
+                <a:latin typeface="Times New Roman" panose="02020603050405020304" pitchFamily="18" charset="0"/>
+                <a:cs typeface="Times New Roman" panose="02020603050405020304" pitchFamily="18" charset="0"/>
+              </a:rPr>
             </a:br>
             <a:br>
-              <a:rPr lang="en-IN" sz="3600" b="1" dirty="0"/>
+              <a:rPr lang="en-IN" sz="3600" b="1" dirty="0">
+                <a:latin typeface="Times New Roman" panose="02020603050405020304" pitchFamily="18" charset="0"/>
+                <a:cs typeface="Times New Roman" panose="02020603050405020304" pitchFamily="18" charset="0"/>
+              </a:rPr>
             </a:br>
             <a:r>
-              <a:rPr lang="en-IN" sz="3600" b="1" dirty="0"/>
+              <a:rPr lang="en-IN" sz="3600" b="1" dirty="0">
+                <a:latin typeface="Times New Roman" panose="02020603050405020304" pitchFamily="18" charset="0"/>
+                <a:cs typeface="Times New Roman" panose="02020603050405020304" pitchFamily="18" charset="0"/>
+              </a:rPr>
               <a:t>OBJECT ORIENTED PROGRAMMING (OOP) </a:t>
             </a:r>
             <a:br>
-              <a:rPr lang="en-IN" sz="3600" b="1" dirty="0"/>
+              <a:rPr lang="en-IN" sz="3600" b="1" dirty="0">
+                <a:latin typeface="Times New Roman" panose="02020603050405020304" pitchFamily="18" charset="0"/>
+                <a:cs typeface="Times New Roman" panose="02020603050405020304" pitchFamily="18" charset="0"/>
+              </a:rPr>
             </a:br>
-            <a:endParaRPr lang="en-IN" sz="3600" b="1" dirty="0"/>
+            <a:endParaRPr lang="en-IN" sz="3600" b="1" dirty="0">
+              <a:latin typeface="Times New Roman" panose="02020603050405020304" pitchFamily="18" charset="0"/>
+              <a:cs typeface="Times New Roman" panose="02020603050405020304" pitchFamily="18" charset="0"/>
+            </a:endParaRPr>
           </a:p>
         </p:txBody>
       </p:sp>
@@ -30659,7 +31815,10 @@
               <a:buChar char="•"/>
             </a:pPr>
             <a:r>
-              <a:rPr lang="en-US" sz="2000" dirty="0"/>
+              <a:rPr lang="en-US" sz="2000" dirty="0">
+                <a:latin typeface="Times New Roman" panose="02020603050405020304" pitchFamily="18" charset="0"/>
+                <a:cs typeface="Times New Roman" panose="02020603050405020304" pitchFamily="18" charset="0"/>
+              </a:rPr>
               <a:t>Object oriented programming is a programming paradigm that provide a structure way to design and build software.</a:t>
             </a:r>
           </a:p>
@@ -30672,15 +31831,24 @@
               <a:buChar char="•"/>
             </a:pPr>
             <a:r>
-              <a:rPr lang="en-US" sz="2000" dirty="0"/>
+              <a:rPr lang="en-US" sz="2000" dirty="0">
+                <a:latin typeface="Times New Roman" panose="02020603050405020304" pitchFamily="18" charset="0"/>
+                <a:cs typeface="Times New Roman" panose="02020603050405020304" pitchFamily="18" charset="0"/>
+              </a:rPr>
               <a:t>Classes and object : In </a:t>
             </a:r>
             <a:r>
-              <a:rPr lang="en-US" sz="2000" dirty="0" err="1"/>
+              <a:rPr lang="en-US" sz="2000" dirty="0" err="1">
+                <a:latin typeface="Times New Roman" panose="02020603050405020304" pitchFamily="18" charset="0"/>
+                <a:cs typeface="Times New Roman" panose="02020603050405020304" pitchFamily="18" charset="0"/>
+              </a:rPr>
               <a:t>oop</a:t>
             </a:r>
             <a:r>
-              <a:rPr lang="en-US" sz="2000" dirty="0"/>
+              <a:rPr lang="en-US" sz="2000" dirty="0">
+                <a:latin typeface="Times New Roman" panose="02020603050405020304" pitchFamily="18" charset="0"/>
+                <a:cs typeface="Times New Roman" panose="02020603050405020304" pitchFamily="18" charset="0"/>
+              </a:rPr>
               <a:t>, class represent a real-world entity. It defines the structure and behavior that objects of that class will possess. Object is an instance of class representing a specific entity</a:t>
             </a:r>
           </a:p>
@@ -30693,7 +31861,10 @@
               <a:buChar char="•"/>
             </a:pPr>
             <a:r>
-              <a:rPr lang="en-US" sz="2000" dirty="0"/>
+              <a:rPr lang="en-US" sz="2000" dirty="0">
+                <a:latin typeface="Times New Roman" panose="02020603050405020304" pitchFamily="18" charset="0"/>
+                <a:cs typeface="Times New Roman" panose="02020603050405020304" pitchFamily="18" charset="0"/>
+              </a:rPr>
               <a:t>Encapsulation </a:t>
             </a:r>
           </a:p>
@@ -30706,7 +31877,10 @@
               <a:buChar char="•"/>
             </a:pPr>
             <a:r>
-              <a:rPr lang="en-US" sz="2000" dirty="0"/>
+              <a:rPr lang="en-US" sz="2000" dirty="0">
+                <a:latin typeface="Times New Roman" panose="02020603050405020304" pitchFamily="18" charset="0"/>
+                <a:cs typeface="Times New Roman" panose="02020603050405020304" pitchFamily="18" charset="0"/>
+              </a:rPr>
               <a:t>Inheritance </a:t>
             </a:r>
           </a:p>
@@ -30719,17 +31893,26 @@
               <a:buChar char="•"/>
             </a:pPr>
             <a:r>
-              <a:rPr lang="en-US" sz="2000" dirty="0"/>
+              <a:rPr lang="en-US" sz="2000" dirty="0">
+                <a:latin typeface="Times New Roman" panose="02020603050405020304" pitchFamily="18" charset="0"/>
+                <a:cs typeface="Times New Roman" panose="02020603050405020304" pitchFamily="18" charset="0"/>
+              </a:rPr>
               <a:t>Polymorphism</a:t>
             </a:r>
-            <a:endParaRPr lang="en-US" sz="2000" b="1" dirty="0"/>
+            <a:endParaRPr lang="en-US" sz="2000" b="1" dirty="0">
+              <a:latin typeface="Times New Roman" panose="02020603050405020304" pitchFamily="18" charset="0"/>
+              <a:cs typeface="Times New Roman" panose="02020603050405020304" pitchFamily="18" charset="0"/>
+            </a:endParaRPr>
           </a:p>
           <a:p>
             <a:pPr marL="285750" indent="-285750" algn="just">
               <a:buFont typeface="Arial" panose="020B0604020202020204" pitchFamily="34" charset="0"/>
               <a:buChar char="•"/>
             </a:pPr>
-            <a:endParaRPr lang="en-GB" dirty="0"/>
+            <a:endParaRPr lang="en-GB" dirty="0">
+              <a:latin typeface="Times New Roman" panose="02020603050405020304" pitchFamily="18" charset="0"/>
+              <a:cs typeface="Times New Roman" panose="02020603050405020304" pitchFamily="18" charset="0"/>
+            </a:endParaRPr>
           </a:p>
         </p:txBody>
       </p:sp>
@@ -30781,7 +31964,7 @@
         </p:nvSpPr>
         <p:spPr>
           <a:xfrm>
-            <a:off x="838200" y="365126"/>
+            <a:off x="838200" y="460376"/>
             <a:ext cx="10515600" cy="787399"/>
           </a:xfrm>
         </p:spPr>
@@ -30792,10 +31975,16 @@
           <a:lstStyle/>
           <a:p>
             <a:br>
-              <a:rPr lang="en-US" sz="3600" b="1" dirty="0"/>
+              <a:rPr lang="en-US" sz="3600" b="1" dirty="0">
+                <a:latin typeface="Times New Roman" panose="02020603050405020304" pitchFamily="18" charset="0"/>
+                <a:cs typeface="Times New Roman" panose="02020603050405020304" pitchFamily="18" charset="0"/>
+              </a:rPr>
             </a:br>
             <a:r>
-              <a:rPr lang="en-US" sz="3600" b="1" dirty="0"/>
+              <a:rPr lang="en-US" sz="3600" b="1" dirty="0">
+                <a:latin typeface="Times New Roman" panose="02020603050405020304" pitchFamily="18" charset="0"/>
+                <a:cs typeface="Times New Roman" panose="02020603050405020304" pitchFamily="18" charset="0"/>
+              </a:rPr>
               <a:t>IMPLEMENTATION OF OOP IN PYTHON </a:t>
             </a:r>
           </a:p>
@@ -30888,6 +32077,8 @@
                 <a:solidFill>
                   <a:srgbClr val="374151"/>
                 </a:solidFill>
+                <a:latin typeface="Times New Roman" panose="02020603050405020304" pitchFamily="18" charset="0"/>
+                <a:cs typeface="Times New Roman" panose="02020603050405020304" pitchFamily="18" charset="0"/>
               </a:rPr>
               <a:t>Classes: Define classes to encapsulate data and behavior.</a:t>
             </a:r>
@@ -30905,6 +32096,8 @@
                 <a:solidFill>
                   <a:srgbClr val="374151"/>
                 </a:solidFill>
+                <a:latin typeface="Times New Roman" panose="02020603050405020304" pitchFamily="18" charset="0"/>
+                <a:cs typeface="Times New Roman" panose="02020603050405020304" pitchFamily="18" charset="0"/>
               </a:rPr>
               <a:t>Objects: Create objects (instances) of classes to represent specific instances of the data.</a:t>
             </a:r>
@@ -30922,6 +32115,8 @@
                 <a:solidFill>
                   <a:srgbClr val="374151"/>
                 </a:solidFill>
+                <a:latin typeface="Times New Roman" panose="02020603050405020304" pitchFamily="18" charset="0"/>
+                <a:cs typeface="Times New Roman" panose="02020603050405020304" pitchFamily="18" charset="0"/>
               </a:rPr>
               <a:t>Inheritance: Use inheritance to create subclasses that inherit properties and methods from a parent class.</a:t>
             </a:r>
@@ -30939,6 +32134,8 @@
                 <a:solidFill>
                   <a:srgbClr val="374151"/>
                 </a:solidFill>
+                <a:latin typeface="Times New Roman" panose="02020603050405020304" pitchFamily="18" charset="0"/>
+                <a:cs typeface="Times New Roman" panose="02020603050405020304" pitchFamily="18" charset="0"/>
               </a:rPr>
               <a:t>Polymorphism: Utilize polymorphism to create multiple methods with the same name but different implementations in different classes.</a:t>
             </a:r>
@@ -30956,6 +32153,8 @@
                 <a:solidFill>
                   <a:srgbClr val="374151"/>
                 </a:solidFill>
+                <a:latin typeface="Times New Roman" panose="02020603050405020304" pitchFamily="18" charset="0"/>
+                <a:cs typeface="Times New Roman" panose="02020603050405020304" pitchFamily="18" charset="0"/>
               </a:rPr>
               <a:t>Encapsulation: Use encapsulation to hide the internal details of a class and provide public interfaces for interacting with the object.</a:t>
             </a:r>
@@ -30965,7 +32164,10 @@
               <a:buFont typeface="Arial" panose="020B0604020202020204" pitchFamily="34" charset="0"/>
               <a:buChar char="•"/>
             </a:pPr>
-            <a:endParaRPr lang="en-GB" dirty="0"/>
+            <a:endParaRPr lang="en-GB" dirty="0">
+              <a:latin typeface="Times New Roman" panose="02020603050405020304" pitchFamily="18" charset="0"/>
+              <a:cs typeface="Times New Roman" panose="02020603050405020304" pitchFamily="18" charset="0"/>
+            </a:endParaRPr>
           </a:p>
         </p:txBody>
       </p:sp>
@@ -31028,19 +32230,34 @@
           <a:lstStyle/>
           <a:p>
             <a:br>
-              <a:rPr lang="en-US" sz="3600" b="1" dirty="0"/>
+              <a:rPr lang="en-US" sz="3600" b="1" dirty="0">
+                <a:latin typeface="Times New Roman" panose="02020603050405020304" pitchFamily="18" charset="0"/>
+                <a:cs typeface="Times New Roman" panose="02020603050405020304" pitchFamily="18" charset="0"/>
+              </a:rPr>
             </a:br>
             <a:br>
-              <a:rPr lang="en-US" sz="3600" b="1" dirty="0"/>
+              <a:rPr lang="en-US" sz="3600" b="1" dirty="0">
+                <a:latin typeface="Times New Roman" panose="02020603050405020304" pitchFamily="18" charset="0"/>
+                <a:cs typeface="Times New Roman" panose="02020603050405020304" pitchFamily="18" charset="0"/>
+              </a:rPr>
             </a:br>
             <a:r>
-              <a:rPr lang="en-US" sz="3600" b="1" dirty="0"/>
+              <a:rPr lang="en-US" sz="3600" b="1" dirty="0">
+                <a:latin typeface="Times New Roman" panose="02020603050405020304" pitchFamily="18" charset="0"/>
+                <a:cs typeface="Times New Roman" panose="02020603050405020304" pitchFamily="18" charset="0"/>
+              </a:rPr>
               <a:t>BENEFITS OF OOP IN PYTHON </a:t>
             </a:r>
             <a:br>
-              <a:rPr lang="en-US" sz="3600" b="1" dirty="0"/>
+              <a:rPr lang="en-US" sz="3600" b="1" dirty="0">
+                <a:latin typeface="Times New Roman" panose="02020603050405020304" pitchFamily="18" charset="0"/>
+                <a:cs typeface="Times New Roman" panose="02020603050405020304" pitchFamily="18" charset="0"/>
+              </a:rPr>
             </a:br>
-            <a:endParaRPr lang="en-US" sz="3600" b="1" dirty="0"/>
+            <a:endParaRPr lang="en-US" sz="3600" b="1" dirty="0">
+              <a:latin typeface="Times New Roman" panose="02020603050405020304" pitchFamily="18" charset="0"/>
+              <a:cs typeface="Times New Roman" panose="02020603050405020304" pitchFamily="18" charset="0"/>
+            </a:endParaRPr>
           </a:p>
         </p:txBody>
       </p:sp>
@@ -31131,7 +32348,8 @@
                 <a:solidFill>
                   <a:srgbClr val="374151"/>
                 </a:solidFill>
-                <a:latin typeface="Sogona book"/>
+                <a:latin typeface="Times New Roman" panose="02020603050405020304" pitchFamily="18" charset="0"/>
+                <a:cs typeface="Times New Roman" panose="02020603050405020304" pitchFamily="18" charset="0"/>
               </a:rPr>
               <a:t>Code reusability</a:t>
             </a:r>
@@ -31149,7 +32367,8 @@
                 <a:solidFill>
                   <a:srgbClr val="374151"/>
                 </a:solidFill>
-                <a:latin typeface="Sogona book"/>
+                <a:latin typeface="Times New Roman" panose="02020603050405020304" pitchFamily="18" charset="0"/>
+                <a:cs typeface="Times New Roman" panose="02020603050405020304" pitchFamily="18" charset="0"/>
               </a:rPr>
               <a:t>Encapsulation and data hiding</a:t>
             </a:r>
@@ -31167,7 +32386,8 @@
                 <a:solidFill>
                   <a:srgbClr val="374151"/>
                 </a:solidFill>
-                <a:latin typeface="Sogona book"/>
+                <a:latin typeface="Times New Roman" panose="02020603050405020304" pitchFamily="18" charset="0"/>
+                <a:cs typeface="Times New Roman" panose="02020603050405020304" pitchFamily="18" charset="0"/>
               </a:rPr>
               <a:t>Abstraction and simplified complexity</a:t>
             </a:r>
@@ -31185,7 +32405,8 @@
                 <a:solidFill>
                   <a:srgbClr val="374151"/>
                 </a:solidFill>
-                <a:latin typeface="Sogona book"/>
+                <a:latin typeface="Times New Roman" panose="02020603050405020304" pitchFamily="18" charset="0"/>
+                <a:cs typeface="Times New Roman" panose="02020603050405020304" pitchFamily="18" charset="0"/>
               </a:rPr>
               <a:t>Inheritance and code reuse</a:t>
             </a:r>
@@ -31203,7 +32424,8 @@
                 <a:solidFill>
                   <a:srgbClr val="374151"/>
                 </a:solidFill>
-                <a:latin typeface="Sogona book"/>
+                <a:latin typeface="Times New Roman" panose="02020603050405020304" pitchFamily="18" charset="0"/>
+                <a:cs typeface="Times New Roman" panose="02020603050405020304" pitchFamily="18" charset="0"/>
               </a:rPr>
               <a:t>Polymorphism and flexibility</a:t>
             </a:r>
@@ -31212,7 +32434,8 @@
                 <a:srgbClr val="374151"/>
               </a:solidFill>
               <a:effectLst/>
-              <a:latin typeface="Sogona book"/>
+              <a:latin typeface="Times New Roman" panose="02020603050405020304" pitchFamily="18" charset="0"/>
+              <a:cs typeface="Times New Roman" panose="02020603050405020304" pitchFamily="18" charset="0"/>
             </a:endParaRPr>
           </a:p>
           <a:p>
@@ -31220,7 +32443,10 @@
               <a:buFont typeface="Arial" panose="020B0604020202020204" pitchFamily="34" charset="0"/>
               <a:buChar char="•"/>
             </a:pPr>
-            <a:endParaRPr lang="en-GB" dirty="0"/>
+            <a:endParaRPr lang="en-GB" dirty="0">
+              <a:latin typeface="Times New Roman" panose="02020603050405020304" pitchFamily="18" charset="0"/>
+              <a:cs typeface="Times New Roman" panose="02020603050405020304" pitchFamily="18" charset="0"/>
+            </a:endParaRPr>
           </a:p>
         </p:txBody>
       </p:sp>
@@ -31283,10 +32509,16 @@
           <a:lstStyle/>
           <a:p>
             <a:br>
-              <a:rPr lang="en-US" sz="3600" b="1" dirty="0"/>
+              <a:rPr lang="en-US" sz="3600" b="1" dirty="0">
+                <a:latin typeface="Times New Roman" panose="02020603050405020304" pitchFamily="18" charset="0"/>
+                <a:cs typeface="Times New Roman" panose="02020603050405020304" pitchFamily="18" charset="0"/>
+              </a:rPr>
             </a:br>
             <a:r>
-              <a:rPr lang="en-US" sz="3600" b="1" dirty="0"/>
+              <a:rPr lang="en-US" sz="3600" b="1" dirty="0">
+                <a:latin typeface="Times New Roman" panose="02020603050405020304" pitchFamily="18" charset="0"/>
+                <a:cs typeface="Times New Roman" panose="02020603050405020304" pitchFamily="18" charset="0"/>
+              </a:rPr>
               <a:t>IMPORTANT FUNCTION OF PYTHON </a:t>
             </a:r>
           </a:p>
@@ -31375,15 +32607,24 @@
               <a:buChar char="•"/>
             </a:pPr>
             <a:r>
-              <a:rPr lang="en-US" sz="2000" dirty="0"/>
+              <a:rPr lang="en-US" sz="2000" dirty="0">
+                <a:latin typeface="Times New Roman" panose="02020603050405020304" pitchFamily="18" charset="0"/>
+                <a:cs typeface="Times New Roman" panose="02020603050405020304" pitchFamily="18" charset="0"/>
+              </a:rPr>
               <a:t>Map: The map() function in Python is used to apply a given function to each item in an </a:t>
             </a:r>
             <a:r>
-              <a:rPr lang="en-US" sz="2000" dirty="0" err="1"/>
+              <a:rPr lang="en-US" sz="2000" dirty="0" err="1">
+                <a:latin typeface="Times New Roman" panose="02020603050405020304" pitchFamily="18" charset="0"/>
+                <a:cs typeface="Times New Roman" panose="02020603050405020304" pitchFamily="18" charset="0"/>
+              </a:rPr>
               <a:t>iterable</a:t>
             </a:r>
             <a:r>
-              <a:rPr lang="en-US" sz="2000" dirty="0"/>
+              <a:rPr lang="en-US" sz="2000" dirty="0">
+                <a:latin typeface="Times New Roman" panose="02020603050405020304" pitchFamily="18" charset="0"/>
+                <a:cs typeface="Times New Roman" panose="02020603050405020304" pitchFamily="18" charset="0"/>
+              </a:rPr>
               <a:t> </a:t>
             </a:r>
           </a:p>
@@ -31396,19 +32637,31 @@
               <a:buChar char="•"/>
             </a:pPr>
             <a:r>
-              <a:rPr lang="en-GB" sz="2000" dirty="0"/>
+              <a:rPr lang="en-GB" sz="2000" dirty="0">
+                <a:latin typeface="Times New Roman" panose="02020603050405020304" pitchFamily="18" charset="0"/>
+                <a:cs typeface="Times New Roman" panose="02020603050405020304" pitchFamily="18" charset="0"/>
+              </a:rPr>
               <a:t>Filter: </a:t>
             </a:r>
             <a:r>
-              <a:rPr lang="en-US" sz="2000" dirty="0"/>
+              <a:rPr lang="en-US" sz="2000" dirty="0">
+                <a:latin typeface="Times New Roman" panose="02020603050405020304" pitchFamily="18" charset="0"/>
+                <a:cs typeface="Times New Roman" panose="02020603050405020304" pitchFamily="18" charset="0"/>
+              </a:rPr>
               <a:t>The filter() function in Python is used to filter out elements from an </a:t>
             </a:r>
             <a:r>
-              <a:rPr lang="en-US" sz="2000" dirty="0" err="1"/>
+              <a:rPr lang="en-US" sz="2000" dirty="0" err="1">
+                <a:latin typeface="Times New Roman" panose="02020603050405020304" pitchFamily="18" charset="0"/>
+                <a:cs typeface="Times New Roman" panose="02020603050405020304" pitchFamily="18" charset="0"/>
+              </a:rPr>
               <a:t>iterable</a:t>
             </a:r>
             <a:r>
-              <a:rPr lang="en-US" sz="2000" dirty="0"/>
+              <a:rPr lang="en-US" sz="2000" dirty="0">
+                <a:latin typeface="Times New Roman" panose="02020603050405020304" pitchFamily="18" charset="0"/>
+                <a:cs typeface="Times New Roman" panose="02020603050405020304" pitchFamily="18" charset="0"/>
+              </a:rPr>
               <a:t> based on a specified condition.</a:t>
             </a:r>
           </a:p>
@@ -31421,27 +32674,45 @@
               <a:buChar char="•"/>
             </a:pPr>
             <a:r>
-              <a:rPr lang="en-GB" sz="2000" dirty="0"/>
+              <a:rPr lang="en-GB" sz="2000" dirty="0">
+                <a:latin typeface="Times New Roman" panose="02020603050405020304" pitchFamily="18" charset="0"/>
+                <a:cs typeface="Times New Roman" panose="02020603050405020304" pitchFamily="18" charset="0"/>
+              </a:rPr>
               <a:t>Reduce: </a:t>
             </a:r>
             <a:r>
-              <a:rPr lang="en-US" sz="2000" dirty="0"/>
+              <a:rPr lang="en-US" sz="2000" dirty="0">
+                <a:latin typeface="Times New Roman" panose="02020603050405020304" pitchFamily="18" charset="0"/>
+                <a:cs typeface="Times New Roman" panose="02020603050405020304" pitchFamily="18" charset="0"/>
+              </a:rPr>
               <a:t>The reduce() function is part of the </a:t>
             </a:r>
             <a:r>
-              <a:rPr lang="en-US" sz="2000" dirty="0" err="1"/>
+              <a:rPr lang="en-US" sz="2000" dirty="0" err="1">
+                <a:latin typeface="Times New Roman" panose="02020603050405020304" pitchFamily="18" charset="0"/>
+                <a:cs typeface="Times New Roman" panose="02020603050405020304" pitchFamily="18" charset="0"/>
+              </a:rPr>
               <a:t>functools</a:t>
             </a:r>
             <a:r>
-              <a:rPr lang="en-US" sz="2000" dirty="0"/>
+              <a:rPr lang="en-US" sz="2000" dirty="0">
+                <a:latin typeface="Times New Roman" panose="02020603050405020304" pitchFamily="18" charset="0"/>
+                <a:cs typeface="Times New Roman" panose="02020603050405020304" pitchFamily="18" charset="0"/>
+              </a:rPr>
               <a:t> module in Python. It is used to apply a specified function to the elements of an </a:t>
             </a:r>
             <a:r>
-              <a:rPr lang="en-US" sz="2000" dirty="0" err="1"/>
+              <a:rPr lang="en-US" sz="2000" dirty="0" err="1">
+                <a:latin typeface="Times New Roman" panose="02020603050405020304" pitchFamily="18" charset="0"/>
+                <a:cs typeface="Times New Roman" panose="02020603050405020304" pitchFamily="18" charset="0"/>
+              </a:rPr>
               <a:t>iterable</a:t>
             </a:r>
             <a:r>
-              <a:rPr lang="en-US" sz="2000" dirty="0"/>
+              <a:rPr lang="en-US" sz="2000" dirty="0">
+                <a:latin typeface="Times New Roman" panose="02020603050405020304" pitchFamily="18" charset="0"/>
+                <a:cs typeface="Times New Roman" panose="02020603050405020304" pitchFamily="18" charset="0"/>
+              </a:rPr>
               <a:t> in a cumulative way.</a:t>
             </a:r>
           </a:p>
@@ -31454,21 +32725,33 @@
               <a:buChar char="•"/>
             </a:pPr>
             <a:r>
-              <a:rPr lang="en-GB" sz="2000" dirty="0"/>
+              <a:rPr lang="en-GB" sz="2000" dirty="0">
+                <a:latin typeface="Times New Roman" panose="02020603050405020304" pitchFamily="18" charset="0"/>
+                <a:cs typeface="Times New Roman" panose="02020603050405020304" pitchFamily="18" charset="0"/>
+              </a:rPr>
               <a:t>Lambda Functions:</a:t>
             </a:r>
             <a:r>
-              <a:rPr lang="en-US" sz="2000" dirty="0"/>
+              <a:rPr lang="en-US" sz="2000" dirty="0">
+                <a:latin typeface="Times New Roman" panose="02020603050405020304" pitchFamily="18" charset="0"/>
+                <a:cs typeface="Times New Roman" panose="02020603050405020304" pitchFamily="18" charset="0"/>
+              </a:rPr>
               <a:t> A lambda function is a small, anonymous function in Python. It is defined using the lambda keyword and can take any number of arguments but can only have one expression.</a:t>
             </a:r>
-            <a:endParaRPr lang="en-UG" sz="2000" dirty="0"/>
+            <a:endParaRPr lang="en-UG" sz="2000" dirty="0">
+              <a:latin typeface="Times New Roman" panose="02020603050405020304" pitchFamily="18" charset="0"/>
+              <a:cs typeface="Times New Roman" panose="02020603050405020304" pitchFamily="18" charset="0"/>
+            </a:endParaRPr>
           </a:p>
           <a:p>
             <a:pPr marL="285750" indent="-285750" algn="just">
               <a:buFont typeface="Arial" panose="020B0604020202020204" pitchFamily="34" charset="0"/>
               <a:buChar char="•"/>
             </a:pPr>
-            <a:endParaRPr lang="en-GB" dirty="0"/>
+            <a:endParaRPr lang="en-GB" dirty="0">
+              <a:latin typeface="Times New Roman" panose="02020603050405020304" pitchFamily="18" charset="0"/>
+              <a:cs typeface="Times New Roman" panose="02020603050405020304" pitchFamily="18" charset="0"/>
+            </a:endParaRPr>
           </a:p>
         </p:txBody>
       </p:sp>
@@ -31520,7 +32803,7 @@
         </p:nvSpPr>
         <p:spPr>
           <a:xfrm>
-            <a:off x="838200" y="365126"/>
+            <a:off x="872587" y="575726"/>
             <a:ext cx="10515600" cy="940026"/>
           </a:xfrm>
         </p:spPr>
@@ -31532,10 +32815,16 @@
           <a:p>
             <a:pPr algn="ctr"/>
             <a:r>
-              <a:rPr lang="en-GB" sz="4000" b="1" dirty="0"/>
+              <a:rPr lang="en-GB" sz="4000" b="1" dirty="0">
+                <a:latin typeface="Times New Roman" panose="02020603050405020304" pitchFamily="18" charset="0"/>
+                <a:cs typeface="Times New Roman" panose="02020603050405020304" pitchFamily="18" charset="0"/>
+              </a:rPr>
               <a:t>3. Use Case - I	</a:t>
             </a:r>
-            <a:endParaRPr lang="en-IN" sz="4000" b="1" dirty="0"/>
+            <a:endParaRPr lang="en-IN" sz="4000" b="1" dirty="0">
+              <a:latin typeface="Times New Roman" panose="02020603050405020304" pitchFamily="18" charset="0"/>
+              <a:cs typeface="Times New Roman" panose="02020603050405020304" pitchFamily="18" charset="0"/>
+            </a:endParaRPr>
           </a:p>
         </p:txBody>
       </p:sp>
@@ -31572,6 +32861,8 @@
                     <a:lumMod val="50000"/>
                   </a:schemeClr>
                 </a:solidFill>
+                <a:latin typeface="Times New Roman" panose="02020603050405020304" pitchFamily="18" charset="0"/>
+                <a:cs typeface="Times New Roman" panose="02020603050405020304" pitchFamily="18" charset="0"/>
               </a:rPr>
               <a:pPr/>
               <a:t>16</a:t>
@@ -31582,6 +32873,8 @@
                   <a:lumMod val="50000"/>
                 </a:schemeClr>
               </a:solidFill>
+              <a:latin typeface="Times New Roman" panose="02020603050405020304" pitchFamily="18" charset="0"/>
+              <a:cs typeface="Times New Roman" panose="02020603050405020304" pitchFamily="18" charset="0"/>
             </a:endParaRPr>
           </a:p>
         </p:txBody>
@@ -31616,13 +32909,19 @@
           <a:p>
             <a:pPr algn="just"/>
             <a:r>
-              <a:rPr lang="en-US" sz="3600" b="1" dirty="0"/>
+              <a:rPr lang="en-US" sz="3600" b="1" dirty="0">
+                <a:latin typeface="Times New Roman" panose="02020603050405020304" pitchFamily="18" charset="0"/>
+                <a:cs typeface="Times New Roman" panose="02020603050405020304" pitchFamily="18" charset="0"/>
+              </a:rPr>
               <a:t>BANKING APPLICATION</a:t>
             </a:r>
           </a:p>
           <a:p>
             <a:pPr lvl="1" algn="just"/>
-            <a:endParaRPr lang="en-US" sz="2400" b="1" dirty="0"/>
+            <a:endParaRPr lang="en-US" sz="2400" b="1" dirty="0">
+              <a:latin typeface="Times New Roman" panose="02020603050405020304" pitchFamily="18" charset="0"/>
+              <a:cs typeface="Times New Roman" panose="02020603050405020304" pitchFamily="18" charset="0"/>
+            </a:endParaRPr>
           </a:p>
           <a:p>
             <a:pPr marL="800100" lvl="1" indent="-342900" algn="just">
@@ -31633,11 +32932,17 @@
               <a:buChar char="•"/>
             </a:pPr>
             <a:r>
-              <a:rPr lang="en-US" sz="2000" dirty="0"/>
+              <a:rPr lang="en-US" sz="2000" dirty="0">
+                <a:latin typeface="Times New Roman" panose="02020603050405020304" pitchFamily="18" charset="0"/>
+                <a:cs typeface="Times New Roman" panose="02020603050405020304" pitchFamily="18" charset="0"/>
+              </a:rPr>
               <a:t> </a:t>
             </a:r>
             <a:r>
-              <a:rPr lang="en-GB" sz="2000" dirty="0"/>
+              <a:rPr lang="en-GB" sz="2000" dirty="0">
+                <a:latin typeface="Times New Roman" panose="02020603050405020304" pitchFamily="18" charset="0"/>
+                <a:cs typeface="Times New Roman" panose="02020603050405020304" pitchFamily="18" charset="0"/>
+              </a:rPr>
               <a:t>They enable users to perform various financial transactions and access banking services         conveniently from their mobile devices or computers.</a:t>
             </a:r>
           </a:p>
@@ -31651,23 +32956,23 @@
             </a:pPr>
             <a:r>
               <a:rPr lang="en-US" sz="2000" b="1" kern="100" dirty="0">
-                <a:latin typeface="Sogona book"/>
+                <a:latin typeface="Times New Roman" panose="02020603050405020304" pitchFamily="18" charset="0"/>
                 <a:ea typeface="Calibri" panose="020F0502020204030204" pitchFamily="34" charset="0"/>
-                <a:cs typeface="Tunga" panose="020B0502040204020203" pitchFamily="34" charset="0"/>
+                <a:cs typeface="Times New Roman" panose="02020603050405020304" pitchFamily="18" charset="0"/>
               </a:rPr>
               <a:t>Account Management: </a:t>
             </a:r>
             <a:r>
               <a:rPr lang="en-US" sz="2000" kern="100" dirty="0">
-                <a:latin typeface="Sogona book"/>
+                <a:latin typeface="Times New Roman" panose="02020603050405020304" pitchFamily="18" charset="0"/>
                 <a:ea typeface="Calibri" panose="020F0502020204030204" pitchFamily="34" charset="0"/>
-                <a:cs typeface="Tunga" panose="020B0502040204020203" pitchFamily="34" charset="0"/>
+                <a:cs typeface="Times New Roman" panose="02020603050405020304" pitchFamily="18" charset="0"/>
               </a:rPr>
               <a:t>Banking applications allow users to create and manage their bank accounts, including checking, savings, and investment accounts.</a:t>
             </a:r>
             <a:endParaRPr lang="en-IN" sz="2000" kern="100" dirty="0">
-              <a:latin typeface="Sogona book"/>
-              <a:cs typeface="Tunga" panose="020B0502040204020203" pitchFamily="34" charset="0"/>
+              <a:latin typeface="Times New Roman" panose="02020603050405020304" pitchFamily="18" charset="0"/>
+              <a:cs typeface="Times New Roman" panose="02020603050405020304" pitchFamily="18" charset="0"/>
             </a:endParaRPr>
           </a:p>
           <a:p>
@@ -31680,17 +32985,17 @@
             </a:pPr>
             <a:r>
               <a:rPr lang="en-US" sz="2000" b="1" kern="100" dirty="0">
-                <a:latin typeface="Sogona book"/>
+                <a:latin typeface="Times New Roman" panose="02020603050405020304" pitchFamily="18" charset="0"/>
                 <a:ea typeface="Calibri" panose="020F0502020204030204" pitchFamily="34" charset="0"/>
-                <a:cs typeface="Tunga" panose="020B0502040204020203" pitchFamily="34" charset="0"/>
+                <a:cs typeface="Times New Roman" panose="02020603050405020304" pitchFamily="18" charset="0"/>
               </a:rPr>
               <a:t>Bill Payments: </a:t>
             </a:r>
             <a:r>
               <a:rPr lang="en-US" sz="2000" kern="100" dirty="0">
-                <a:latin typeface="Sogona book"/>
+                <a:latin typeface="Times New Roman" panose="02020603050405020304" pitchFamily="18" charset="0"/>
                 <a:ea typeface="Calibri" panose="020F0502020204030204" pitchFamily="34" charset="0"/>
-                <a:cs typeface="Tunga" panose="020B0502040204020203" pitchFamily="34" charset="0"/>
+                <a:cs typeface="Times New Roman" panose="02020603050405020304" pitchFamily="18" charset="0"/>
               </a:rPr>
               <a:t>Banking apps provide the functionality to pay bills directly from the application, eliminating the need for manual payments.</a:t>
             </a:r>
@@ -31700,18 +33005,27 @@
               <a:buFont typeface="Arial" panose="020B0604020202020204" pitchFamily="34" charset="0"/>
               <a:buChar char="•"/>
             </a:pPr>
-            <a:endParaRPr lang="en-GB" sz="2000" dirty="0"/>
+            <a:endParaRPr lang="en-GB" sz="2000" dirty="0">
+              <a:latin typeface="Times New Roman" panose="02020603050405020304" pitchFamily="18" charset="0"/>
+              <a:cs typeface="Times New Roman" panose="02020603050405020304" pitchFamily="18" charset="0"/>
+            </a:endParaRPr>
           </a:p>
           <a:p>
             <a:pPr algn="just"/>
-            <a:endParaRPr lang="en-US" sz="2400" b="1" dirty="0"/>
+            <a:endParaRPr lang="en-US" sz="2400" b="1" dirty="0">
+              <a:latin typeface="Times New Roman" panose="02020603050405020304" pitchFamily="18" charset="0"/>
+              <a:cs typeface="Times New Roman" panose="02020603050405020304" pitchFamily="18" charset="0"/>
+            </a:endParaRPr>
           </a:p>
           <a:p>
             <a:pPr marL="285750" indent="-285750" algn="just">
               <a:buFont typeface="Arial" panose="020B0604020202020204" pitchFamily="34" charset="0"/>
               <a:buChar char="•"/>
             </a:pPr>
-            <a:endParaRPr lang="en-GB" dirty="0"/>
+            <a:endParaRPr lang="en-GB" dirty="0">
+              <a:latin typeface="Times New Roman" panose="02020603050405020304" pitchFamily="18" charset="0"/>
+              <a:cs typeface="Times New Roman" panose="02020603050405020304" pitchFamily="18" charset="0"/>
+            </a:endParaRPr>
           </a:p>
         </p:txBody>
       </p:sp>
@@ -31812,7 +33126,10 @@
           <a:lstStyle/>
           <a:p>
             <a:r>
-              <a:rPr lang="en-US" sz="3600" b="1" dirty="0"/>
+              <a:rPr lang="en-US" sz="3600" b="1" dirty="0">
+                <a:latin typeface="Times New Roman" panose="02020603050405020304" pitchFamily="18" charset="0"/>
+                <a:cs typeface="Times New Roman" panose="02020603050405020304" pitchFamily="18" charset="0"/>
+              </a:rPr>
               <a:t>PROBLEM STATEMENT</a:t>
             </a:r>
           </a:p>
@@ -31905,16 +33222,16 @@
             </a:pPr>
             <a:r>
               <a:rPr lang="en-US" sz="2000" kern="100" dirty="0">
-                <a:latin typeface="Sogona book"/>
+                <a:latin typeface="Times New Roman" panose="02020603050405020304" pitchFamily="18" charset="0"/>
                 <a:ea typeface="Calibri" panose="020F0502020204030204" pitchFamily="34" charset="0"/>
-                <a:cs typeface="Tunga" panose="020B0502040204020203" pitchFamily="34" charset="0"/>
+                <a:cs typeface="Times New Roman" panose="02020603050405020304" pitchFamily="18" charset="0"/>
               </a:rPr>
               <a:t>You are tasked with creating a simple banking application. Implement a Python class called BankAccount that represents a bank account. The BankAccount class should have the following attributes and methods </a:t>
             </a:r>
             <a:endParaRPr lang="en-IN" sz="2000" kern="100" dirty="0">
-              <a:latin typeface="Sogona book"/>
+              <a:latin typeface="Times New Roman" panose="02020603050405020304" pitchFamily="18" charset="0"/>
               <a:ea typeface="Calibri" panose="020F0502020204030204" pitchFamily="34" charset="0"/>
-              <a:cs typeface="Tunga" panose="020B0502040204020203" pitchFamily="34" charset="0"/>
+              <a:cs typeface="Times New Roman" panose="02020603050405020304" pitchFamily="18" charset="0"/>
             </a:endParaRPr>
           </a:p>
           <a:p>
@@ -31930,16 +33247,16 @@
             </a:pPr>
             <a:r>
               <a:rPr lang="en-US" sz="2000" kern="100" dirty="0">
-                <a:latin typeface="Sogona book"/>
+                <a:latin typeface="Times New Roman" panose="02020603050405020304" pitchFamily="18" charset="0"/>
                 <a:ea typeface="Calibri" panose="020F0502020204030204" pitchFamily="34" charset="0"/>
-                <a:cs typeface="Tunga" panose="020B0502040204020203" pitchFamily="34" charset="0"/>
+                <a:cs typeface="Times New Roman" panose="02020603050405020304" pitchFamily="18" charset="0"/>
               </a:rPr>
               <a:t> Attributes: </a:t>
             </a:r>
             <a:endParaRPr lang="en-IN" sz="2000" kern="100" dirty="0">
-              <a:latin typeface="Sogona book"/>
+              <a:latin typeface="Times New Roman" panose="02020603050405020304" pitchFamily="18" charset="0"/>
               <a:ea typeface="Calibri" panose="020F0502020204030204" pitchFamily="34" charset="0"/>
-              <a:cs typeface="Tunga" panose="020B0502040204020203" pitchFamily="34" charset="0"/>
+              <a:cs typeface="Times New Roman" panose="02020603050405020304" pitchFamily="18" charset="0"/>
             </a:endParaRPr>
           </a:p>
           <a:p>
@@ -31955,24 +33272,24 @@
             </a:pPr>
             <a:r>
               <a:rPr lang="en-US" sz="2000" kern="100" dirty="0" err="1">
-                <a:latin typeface="Sogona book"/>
+                <a:latin typeface="Times New Roman" panose="02020603050405020304" pitchFamily="18" charset="0"/>
                 <a:ea typeface="Calibri" panose="020F0502020204030204" pitchFamily="34" charset="0"/>
-                <a:cs typeface="Tunga" panose="020B0502040204020203" pitchFamily="34" charset="0"/>
+                <a:cs typeface="Times New Roman" panose="02020603050405020304" pitchFamily="18" charset="0"/>
               </a:rPr>
               <a:t>account_number</a:t>
             </a:r>
             <a:r>
               <a:rPr lang="en-US" sz="2000" kern="100" dirty="0">
-                <a:latin typeface="Sogona book"/>
+                <a:latin typeface="Times New Roman" panose="02020603050405020304" pitchFamily="18" charset="0"/>
                 <a:ea typeface="Calibri" panose="020F0502020204030204" pitchFamily="34" charset="0"/>
-                <a:cs typeface="Tunga" panose="020B0502040204020203" pitchFamily="34" charset="0"/>
+                <a:cs typeface="Times New Roman" panose="02020603050405020304" pitchFamily="18" charset="0"/>
               </a:rPr>
               <a:t> (integer): A unique identifier for the bank account. </a:t>
             </a:r>
             <a:endParaRPr lang="en-IN" sz="2000" kern="100" dirty="0">
-              <a:latin typeface="Sogona book"/>
+              <a:latin typeface="Times New Roman" panose="02020603050405020304" pitchFamily="18" charset="0"/>
               <a:ea typeface="Calibri" panose="020F0502020204030204" pitchFamily="34" charset="0"/>
-              <a:cs typeface="Tunga" panose="020B0502040204020203" pitchFamily="34" charset="0"/>
+              <a:cs typeface="Times New Roman" panose="02020603050405020304" pitchFamily="18" charset="0"/>
             </a:endParaRPr>
           </a:p>
           <a:p>
@@ -31988,16 +33305,16 @@
             </a:pPr>
             <a:r>
               <a:rPr lang="en-US" sz="2000" kern="100" dirty="0">
-                <a:latin typeface="Sogona book"/>
+                <a:latin typeface="Times New Roman" panose="02020603050405020304" pitchFamily="18" charset="0"/>
                 <a:ea typeface="Calibri" panose="020F0502020204030204" pitchFamily="34" charset="0"/>
-                <a:cs typeface="Tunga" panose="020B0502040204020203" pitchFamily="34" charset="0"/>
+                <a:cs typeface="Times New Roman" panose="02020603050405020304" pitchFamily="18" charset="0"/>
               </a:rPr>
               <a:t>balance (float): The current balance in the account. </a:t>
             </a:r>
             <a:endParaRPr lang="en-IN" sz="2000" kern="100" dirty="0">
-              <a:latin typeface="Sogona book"/>
+              <a:latin typeface="Times New Roman" panose="02020603050405020304" pitchFamily="18" charset="0"/>
               <a:ea typeface="Calibri" panose="020F0502020204030204" pitchFamily="34" charset="0"/>
-              <a:cs typeface="Tunga" panose="020B0502040204020203" pitchFamily="34" charset="0"/>
+              <a:cs typeface="Times New Roman" panose="02020603050405020304" pitchFamily="18" charset="0"/>
             </a:endParaRPr>
           </a:p>
           <a:p>
@@ -32013,16 +33330,16 @@
             </a:pPr>
             <a:r>
               <a:rPr lang="en-US" sz="2000" kern="100" dirty="0">
-                <a:latin typeface="Sogona book"/>
+                <a:latin typeface="Times New Roman" panose="02020603050405020304" pitchFamily="18" charset="0"/>
                 <a:ea typeface="Calibri" panose="020F0502020204030204" pitchFamily="34" charset="0"/>
-                <a:cs typeface="Tunga" panose="020B0502040204020203" pitchFamily="34" charset="0"/>
+                <a:cs typeface="Times New Roman" panose="02020603050405020304" pitchFamily="18" charset="0"/>
               </a:rPr>
               <a:t>Methods:  </a:t>
             </a:r>
             <a:endParaRPr lang="en-IN" sz="2000" kern="100" dirty="0">
-              <a:latin typeface="Sogona book"/>
+              <a:latin typeface="Times New Roman" panose="02020603050405020304" pitchFamily="18" charset="0"/>
               <a:ea typeface="Calibri" panose="020F0502020204030204" pitchFamily="34" charset="0"/>
-              <a:cs typeface="Tunga" panose="020B0502040204020203" pitchFamily="34" charset="0"/>
+              <a:cs typeface="Times New Roman" panose="02020603050405020304" pitchFamily="18" charset="0"/>
             </a:endParaRPr>
           </a:p>
           <a:p>
@@ -32038,48 +33355,48 @@
             </a:pPr>
             <a:r>
               <a:rPr lang="en-US" sz="2000" kern="100" dirty="0">
-                <a:latin typeface="Sogona book"/>
+                <a:latin typeface="Times New Roman" panose="02020603050405020304" pitchFamily="18" charset="0"/>
                 <a:ea typeface="Calibri" panose="020F0502020204030204" pitchFamily="34" charset="0"/>
-                <a:cs typeface="Tunga" panose="020B0502040204020203" pitchFamily="34" charset="0"/>
+                <a:cs typeface="Times New Roman" panose="02020603050405020304" pitchFamily="18" charset="0"/>
               </a:rPr>
               <a:t>_</a:t>
             </a:r>
             <a:r>
               <a:rPr lang="en-US" sz="2000" kern="100" dirty="0" err="1">
-                <a:latin typeface="Sogona book"/>
+                <a:latin typeface="Times New Roman" panose="02020603050405020304" pitchFamily="18" charset="0"/>
                 <a:ea typeface="Calibri" panose="020F0502020204030204" pitchFamily="34" charset="0"/>
-                <a:cs typeface="Tunga" panose="020B0502040204020203" pitchFamily="34" charset="0"/>
+                <a:cs typeface="Times New Roman" panose="02020603050405020304" pitchFamily="18" charset="0"/>
               </a:rPr>
               <a:t>init</a:t>
             </a:r>
             <a:r>
               <a:rPr lang="en-US" sz="2000" kern="100" dirty="0">
-                <a:latin typeface="Sogona book"/>
+                <a:latin typeface="Times New Roman" panose="02020603050405020304" pitchFamily="18" charset="0"/>
                 <a:ea typeface="Calibri" panose="020F0502020204030204" pitchFamily="34" charset="0"/>
-                <a:cs typeface="Tunga" panose="020B0502040204020203" pitchFamily="34" charset="0"/>
+                <a:cs typeface="Times New Roman" panose="02020603050405020304" pitchFamily="18" charset="0"/>
               </a:rPr>
               <a:t>_(self, </a:t>
             </a:r>
             <a:r>
               <a:rPr lang="en-US" sz="2000" kern="100" dirty="0" err="1">
-                <a:latin typeface="Sogona book"/>
+                <a:latin typeface="Times New Roman" panose="02020603050405020304" pitchFamily="18" charset="0"/>
                 <a:ea typeface="Calibri" panose="020F0502020204030204" pitchFamily="34" charset="0"/>
-                <a:cs typeface="Tunga" panose="020B0502040204020203" pitchFamily="34" charset="0"/>
+                <a:cs typeface="Times New Roman" panose="02020603050405020304" pitchFamily="18" charset="0"/>
               </a:rPr>
               <a:t>account_number</a:t>
             </a:r>
             <a:r>
               <a:rPr lang="en-US" sz="2000" kern="100" dirty="0">
-                <a:latin typeface="Sogona book"/>
+                <a:latin typeface="Times New Roman" panose="02020603050405020304" pitchFamily="18" charset="0"/>
                 <a:ea typeface="Calibri" panose="020F0502020204030204" pitchFamily="34" charset="0"/>
-                <a:cs typeface="Tunga" panose="020B0502040204020203" pitchFamily="34" charset="0"/>
+                <a:cs typeface="Times New Roman" panose="02020603050405020304" pitchFamily="18" charset="0"/>
               </a:rPr>
               <a:t>): Initializes a new bank account with the given account number and a balance of 0. </a:t>
             </a:r>
             <a:endParaRPr lang="en-IN" sz="2000" kern="100" dirty="0">
-              <a:latin typeface="Sogona book"/>
+              <a:latin typeface="Times New Roman" panose="02020603050405020304" pitchFamily="18" charset="0"/>
               <a:ea typeface="Calibri" panose="020F0502020204030204" pitchFamily="34" charset="0"/>
-              <a:cs typeface="Tunga" panose="020B0502040204020203" pitchFamily="34" charset="0"/>
+              <a:cs typeface="Times New Roman" panose="02020603050405020304" pitchFamily="18" charset="0"/>
             </a:endParaRPr>
           </a:p>
           <a:p>
@@ -32095,16 +33412,16 @@
             </a:pPr>
             <a:r>
               <a:rPr lang="en-US" sz="2000" kern="100" dirty="0">
-                <a:latin typeface="Sogona book"/>
+                <a:latin typeface="Times New Roman" panose="02020603050405020304" pitchFamily="18" charset="0"/>
                 <a:ea typeface="Calibri" panose="020F0502020204030204" pitchFamily="34" charset="0"/>
-                <a:cs typeface="Tunga" panose="020B0502040204020203" pitchFamily="34" charset="0"/>
+                <a:cs typeface="Times New Roman" panose="02020603050405020304" pitchFamily="18" charset="0"/>
               </a:rPr>
               <a:t>deposit(self, amount): Deposits the specified amount into the account and updates the balance accordingly. </a:t>
             </a:r>
             <a:endParaRPr lang="en-IN" sz="2000" kern="100" dirty="0">
-              <a:latin typeface="Sogona book"/>
+              <a:latin typeface="Times New Roman" panose="02020603050405020304" pitchFamily="18" charset="0"/>
               <a:ea typeface="Calibri" panose="020F0502020204030204" pitchFamily="34" charset="0"/>
-              <a:cs typeface="Tunga" panose="020B0502040204020203" pitchFamily="34" charset="0"/>
+              <a:cs typeface="Times New Roman" panose="02020603050405020304" pitchFamily="18" charset="0"/>
             </a:endParaRPr>
           </a:p>
           <a:p>
@@ -32120,16 +33437,16 @@
             </a:pPr>
             <a:r>
               <a:rPr lang="en-US" sz="2000" kern="100" dirty="0">
-                <a:latin typeface="Sogona book"/>
+                <a:latin typeface="Times New Roman" panose="02020603050405020304" pitchFamily="18" charset="0"/>
                 <a:ea typeface="Calibri" panose="020F0502020204030204" pitchFamily="34" charset="0"/>
-                <a:cs typeface="Tunga" panose="020B0502040204020203" pitchFamily="34" charset="0"/>
+                <a:cs typeface="Times New Roman" panose="02020603050405020304" pitchFamily="18" charset="0"/>
               </a:rPr>
               <a:t>withdraw(self, amount): Withdraws the specified amount from the account, if the account has sufficient funds, and updates the balance accordingly. </a:t>
             </a:r>
             <a:endParaRPr lang="en-IN" sz="2000" kern="100" dirty="0">
-              <a:latin typeface="Sogona book"/>
+              <a:latin typeface="Times New Roman" panose="02020603050405020304" pitchFamily="18" charset="0"/>
               <a:ea typeface="Calibri" panose="020F0502020204030204" pitchFamily="34" charset="0"/>
-              <a:cs typeface="Tunga" panose="020B0502040204020203" pitchFamily="34" charset="0"/>
+              <a:cs typeface="Times New Roman" panose="02020603050405020304" pitchFamily="18" charset="0"/>
             </a:endParaRPr>
           </a:p>
           <a:p>
@@ -32145,24 +33462,24 @@
             </a:pPr>
             <a:r>
               <a:rPr lang="en-US" sz="2000" kern="100" dirty="0" err="1">
-                <a:latin typeface="Sogona book"/>
+                <a:latin typeface="Times New Roman" panose="02020603050405020304" pitchFamily="18" charset="0"/>
                 <a:ea typeface="Calibri" panose="020F0502020204030204" pitchFamily="34" charset="0"/>
-                <a:cs typeface="Tunga" panose="020B0502040204020203" pitchFamily="34" charset="0"/>
+                <a:cs typeface="Times New Roman" panose="02020603050405020304" pitchFamily="18" charset="0"/>
               </a:rPr>
               <a:t>get_balance</a:t>
             </a:r>
             <a:r>
               <a:rPr lang="en-US" sz="2000" kern="100" dirty="0">
-                <a:latin typeface="Sogona book"/>
+                <a:latin typeface="Times New Roman" panose="02020603050405020304" pitchFamily="18" charset="0"/>
                 <a:ea typeface="Calibri" panose="020F0502020204030204" pitchFamily="34" charset="0"/>
-                <a:cs typeface="Tunga" panose="020B0502040204020203" pitchFamily="34" charset="0"/>
+                <a:cs typeface="Times New Roman" panose="02020603050405020304" pitchFamily="18" charset="0"/>
               </a:rPr>
               <a:t>(self): Returns the current balance in the account. </a:t>
             </a:r>
             <a:endParaRPr lang="en-IN" sz="2000" kern="100" dirty="0">
-              <a:latin typeface="Sogona book"/>
+              <a:latin typeface="Times New Roman" panose="02020603050405020304" pitchFamily="18" charset="0"/>
               <a:ea typeface="Calibri" panose="020F0502020204030204" pitchFamily="34" charset="0"/>
-              <a:cs typeface="Tunga" panose="020B0502040204020203" pitchFamily="34" charset="0"/>
+              <a:cs typeface="Times New Roman" panose="02020603050405020304" pitchFamily="18" charset="0"/>
             </a:endParaRPr>
           </a:p>
           <a:p>
@@ -32178,17 +33495,17 @@
             </a:pPr>
             <a:r>
               <a:rPr lang="en-US" sz="2000" kern="100" dirty="0">
-                <a:latin typeface="Sogona book"/>
+                <a:latin typeface="Times New Roman" panose="02020603050405020304" pitchFamily="18" charset="0"/>
                 <a:ea typeface="Calibri" panose="020F0502020204030204" pitchFamily="34" charset="0"/>
-                <a:cs typeface="Tunga" panose="020B0502040204020203" pitchFamily="34" charset="0"/>
+                <a:cs typeface="Times New Roman" panose="02020603050405020304" pitchFamily="18" charset="0"/>
               </a:rPr>
               <a:t>Write the BankAccount class implementation and provide a sample code snippet that demonstrates the usage of the class by creating instances of BankAccount and performing various operations on them.</a:t>
             </a:r>
             <a:endParaRPr lang="en-IN" sz="2000" kern="100" dirty="0">
               <a:effectLst/>
-              <a:latin typeface="Sogona book"/>
+              <a:latin typeface="Times New Roman" panose="02020603050405020304" pitchFamily="18" charset="0"/>
               <a:ea typeface="Calibri" panose="020F0502020204030204" pitchFamily="34" charset="0"/>
-              <a:cs typeface="Tunga" panose="020B0502040204020203" pitchFamily="34" charset="0"/>
+              <a:cs typeface="Times New Roman" panose="02020603050405020304" pitchFamily="18" charset="0"/>
             </a:endParaRPr>
           </a:p>
           <a:p>
@@ -32196,7 +33513,10 @@
               <a:buFont typeface="Arial" panose="020B0604020202020204" pitchFamily="34" charset="0"/>
               <a:buChar char="•"/>
             </a:pPr>
-            <a:endParaRPr lang="en-GB" dirty="0"/>
+            <a:endParaRPr lang="en-GB" dirty="0">
+              <a:latin typeface="Times New Roman" panose="02020603050405020304" pitchFamily="18" charset="0"/>
+              <a:cs typeface="Times New Roman" panose="02020603050405020304" pitchFamily="18" charset="0"/>
+            </a:endParaRPr>
           </a:p>
         </p:txBody>
       </p:sp>
@@ -32259,7 +33579,10 @@
           <a:lstStyle/>
           <a:p>
             <a:r>
-              <a:rPr lang="en-US" sz="3600" b="1" dirty="0"/>
+              <a:rPr lang="en-US" sz="3600" b="1" dirty="0">
+                <a:latin typeface="Times New Roman" panose="02020603050405020304" pitchFamily="18" charset="0"/>
+                <a:cs typeface="Times New Roman" panose="02020603050405020304" pitchFamily="18" charset="0"/>
+              </a:rPr>
               <a:t>AI IMPLEMENTATION</a:t>
             </a:r>
           </a:p>
@@ -32349,9 +33672,9 @@
             </a:pPr>
             <a:r>
               <a:rPr lang="en-GB" sz="2000" kern="100" dirty="0">
-                <a:latin typeface="Sogona book"/>
+                <a:latin typeface="Times New Roman" panose="02020603050405020304" pitchFamily="18" charset="0"/>
                 <a:ea typeface="Calibri" panose="020F0502020204030204" pitchFamily="34" charset="0"/>
-                <a:cs typeface="Tunga" panose="020B0502040204020203" pitchFamily="34" charset="0"/>
+                <a:cs typeface="Times New Roman" panose="02020603050405020304" pitchFamily="18" charset="0"/>
               </a:rPr>
               <a:t>NLP is used to enable natural language interaction with the system, allowing users to input account numbers through an input function.</a:t>
             </a:r>
@@ -32366,9 +33689,9 @@
             </a:pPr>
             <a:r>
               <a:rPr lang="en-GB" sz="2000" kern="100" dirty="0">
-                <a:latin typeface="Sogona book"/>
+                <a:latin typeface="Times New Roman" panose="02020603050405020304" pitchFamily="18" charset="0"/>
                 <a:ea typeface="Calibri" panose="020F0502020204030204" pitchFamily="34" charset="0"/>
-                <a:cs typeface="Tunga" panose="020B0502040204020203" pitchFamily="34" charset="0"/>
+                <a:cs typeface="Times New Roman" panose="02020603050405020304" pitchFamily="18" charset="0"/>
               </a:rPr>
               <a:t>Decision-making is implemented using conditional statements to process and respond to user input.</a:t>
             </a:r>
@@ -32383,9 +33706,9 @@
             </a:pPr>
             <a:r>
               <a:rPr lang="en-GB" sz="2000" kern="100" dirty="0">
-                <a:latin typeface="Sogona book"/>
+                <a:latin typeface="Times New Roman" panose="02020603050405020304" pitchFamily="18" charset="0"/>
                 <a:ea typeface="Calibri" panose="020F0502020204030204" pitchFamily="34" charset="0"/>
-                <a:cs typeface="Tunga" panose="020B0502040204020203" pitchFamily="34" charset="0"/>
+                <a:cs typeface="Times New Roman" panose="02020603050405020304" pitchFamily="18" charset="0"/>
               </a:rPr>
               <a:t>Automation is achieved by automating banking operations like depositing, withdrawing, and checking account balances, reducing manual intervention.</a:t>
             </a:r>
@@ -32395,7 +33718,10 @@
               <a:buFont typeface="Arial" panose="020B0604020202020204" pitchFamily="34" charset="0"/>
               <a:buChar char="•"/>
             </a:pPr>
-            <a:endParaRPr lang="en-GB" dirty="0"/>
+            <a:endParaRPr lang="en-GB" dirty="0">
+              <a:latin typeface="Times New Roman" panose="02020603050405020304" pitchFamily="18" charset="0"/>
+              <a:cs typeface="Times New Roman" panose="02020603050405020304" pitchFamily="18" charset="0"/>
+            </a:endParaRPr>
           </a:p>
         </p:txBody>
       </p:sp>
@@ -32459,10 +33785,16 @@
           <a:p>
             <a:pPr algn="ctr"/>
             <a:r>
-              <a:rPr lang="en-GB" sz="4000" b="1" dirty="0"/>
+              <a:rPr lang="en-GB" sz="4000" b="1" dirty="0">
+                <a:latin typeface="Times New Roman" panose="02020603050405020304" pitchFamily="18" charset="0"/>
+                <a:cs typeface="Times New Roman" panose="02020603050405020304" pitchFamily="18" charset="0"/>
+              </a:rPr>
               <a:t> 4. On Job Training - II	</a:t>
             </a:r>
-            <a:endParaRPr lang="en-IN" sz="4000" b="1" dirty="0"/>
+            <a:endParaRPr lang="en-IN" sz="4000" b="1" dirty="0">
+              <a:latin typeface="Times New Roman" panose="02020603050405020304" pitchFamily="18" charset="0"/>
+              <a:cs typeface="Times New Roman" panose="02020603050405020304" pitchFamily="18" charset="0"/>
+            </a:endParaRPr>
           </a:p>
         </p:txBody>
       </p:sp>
@@ -32543,7 +33875,10 @@
           <a:p>
             <a:pPr algn="just"/>
             <a:r>
-              <a:rPr lang="en-GB" sz="3600" b="1" dirty="0"/>
+              <a:rPr lang="en-GB" sz="3600" b="1" dirty="0">
+                <a:latin typeface="Times New Roman" panose="02020603050405020304" pitchFamily="18" charset="0"/>
+                <a:cs typeface="Times New Roman" panose="02020603050405020304" pitchFamily="18" charset="0"/>
+              </a:rPr>
               <a:t>ARTIFICIAL INTELLIGENCE</a:t>
             </a:r>
           </a:p>
@@ -32556,7 +33891,10 @@
               <a:buChar char="•"/>
             </a:pPr>
             <a:r>
-              <a:rPr lang="en-US" sz="2000" dirty="0"/>
+              <a:rPr lang="en-US" sz="2000" dirty="0">
+                <a:latin typeface="Times New Roman" panose="02020603050405020304" pitchFamily="18" charset="0"/>
+                <a:cs typeface="Times New Roman" panose="02020603050405020304" pitchFamily="18" charset="0"/>
+              </a:rPr>
               <a:t>AI application include advanced web search, recommendation systems, understanding human speech, self driving cars, automated decision making, and competing at the highest level in strategic game system. </a:t>
             </a:r>
           </a:p>
@@ -32569,7 +33907,10 @@
               <a:buChar char="•"/>
             </a:pPr>
             <a:r>
-              <a:rPr lang="en-US" sz="2000" dirty="0"/>
+              <a:rPr lang="en-US" sz="2000" dirty="0">
+                <a:latin typeface="Times New Roman" panose="02020603050405020304" pitchFamily="18" charset="0"/>
+                <a:cs typeface="Times New Roman" panose="02020603050405020304" pitchFamily="18" charset="0"/>
+              </a:rPr>
               <a:t>The various sub field of AI research are centered around particular goals and the use of particular tools.</a:t>
             </a:r>
           </a:p>
@@ -32582,10 +33923,16 @@
               <a:buChar char="•"/>
             </a:pPr>
             <a:r>
-              <a:rPr lang="en-US" sz="2000" dirty="0"/>
+              <a:rPr lang="en-US" sz="2000" dirty="0">
+                <a:latin typeface="Times New Roman" panose="02020603050405020304" pitchFamily="18" charset="0"/>
+                <a:cs typeface="Times New Roman" panose="02020603050405020304" pitchFamily="18" charset="0"/>
+              </a:rPr>
               <a:t>The traditional goals of AI research include reasoning, knowledge representation, planning learning, natural language processing, perception, and ability to move and manipulate objects.</a:t>
             </a:r>
-            <a:endParaRPr lang="en-GB" sz="2000" b="1" dirty="0"/>
+            <a:endParaRPr lang="en-GB" sz="2000" b="1" dirty="0">
+              <a:latin typeface="Times New Roman" panose="02020603050405020304" pitchFamily="18" charset="0"/>
+              <a:cs typeface="Times New Roman" panose="02020603050405020304" pitchFamily="18" charset="0"/>
+            </a:endParaRPr>
           </a:p>
         </p:txBody>
       </p:sp>
@@ -32675,7 +34022,7 @@
         </p:nvSpPr>
         <p:spPr>
           <a:xfrm>
-            <a:off x="838200" y="847899"/>
+            <a:off x="838200" y="833383"/>
             <a:ext cx="10515600" cy="842790"/>
           </a:xfrm>
         </p:spPr>
@@ -32686,11 +34033,17 @@
           <a:lstStyle/>
           <a:p>
             <a:r>
-              <a:rPr lang="en-GB" sz="4000" b="1" dirty="0"/>
+              <a:rPr lang="en-GB" sz="3600" b="1" dirty="0">
+                <a:latin typeface="Times New Roman" panose="02020603050405020304" pitchFamily="18" charset="0"/>
+                <a:cs typeface="Times New Roman" panose="02020603050405020304" pitchFamily="18" charset="0"/>
+              </a:rPr>
               <a:t> C</a:t>
             </a:r>
             <a:r>
-              <a:rPr lang="en-IN" sz="4000" b="1" dirty="0"/>
+              <a:rPr lang="en-IN" sz="3600" b="1" dirty="0">
+                <a:latin typeface="Times New Roman" panose="02020603050405020304" pitchFamily="18" charset="0"/>
+                <a:cs typeface="Times New Roman" panose="02020603050405020304" pitchFamily="18" charset="0"/>
+              </a:rPr>
               <a:t>ONTENTS</a:t>
             </a:r>
           </a:p>
@@ -32758,7 +34111,7 @@
         <p:spPr>
           <a:xfrm>
             <a:off x="872587" y="1828800"/>
-            <a:ext cx="10071355" cy="2616101"/>
+            <a:ext cx="10071355" cy="2985433"/>
           </a:xfrm>
           <a:prstGeom prst="rect">
             <a:avLst/>
@@ -32775,7 +34128,10 @@
               <a:buNone/>
             </a:pPr>
             <a:r>
-              <a:rPr lang="en-US" sz="2400" dirty="0"/>
+              <a:rPr lang="en-US" sz="2800" dirty="0">
+                <a:latin typeface="Times New Roman" panose="02020603050405020304" pitchFamily="18" charset="0"/>
+                <a:cs typeface="Times New Roman" panose="02020603050405020304" pitchFamily="18" charset="0"/>
+              </a:rPr>
               <a:t>1. Company Description</a:t>
             </a:r>
           </a:p>
@@ -32784,7 +34140,10 @@
               <a:buNone/>
             </a:pPr>
             <a:r>
-              <a:rPr lang="en-US" sz="2400" dirty="0"/>
+              <a:rPr lang="en-US" sz="2800" dirty="0">
+                <a:latin typeface="Times New Roman" panose="02020603050405020304" pitchFamily="18" charset="0"/>
+                <a:cs typeface="Times New Roman" panose="02020603050405020304" pitchFamily="18" charset="0"/>
+              </a:rPr>
               <a:t>2. On Job Training – 1</a:t>
             </a:r>
           </a:p>
@@ -32793,7 +34152,10 @@
               <a:buNone/>
             </a:pPr>
             <a:r>
-              <a:rPr lang="en-US" sz="2400" dirty="0"/>
+              <a:rPr lang="en-US" sz="2800" dirty="0">
+                <a:latin typeface="Times New Roman" panose="02020603050405020304" pitchFamily="18" charset="0"/>
+                <a:cs typeface="Times New Roman" panose="02020603050405020304" pitchFamily="18" charset="0"/>
+              </a:rPr>
               <a:t>3. Use Case – 1</a:t>
             </a:r>
           </a:p>
@@ -32802,7 +34164,10 @@
               <a:buNone/>
             </a:pPr>
             <a:r>
-              <a:rPr lang="en-US" sz="2400" dirty="0"/>
+              <a:rPr lang="en-US" sz="2800" dirty="0">
+                <a:latin typeface="Times New Roman" panose="02020603050405020304" pitchFamily="18" charset="0"/>
+                <a:cs typeface="Times New Roman" panose="02020603050405020304" pitchFamily="18" charset="0"/>
+              </a:rPr>
               <a:t>4. On Job Training – 2</a:t>
             </a:r>
           </a:p>
@@ -32811,7 +34176,10 @@
               <a:buNone/>
             </a:pPr>
             <a:r>
-              <a:rPr lang="en-US" sz="2400" dirty="0"/>
+              <a:rPr lang="en-US" sz="2800" dirty="0">
+                <a:latin typeface="Times New Roman" panose="02020603050405020304" pitchFamily="18" charset="0"/>
+                <a:cs typeface="Times New Roman" panose="02020603050405020304" pitchFamily="18" charset="0"/>
+              </a:rPr>
               <a:t>5. Use Case – 2</a:t>
             </a:r>
           </a:p>
@@ -32820,17 +34188,26 @@
               <a:buNone/>
             </a:pPr>
             <a:r>
-              <a:rPr lang="en-US" sz="2400" dirty="0"/>
+              <a:rPr lang="en-US" sz="2800" dirty="0">
+                <a:latin typeface="Times New Roman" panose="02020603050405020304" pitchFamily="18" charset="0"/>
+                <a:cs typeface="Times New Roman" panose="02020603050405020304" pitchFamily="18" charset="0"/>
+              </a:rPr>
               <a:t>6. Conclusion </a:t>
             </a:r>
-            <a:endParaRPr lang="en-IN" sz="2400" dirty="0"/>
+            <a:endParaRPr lang="en-IN" sz="2800" dirty="0">
+              <a:latin typeface="Times New Roman" panose="02020603050405020304" pitchFamily="18" charset="0"/>
+              <a:cs typeface="Times New Roman" panose="02020603050405020304" pitchFamily="18" charset="0"/>
+            </a:endParaRPr>
           </a:p>
           <a:p>
             <a:pPr marL="285750" indent="-285750" algn="just">
               <a:buFont typeface="Arial" panose="020B0604020202020204" pitchFamily="34" charset="0"/>
               <a:buChar char="•"/>
             </a:pPr>
-            <a:endParaRPr lang="en-GB" sz="2000" dirty="0"/>
+            <a:endParaRPr lang="en-GB" sz="2000" dirty="0">
+              <a:latin typeface="Times New Roman" panose="02020603050405020304" pitchFamily="18" charset="0"/>
+              <a:cs typeface="Times New Roman" panose="02020603050405020304" pitchFamily="18" charset="0"/>
+            </a:endParaRPr>
           </a:p>
         </p:txBody>
       </p:sp>
@@ -32931,7 +34308,10 @@
           <a:lstStyle/>
           <a:p>
             <a:r>
-              <a:rPr lang="en-US" sz="3600" b="1" dirty="0"/>
+              <a:rPr lang="en-US" sz="3600" b="1" dirty="0">
+                <a:latin typeface="Times New Roman" panose="02020603050405020304" pitchFamily="18" charset="0"/>
+                <a:cs typeface="Times New Roman" panose="02020603050405020304" pitchFamily="18" charset="0"/>
+              </a:rPr>
               <a:t>TYPES OF AI</a:t>
             </a:r>
           </a:p>
@@ -33021,9 +34401,9 @@
             </a:pPr>
             <a:r>
               <a:rPr lang="en-GB" sz="2000" kern="100" dirty="0">
-                <a:latin typeface="Sogona book"/>
+                <a:latin typeface="Times New Roman" panose="02020603050405020304" pitchFamily="18" charset="0"/>
                 <a:ea typeface="Calibri" panose="020F0502020204030204" pitchFamily="34" charset="0"/>
-                <a:cs typeface="Tunga" panose="020B0502040204020203" pitchFamily="34" charset="0"/>
+                <a:cs typeface="Times New Roman" panose="02020603050405020304" pitchFamily="18" charset="0"/>
               </a:rPr>
               <a:t>NLP is used to enable natural language interaction with the system, allowing users to input account numbers through an input function.</a:t>
             </a:r>
@@ -33037,9 +34417,9 @@
               <a:buChar char=""/>
             </a:pPr>
             <a:endParaRPr lang="en-GB" sz="2000" kern="100" dirty="0">
-              <a:latin typeface="Sogona book"/>
+              <a:latin typeface="Times New Roman" panose="02020603050405020304" pitchFamily="18" charset="0"/>
               <a:ea typeface="Calibri" panose="020F0502020204030204" pitchFamily="34" charset="0"/>
-              <a:cs typeface="Tunga" panose="020B0502040204020203" pitchFamily="34" charset="0"/>
+              <a:cs typeface="Times New Roman" panose="02020603050405020304" pitchFamily="18" charset="0"/>
             </a:endParaRPr>
           </a:p>
           <a:p>
@@ -33052,9 +34432,9 @@
             </a:pPr>
             <a:r>
               <a:rPr lang="en-GB" sz="2000" kern="100" dirty="0">
-                <a:latin typeface="Sogona book"/>
+                <a:latin typeface="Times New Roman" panose="02020603050405020304" pitchFamily="18" charset="0"/>
                 <a:ea typeface="Calibri" panose="020F0502020204030204" pitchFamily="34" charset="0"/>
-                <a:cs typeface="Tunga" panose="020B0502040204020203" pitchFamily="34" charset="0"/>
+                <a:cs typeface="Times New Roman" panose="02020603050405020304" pitchFamily="18" charset="0"/>
               </a:rPr>
               <a:t>Decision-making is implemented using conditional statements to process and respond to user input.</a:t>
             </a:r>
@@ -33068,9 +34448,9 @@
               <a:buChar char=""/>
             </a:pPr>
             <a:endParaRPr lang="en-GB" sz="2000" kern="100" dirty="0">
-              <a:latin typeface="Sogona book"/>
+              <a:latin typeface="Times New Roman" panose="02020603050405020304" pitchFamily="18" charset="0"/>
               <a:ea typeface="Calibri" panose="020F0502020204030204" pitchFamily="34" charset="0"/>
-              <a:cs typeface="Tunga" panose="020B0502040204020203" pitchFamily="34" charset="0"/>
+              <a:cs typeface="Times New Roman" panose="02020603050405020304" pitchFamily="18" charset="0"/>
             </a:endParaRPr>
           </a:p>
           <a:p>
@@ -33083,9 +34463,9 @@
             </a:pPr>
             <a:r>
               <a:rPr lang="en-GB" sz="2000" kern="100" dirty="0">
-                <a:latin typeface="Sogona book"/>
+                <a:latin typeface="Times New Roman" panose="02020603050405020304" pitchFamily="18" charset="0"/>
                 <a:ea typeface="Calibri" panose="020F0502020204030204" pitchFamily="34" charset="0"/>
-                <a:cs typeface="Tunga" panose="020B0502040204020203" pitchFamily="34" charset="0"/>
+                <a:cs typeface="Times New Roman" panose="02020603050405020304" pitchFamily="18" charset="0"/>
               </a:rPr>
               <a:t>Automation is achieved by automating banking operations like depositing, withdrawing, and checking account balances, reducing manual intervention.</a:t>
             </a:r>
@@ -33095,7 +34475,10 @@
               <a:buFont typeface="Arial" panose="020B0604020202020204" pitchFamily="34" charset="0"/>
               <a:buChar char="•"/>
             </a:pPr>
-            <a:endParaRPr lang="en-GB" dirty="0"/>
+            <a:endParaRPr lang="en-GB" dirty="0">
+              <a:latin typeface="Times New Roman" panose="02020603050405020304" pitchFamily="18" charset="0"/>
+              <a:cs typeface="Times New Roman" panose="02020603050405020304" pitchFamily="18" charset="0"/>
+            </a:endParaRPr>
           </a:p>
         </p:txBody>
       </p:sp>
@@ -33158,7 +34541,10 @@
           <a:lstStyle/>
           <a:p>
             <a:r>
-              <a:rPr lang="en-US" sz="3600" b="1" dirty="0"/>
+              <a:rPr lang="en-US" sz="3600" b="1" dirty="0">
+                <a:latin typeface="Times New Roman" panose="02020603050405020304" pitchFamily="18" charset="0"/>
+                <a:cs typeface="Times New Roman" panose="02020603050405020304" pitchFamily="18" charset="0"/>
+              </a:rPr>
               <a:t>MACHINE LEARNING</a:t>
             </a:r>
           </a:p>
@@ -33247,15 +34633,24 @@
               <a:buChar char="•"/>
             </a:pPr>
             <a:r>
-              <a:rPr lang="en-US" sz="2000" dirty="0"/>
+              <a:rPr lang="en-US" sz="2000" dirty="0">
+                <a:latin typeface="Times New Roman" panose="02020603050405020304" pitchFamily="18" charset="0"/>
+                <a:cs typeface="Times New Roman" panose="02020603050405020304" pitchFamily="18" charset="0"/>
+              </a:rPr>
               <a:t>Machine learning is a branch of artificial intelligence (AI) and computer science which focuses on the use of data and algorithms to imitate the way that humans learn, gradually improving its </a:t>
             </a:r>
             <a:r>
-              <a:rPr lang="en-US" sz="2000" dirty="0" err="1"/>
+              <a:rPr lang="en-US" sz="2000" dirty="0" err="1">
+                <a:latin typeface="Times New Roman" panose="02020603050405020304" pitchFamily="18" charset="0"/>
+                <a:cs typeface="Times New Roman" panose="02020603050405020304" pitchFamily="18" charset="0"/>
+              </a:rPr>
               <a:t>accurac</a:t>
             </a:r>
             <a:r>
-              <a:rPr lang="en-GB" sz="2000" dirty="0"/>
+              <a:rPr lang="en-GB" sz="2000" dirty="0">
+                <a:latin typeface="Times New Roman" panose="02020603050405020304" pitchFamily="18" charset="0"/>
+                <a:cs typeface="Times New Roman" panose="02020603050405020304" pitchFamily="18" charset="0"/>
+              </a:rPr>
               <a:t>y.</a:t>
             </a:r>
           </a:p>
@@ -33268,10 +34663,16 @@
               <a:buChar char="•"/>
             </a:pPr>
             <a:r>
-              <a:rPr lang="en-US" sz="2000" dirty="0"/>
+              <a:rPr lang="en-US" sz="2000" dirty="0">
+                <a:latin typeface="Times New Roman" panose="02020603050405020304" pitchFamily="18" charset="0"/>
+                <a:cs typeface="Times New Roman" panose="02020603050405020304" pitchFamily="18" charset="0"/>
+              </a:rPr>
               <a:t>Machine learning is an important component of the growing field of data science.</a:t>
             </a:r>
-            <a:endParaRPr lang="en-GB" sz="2000" dirty="0"/>
+            <a:endParaRPr lang="en-GB" sz="2000" dirty="0">
+              <a:latin typeface="Times New Roman" panose="02020603050405020304" pitchFamily="18" charset="0"/>
+              <a:cs typeface="Times New Roman" panose="02020603050405020304" pitchFamily="18" charset="0"/>
+            </a:endParaRPr>
           </a:p>
           <a:p>
             <a:pPr marL="800100" lvl="1" indent="-342900" algn="just">
@@ -33282,10 +34683,16 @@
               <a:buChar char="•"/>
             </a:pPr>
             <a:r>
-              <a:rPr lang="en-US" sz="2000" dirty="0"/>
+              <a:rPr lang="en-US" sz="2000" dirty="0">
+                <a:latin typeface="Times New Roman" panose="02020603050405020304" pitchFamily="18" charset="0"/>
+                <a:cs typeface="Times New Roman" panose="02020603050405020304" pitchFamily="18" charset="0"/>
+              </a:rPr>
               <a:t>These insights subsequently drive decision making within applications and businesses, ideally impacting key growth metrics.</a:t>
             </a:r>
-            <a:endParaRPr lang="en-GB" sz="2000" dirty="0"/>
+            <a:endParaRPr lang="en-GB" sz="2000" dirty="0">
+              <a:latin typeface="Times New Roman" panose="02020603050405020304" pitchFamily="18" charset="0"/>
+              <a:cs typeface="Times New Roman" panose="02020603050405020304" pitchFamily="18" charset="0"/>
+            </a:endParaRPr>
           </a:p>
           <a:p>
             <a:pPr marL="800100" lvl="1" indent="-342900" algn="just">
@@ -33296,25 +34703,40 @@
               <a:buChar char="•"/>
             </a:pPr>
             <a:r>
-              <a:rPr lang="en-US" sz="2000" dirty="0"/>
+              <a:rPr lang="en-US" sz="2000" dirty="0">
+                <a:latin typeface="Times New Roman" panose="02020603050405020304" pitchFamily="18" charset="0"/>
+                <a:cs typeface="Times New Roman" panose="02020603050405020304" pitchFamily="18" charset="0"/>
+              </a:rPr>
               <a:t>Machine learning algorithms are typically created using frameworks that accelerate solution development, such as TensorFlow and </a:t>
             </a:r>
             <a:r>
-              <a:rPr lang="en-US" sz="2000" dirty="0" err="1"/>
+              <a:rPr lang="en-US" sz="2000" dirty="0" err="1">
+                <a:latin typeface="Times New Roman" panose="02020603050405020304" pitchFamily="18" charset="0"/>
+                <a:cs typeface="Times New Roman" panose="02020603050405020304" pitchFamily="18" charset="0"/>
+              </a:rPr>
               <a:t>PyTorch</a:t>
             </a:r>
             <a:r>
-              <a:rPr lang="en-US" sz="2000" dirty="0"/>
+              <a:rPr lang="en-US" sz="2000" dirty="0">
+                <a:latin typeface="Times New Roman" panose="02020603050405020304" pitchFamily="18" charset="0"/>
+                <a:cs typeface="Times New Roman" panose="02020603050405020304" pitchFamily="18" charset="0"/>
+              </a:rPr>
               <a:t>. </a:t>
             </a:r>
-            <a:endParaRPr lang="en-GB" sz="2000" dirty="0"/>
+            <a:endParaRPr lang="en-GB" sz="2000" dirty="0">
+              <a:latin typeface="Times New Roman" panose="02020603050405020304" pitchFamily="18" charset="0"/>
+              <a:cs typeface="Times New Roman" panose="02020603050405020304" pitchFamily="18" charset="0"/>
+            </a:endParaRPr>
           </a:p>
           <a:p>
             <a:pPr marL="285750" indent="-285750" algn="just">
               <a:buFont typeface="Arial" panose="020B0604020202020204" pitchFamily="34" charset="0"/>
               <a:buChar char="•"/>
             </a:pPr>
-            <a:endParaRPr lang="en-GB" dirty="0"/>
+            <a:endParaRPr lang="en-GB" dirty="0">
+              <a:latin typeface="Times New Roman" panose="02020603050405020304" pitchFamily="18" charset="0"/>
+              <a:cs typeface="Times New Roman" panose="02020603050405020304" pitchFamily="18" charset="0"/>
+            </a:endParaRPr>
           </a:p>
         </p:txBody>
       </p:sp>
@@ -33377,7 +34799,10 @@
           <a:lstStyle/>
           <a:p>
             <a:r>
-              <a:rPr lang="en-US" sz="3600" b="1" dirty="0"/>
+              <a:rPr lang="en-US" sz="3600" b="1" dirty="0">
+                <a:latin typeface="Times New Roman" panose="02020603050405020304" pitchFamily="18" charset="0"/>
+                <a:cs typeface="Times New Roman" panose="02020603050405020304" pitchFamily="18" charset="0"/>
+              </a:rPr>
               <a:t>MACHINE LEARNING METHODS</a:t>
             </a:r>
           </a:p>
@@ -33466,15 +34891,24 @@
               <a:buChar char="•"/>
             </a:pPr>
             <a:r>
-              <a:rPr lang="en-GB" sz="2000" dirty="0"/>
+              <a:rPr lang="en-GB" sz="2000" dirty="0">
+                <a:latin typeface="Times New Roman" panose="02020603050405020304" pitchFamily="18" charset="0"/>
+                <a:cs typeface="Times New Roman" panose="02020603050405020304" pitchFamily="18" charset="0"/>
+              </a:rPr>
               <a:t>Supervised machine learning: Supervised learning, also known as supervised machine learning, is defined by its use of </a:t>
             </a:r>
             <a:r>
-              <a:rPr lang="en-GB" sz="2000" dirty="0" err="1"/>
+              <a:rPr lang="en-GB" sz="2000" dirty="0" err="1">
+                <a:latin typeface="Times New Roman" panose="02020603050405020304" pitchFamily="18" charset="0"/>
+                <a:cs typeface="Times New Roman" panose="02020603050405020304" pitchFamily="18" charset="0"/>
+              </a:rPr>
               <a:t>labeled</a:t>
             </a:r>
             <a:r>
-              <a:rPr lang="en-GB" sz="2000" dirty="0"/>
+              <a:rPr lang="en-GB" sz="2000" dirty="0">
+                <a:latin typeface="Times New Roman" panose="02020603050405020304" pitchFamily="18" charset="0"/>
+                <a:cs typeface="Times New Roman" panose="02020603050405020304" pitchFamily="18" charset="0"/>
+              </a:rPr>
               <a:t> datasets to train algorithms to classify data or predict outcomes accurately.</a:t>
             </a:r>
           </a:p>
@@ -33487,23 +34921,38 @@
               <a:buChar char="•"/>
             </a:pPr>
             <a:r>
-              <a:rPr lang="en-GB" sz="2000" dirty="0"/>
+              <a:rPr lang="en-GB" sz="2000" dirty="0">
+                <a:latin typeface="Times New Roman" panose="02020603050405020304" pitchFamily="18" charset="0"/>
+                <a:cs typeface="Times New Roman" panose="02020603050405020304" pitchFamily="18" charset="0"/>
+              </a:rPr>
               <a:t>Unsupervised machine learning: Unsupervised learning, also known as unsupervised machine learning, uses machine learning algorithm to </a:t>
             </a:r>
             <a:r>
-              <a:rPr lang="en-GB" sz="2000" dirty="0" err="1"/>
+              <a:rPr lang="en-GB" sz="2000" dirty="0" err="1">
+                <a:latin typeface="Times New Roman" panose="02020603050405020304" pitchFamily="18" charset="0"/>
+                <a:cs typeface="Times New Roman" panose="02020603050405020304" pitchFamily="18" charset="0"/>
+              </a:rPr>
               <a:t>analyze</a:t>
             </a:r>
             <a:r>
-              <a:rPr lang="en-GB" sz="2000" dirty="0"/>
+              <a:rPr lang="en-GB" sz="2000" dirty="0">
+                <a:latin typeface="Times New Roman" panose="02020603050405020304" pitchFamily="18" charset="0"/>
+                <a:cs typeface="Times New Roman" panose="02020603050405020304" pitchFamily="18" charset="0"/>
+              </a:rPr>
               <a:t> and cluster </a:t>
             </a:r>
             <a:r>
-              <a:rPr lang="en-GB" sz="2000" dirty="0" err="1"/>
+              <a:rPr lang="en-GB" sz="2000" dirty="0" err="1">
+                <a:latin typeface="Times New Roman" panose="02020603050405020304" pitchFamily="18" charset="0"/>
+                <a:cs typeface="Times New Roman" panose="02020603050405020304" pitchFamily="18" charset="0"/>
+              </a:rPr>
               <a:t>unlabeled</a:t>
             </a:r>
             <a:r>
-              <a:rPr lang="en-GB" sz="2000" dirty="0"/>
+              <a:rPr lang="en-GB" sz="2000" dirty="0">
+                <a:latin typeface="Times New Roman" panose="02020603050405020304" pitchFamily="18" charset="0"/>
+                <a:cs typeface="Times New Roman" panose="02020603050405020304" pitchFamily="18" charset="0"/>
+              </a:rPr>
               <a:t> datasets. </a:t>
             </a:r>
           </a:p>
@@ -33516,7 +34965,10 @@
               <a:buChar char="•"/>
             </a:pPr>
             <a:r>
-              <a:rPr lang="en-GB" sz="2000" dirty="0"/>
+              <a:rPr lang="en-GB" sz="2000" dirty="0">
+                <a:latin typeface="Times New Roman" panose="02020603050405020304" pitchFamily="18" charset="0"/>
+                <a:cs typeface="Times New Roman" panose="02020603050405020304" pitchFamily="18" charset="0"/>
+              </a:rPr>
               <a:t>Reinforcement machine learning Reinforcement machine learning is a machine learning model that is similar to supervised learning, but the algorithm isn’t trained using sample data</a:t>
             </a:r>
           </a:p>
@@ -33525,7 +34977,10 @@
               <a:buFont typeface="Arial" panose="020B0604020202020204" pitchFamily="34" charset="0"/>
               <a:buChar char="•"/>
             </a:pPr>
-            <a:endParaRPr lang="en-GB" dirty="0"/>
+            <a:endParaRPr lang="en-GB" dirty="0">
+              <a:latin typeface="Times New Roman" panose="02020603050405020304" pitchFamily="18" charset="0"/>
+              <a:cs typeface="Times New Roman" panose="02020603050405020304" pitchFamily="18" charset="0"/>
+            </a:endParaRPr>
           </a:p>
         </p:txBody>
       </p:sp>
@@ -33588,7 +35043,10 @@
           <a:lstStyle/>
           <a:p>
             <a:r>
-              <a:rPr lang="en-US" sz="3600" b="1" dirty="0"/>
+              <a:rPr lang="en-US" sz="3600" b="1" dirty="0">
+                <a:latin typeface="Times New Roman" panose="02020603050405020304" pitchFamily="18" charset="0"/>
+                <a:cs typeface="Times New Roman" panose="02020603050405020304" pitchFamily="18" charset="0"/>
+              </a:rPr>
               <a:t>OpenCV</a:t>
             </a:r>
           </a:p>
@@ -33677,7 +35135,10 @@
               <a:buChar char="•"/>
             </a:pPr>
             <a:r>
-              <a:rPr lang="en-GB" sz="2000" dirty="0"/>
+              <a:rPr lang="en-GB" sz="2000" dirty="0">
+                <a:latin typeface="Times New Roman" panose="02020603050405020304" pitchFamily="18" charset="0"/>
+                <a:cs typeface="Times New Roman" panose="02020603050405020304" pitchFamily="18" charset="0"/>
+              </a:rPr>
               <a:t>OpenCV open source computer vision library is an open source computer vision and machine learning software library</a:t>
             </a:r>
           </a:p>
@@ -33690,7 +35151,10 @@
               <a:buChar char="•"/>
             </a:pPr>
             <a:r>
-              <a:rPr lang="en-GB" sz="2000" dirty="0"/>
+              <a:rPr lang="en-GB" sz="2000" dirty="0">
+                <a:latin typeface="Times New Roman" panose="02020603050405020304" pitchFamily="18" charset="0"/>
+                <a:cs typeface="Times New Roman" panose="02020603050405020304" pitchFamily="18" charset="0"/>
+              </a:rPr>
               <a:t>OpenCV was built to provide a common infrastructure for computer vision application and to accelerate the use of machine perception in the commercial product.</a:t>
             </a:r>
           </a:p>
@@ -33703,7 +35167,10 @@
               <a:buChar char="•"/>
             </a:pPr>
             <a:r>
-              <a:rPr lang="en-GB" sz="2000" dirty="0"/>
+              <a:rPr lang="en-GB" sz="2000" dirty="0">
+                <a:latin typeface="Times New Roman" panose="02020603050405020304" pitchFamily="18" charset="0"/>
+                <a:cs typeface="Times New Roman" panose="02020603050405020304" pitchFamily="18" charset="0"/>
+              </a:rPr>
               <a:t>OpenCV is an open-source software library for computer vision and machine learning.</a:t>
             </a:r>
           </a:p>
@@ -33716,7 +35183,10 @@
               <a:buChar char="•"/>
             </a:pPr>
             <a:r>
-              <a:rPr lang="en-GB" sz="2000" dirty="0"/>
+              <a:rPr lang="en-GB" sz="2000" dirty="0">
+                <a:latin typeface="Times New Roman" panose="02020603050405020304" pitchFamily="18" charset="0"/>
+                <a:cs typeface="Times New Roman" panose="02020603050405020304" pitchFamily="18" charset="0"/>
+              </a:rPr>
               <a:t>The OpenCV full form is Open Source Computer Vision Library. It was created to provide a shared infrastructure for applications for computer vision and to speed up the use of machine perception in consumer products.</a:t>
             </a:r>
           </a:p>
@@ -33725,7 +35195,10 @@
               <a:buFont typeface="Arial" panose="020B0604020202020204" pitchFamily="34" charset="0"/>
               <a:buChar char="•"/>
             </a:pPr>
-            <a:endParaRPr lang="en-GB" dirty="0"/>
+            <a:endParaRPr lang="en-GB" dirty="0">
+              <a:latin typeface="Times New Roman" panose="02020603050405020304" pitchFamily="18" charset="0"/>
+              <a:cs typeface="Times New Roman" panose="02020603050405020304" pitchFamily="18" charset="0"/>
+            </a:endParaRPr>
           </a:p>
         </p:txBody>
       </p:sp>
@@ -33788,16 +35261,28 @@
           <a:lstStyle/>
           <a:p>
             <a:br>
-              <a:rPr lang="en-US" sz="3600" b="1" dirty="0"/>
+              <a:rPr lang="en-US" sz="3600" b="1" dirty="0">
+                <a:latin typeface="Times New Roman" panose="02020603050405020304" pitchFamily="18" charset="0"/>
+                <a:cs typeface="Times New Roman" panose="02020603050405020304" pitchFamily="18" charset="0"/>
+              </a:rPr>
             </a:br>
             <a:r>
-              <a:rPr lang="en-US" sz="3600" b="1" dirty="0"/>
+              <a:rPr lang="en-US" sz="3600" b="1" dirty="0">
+                <a:latin typeface="Times New Roman" panose="02020603050405020304" pitchFamily="18" charset="0"/>
+                <a:cs typeface="Times New Roman" panose="02020603050405020304" pitchFamily="18" charset="0"/>
+              </a:rPr>
               <a:t>HAAR CASCADE DATASET</a:t>
             </a:r>
             <a:br>
-              <a:rPr lang="en-US" sz="3600" b="1" dirty="0"/>
+              <a:rPr lang="en-US" sz="3600" b="1" dirty="0">
+                <a:latin typeface="Times New Roman" panose="02020603050405020304" pitchFamily="18" charset="0"/>
+                <a:cs typeface="Times New Roman" panose="02020603050405020304" pitchFamily="18" charset="0"/>
+              </a:rPr>
             </a:br>
-            <a:endParaRPr lang="en-US" sz="3600" b="1" dirty="0"/>
+            <a:endParaRPr lang="en-US" sz="3600" b="1" dirty="0">
+              <a:latin typeface="Times New Roman" panose="02020603050405020304" pitchFamily="18" charset="0"/>
+              <a:cs typeface="Times New Roman" panose="02020603050405020304" pitchFamily="18" charset="0"/>
+            </a:endParaRPr>
           </a:p>
         </p:txBody>
       </p:sp>
@@ -33884,7 +35369,10 @@
               <a:buChar char="•"/>
             </a:pPr>
             <a:r>
-              <a:rPr lang="en-GB" sz="2000" dirty="0"/>
+              <a:rPr lang="en-GB" sz="2000" dirty="0">
+                <a:latin typeface="Times New Roman" panose="02020603050405020304" pitchFamily="18" charset="0"/>
+                <a:cs typeface="Times New Roman" panose="02020603050405020304" pitchFamily="18" charset="0"/>
+              </a:rPr>
               <a:t>OpenCV open source computer vision library is an open source computer vision and machine learning software library</a:t>
             </a:r>
           </a:p>
@@ -33897,7 +35385,10 @@
               <a:buChar char="•"/>
             </a:pPr>
             <a:r>
-              <a:rPr lang="en-GB" sz="2000" dirty="0"/>
+              <a:rPr lang="en-GB" sz="2000" dirty="0">
+                <a:latin typeface="Times New Roman" panose="02020603050405020304" pitchFamily="18" charset="0"/>
+                <a:cs typeface="Times New Roman" panose="02020603050405020304" pitchFamily="18" charset="0"/>
+              </a:rPr>
               <a:t>OpenCV was built to provide a common infrastructure for computer vision application and to accelerate the use of machine perception in the commercial product.</a:t>
             </a:r>
           </a:p>
@@ -33910,7 +35401,10 @@
               <a:buChar char="•"/>
             </a:pPr>
             <a:r>
-              <a:rPr lang="en-GB" sz="2000" dirty="0"/>
+              <a:rPr lang="en-GB" sz="2000" dirty="0">
+                <a:latin typeface="Times New Roman" panose="02020603050405020304" pitchFamily="18" charset="0"/>
+                <a:cs typeface="Times New Roman" panose="02020603050405020304" pitchFamily="18" charset="0"/>
+              </a:rPr>
               <a:t>OpenCV is an open-source software library for computer vision and machine learning.</a:t>
             </a:r>
           </a:p>
@@ -33923,7 +35417,10 @@
               <a:buChar char="•"/>
             </a:pPr>
             <a:r>
-              <a:rPr lang="en-GB" sz="2000" dirty="0"/>
+              <a:rPr lang="en-GB" sz="2000" dirty="0">
+                <a:latin typeface="Times New Roman" panose="02020603050405020304" pitchFamily="18" charset="0"/>
+                <a:cs typeface="Times New Roman" panose="02020603050405020304" pitchFamily="18" charset="0"/>
+              </a:rPr>
               <a:t>The OpenCV full form is Open Source Computer Vision Library. It was created to provide a shared infrastructure for applications for computer vision and to speed up the use of machine perception in consumer products.</a:t>
             </a:r>
           </a:p>
@@ -33932,7 +35429,10 @@
               <a:buFont typeface="Arial" panose="020B0604020202020204" pitchFamily="34" charset="0"/>
               <a:buChar char="•"/>
             </a:pPr>
-            <a:endParaRPr lang="en-GB" dirty="0"/>
+            <a:endParaRPr lang="en-GB" dirty="0">
+              <a:latin typeface="Times New Roman" panose="02020603050405020304" pitchFamily="18" charset="0"/>
+              <a:cs typeface="Times New Roman" panose="02020603050405020304" pitchFamily="18" charset="0"/>
+            </a:endParaRPr>
           </a:p>
         </p:txBody>
       </p:sp>
@@ -33996,10 +35496,16 @@
           <a:p>
             <a:pPr algn="ctr"/>
             <a:r>
-              <a:rPr lang="en-GB" sz="4000" b="1" dirty="0"/>
+              <a:rPr lang="en-GB" sz="4000" b="1" dirty="0">
+                <a:latin typeface="Times New Roman" panose="02020603050405020304" pitchFamily="18" charset="0"/>
+                <a:cs typeface="Times New Roman" panose="02020603050405020304" pitchFamily="18" charset="0"/>
+              </a:rPr>
               <a:t> 5. Use Case - II	</a:t>
             </a:r>
-            <a:endParaRPr lang="en-IN" sz="4000" b="1" dirty="0"/>
+            <a:endParaRPr lang="en-IN" sz="4000" b="1" dirty="0">
+              <a:latin typeface="Times New Roman" panose="02020603050405020304" pitchFamily="18" charset="0"/>
+              <a:cs typeface="Times New Roman" panose="02020603050405020304" pitchFamily="18" charset="0"/>
+            </a:endParaRPr>
           </a:p>
         </p:txBody>
       </p:sp>
@@ -34080,7 +35586,10 @@
           <a:p>
             <a:pPr algn="just"/>
             <a:r>
-              <a:rPr lang="en-GB" sz="3600" b="1" dirty="0"/>
+              <a:rPr lang="en-GB" sz="3600" b="1" dirty="0">
+                <a:latin typeface="Times New Roman" panose="02020603050405020304" pitchFamily="18" charset="0"/>
+                <a:cs typeface="Times New Roman" panose="02020603050405020304" pitchFamily="18" charset="0"/>
+              </a:rPr>
               <a:t>SMART CITY MISSION</a:t>
             </a:r>
           </a:p>
@@ -34093,7 +35602,10 @@
               <a:buChar char="•"/>
             </a:pPr>
             <a:r>
-              <a:rPr lang="en-GB" sz="2000" dirty="0"/>
+              <a:rPr lang="en-GB" sz="2000" dirty="0">
+                <a:latin typeface="Times New Roman" panose="02020603050405020304" pitchFamily="18" charset="0"/>
+                <a:cs typeface="Times New Roman" panose="02020603050405020304" pitchFamily="18" charset="0"/>
+              </a:rPr>
               <a:t>National Smart Cities Mission is an urban renewal and retrofitting program by the Government of India with the mission to develop smart cities across the country, making them citizen friendly and sustainable</a:t>
             </a:r>
           </a:p>
@@ -34106,7 +35618,10 @@
               <a:buChar char="•"/>
             </a:pPr>
             <a:r>
-              <a:rPr lang="en-GB" sz="2000" dirty="0"/>
+              <a:rPr lang="en-GB" sz="2000" dirty="0">
+                <a:latin typeface="Times New Roman" panose="02020603050405020304" pitchFamily="18" charset="0"/>
+                <a:cs typeface="Times New Roman" panose="02020603050405020304" pitchFamily="18" charset="0"/>
+              </a:rPr>
               <a:t>The Union Ministry of Urban Development is responsible for implementing the mission in collaboration with the state governments of the respective cities.</a:t>
             </a:r>
           </a:p>
@@ -34119,23 +35634,38 @@
               <a:buChar char="•"/>
             </a:pPr>
             <a:r>
-              <a:rPr lang="en-GB" sz="2000" dirty="0"/>
+              <a:rPr lang="en-GB" sz="2000" dirty="0">
+                <a:latin typeface="Times New Roman" panose="02020603050405020304" pitchFamily="18" charset="0"/>
+                <a:cs typeface="Times New Roman" panose="02020603050405020304" pitchFamily="18" charset="0"/>
+              </a:rPr>
               <a:t>Smart Cities Mission envisions developing an area within the cities in the country as model areas based on an area development plan, which is expected to have a </a:t>
             </a:r>
             <a:r>
-              <a:rPr lang="en-GB" sz="2000" dirty="0" err="1"/>
+              <a:rPr lang="en-GB" sz="2000" dirty="0" err="1">
+                <a:latin typeface="Times New Roman" panose="02020603050405020304" pitchFamily="18" charset="0"/>
+                <a:cs typeface="Times New Roman" panose="02020603050405020304" pitchFamily="18" charset="0"/>
+              </a:rPr>
               <a:t>ruboff</a:t>
             </a:r>
             <a:r>
-              <a:rPr lang="en-GB" sz="2000" dirty="0"/>
+              <a:rPr lang="en-GB" sz="2000" dirty="0">
+                <a:latin typeface="Times New Roman" panose="02020603050405020304" pitchFamily="18" charset="0"/>
+                <a:cs typeface="Times New Roman" panose="02020603050405020304" pitchFamily="18" charset="0"/>
+              </a:rPr>
               <a:t> effect on other parts of the city, and nearby </a:t>
             </a:r>
             <a:r>
-              <a:rPr lang="en-GB" sz="2000" dirty="0" err="1"/>
+              <a:rPr lang="en-GB" sz="2000" dirty="0" err="1">
+                <a:latin typeface="Times New Roman" panose="02020603050405020304" pitchFamily="18" charset="0"/>
+                <a:cs typeface="Times New Roman" panose="02020603050405020304" pitchFamily="18" charset="0"/>
+              </a:rPr>
               <a:t>citoes</a:t>
             </a:r>
             <a:r>
-              <a:rPr lang="en-GB" sz="2000" dirty="0"/>
+              <a:rPr lang="en-GB" sz="2000" dirty="0">
+                <a:latin typeface="Times New Roman" panose="02020603050405020304" pitchFamily="18" charset="0"/>
+                <a:cs typeface="Times New Roman" panose="02020603050405020304" pitchFamily="18" charset="0"/>
+              </a:rPr>
               <a:t> and towns.</a:t>
             </a:r>
           </a:p>
@@ -34148,7 +35678,10 @@
               <a:buChar char="•"/>
             </a:pPr>
             <a:r>
-              <a:rPr lang="en-GB" sz="2000" dirty="0"/>
+              <a:rPr lang="en-GB" sz="2000" dirty="0">
+                <a:latin typeface="Times New Roman" panose="02020603050405020304" pitchFamily="18" charset="0"/>
+                <a:cs typeface="Times New Roman" panose="02020603050405020304" pitchFamily="18" charset="0"/>
+              </a:rPr>
               <a:t>The Smart Cities Mission is an initiative by the Government of India to improve the lifestyle of citizens living in that particular city or town. </a:t>
             </a:r>
           </a:p>
@@ -34251,8 +35784,11 @@
           <a:lstStyle/>
           <a:p>
             <a:r>
-              <a:rPr lang="en-GB" sz="3600" b="1" dirty="0"/>
-              <a:t>FEATURES OF SMART CITY MISSION OF INDIA</a:t>
+              <a:rPr lang="en-IN" sz="3600" b="1" dirty="0">
+                <a:latin typeface="Times New Roman" panose="02020603050405020304" pitchFamily="18" charset="0"/>
+                <a:cs typeface="Times New Roman" panose="02020603050405020304" pitchFamily="18" charset="0"/>
+              </a:rPr>
+              <a:t>Task – Face Detection</a:t>
             </a:r>
           </a:p>
         </p:txBody>
@@ -34319,7 +35855,7 @@
         <p:spPr>
           <a:xfrm>
             <a:off x="872587" y="1597743"/>
-            <a:ext cx="10071355" cy="5447645"/>
+            <a:ext cx="10071355" cy="3754874"/>
           </a:xfrm>
           <a:prstGeom prst="rect">
             <a:avLst/>
@@ -34333,75 +35869,99 @@
           <a:lstStyle/>
           <a:p>
             <a:pPr marL="800100" lvl="1" indent="-342900" algn="just">
-              <a:lnSpc>
-                <a:spcPct val="150000"/>
-              </a:lnSpc>
               <a:buFont typeface="Arial" panose="020B0604020202020204" pitchFamily="34" charset="0"/>
               <a:buChar char="•"/>
             </a:pPr>
             <a:r>
-              <a:rPr lang="en-US" sz="2000" dirty="0"/>
-              <a:t>The mission promotes the use of mixed land according to its per-area usage plan. Therefore, this allows the state to have vast land for multi-purposes and make the bye-laws accordingly. </a:t>
+              <a:rPr lang="en-IN" sz="2000" dirty="0">
+                <a:latin typeface="Times New Roman" panose="02020603050405020304" pitchFamily="18" charset="0"/>
+                <a:cs typeface="Times New Roman" panose="02020603050405020304" pitchFamily="18" charset="0"/>
+              </a:rPr>
+              <a:t>Face detection is a computer vision technique that involves locating and identifying human faces within images or video frames. </a:t>
             </a:r>
           </a:p>
           <a:p>
             <a:pPr marL="800100" lvl="1" indent="-342900" algn="just">
-              <a:lnSpc>
-                <a:spcPct val="150000"/>
-              </a:lnSpc>
               <a:buFont typeface="Arial" panose="020B0604020202020204" pitchFamily="34" charset="0"/>
               <a:buChar char="•"/>
             </a:pPr>
-            <a:r>
-              <a:rPr lang="en-US" sz="2000" dirty="0"/>
-              <a:t>Providing housing choices to everyone is another major goal of the Smart City projects.</a:t>
-            </a:r>
+            <a:endParaRPr lang="en-IN" sz="2000" dirty="0">
+              <a:latin typeface="Times New Roman" panose="02020603050405020304" pitchFamily="18" charset="0"/>
+              <a:cs typeface="Times New Roman" panose="02020603050405020304" pitchFamily="18" charset="0"/>
+            </a:endParaRPr>
           </a:p>
           <a:p>
             <a:pPr marL="800100" lvl="1" indent="-342900" algn="just">
-              <a:lnSpc>
-                <a:spcPct val="150000"/>
-              </a:lnSpc>
               <a:buFont typeface="Arial" panose="020B0604020202020204" pitchFamily="34" charset="0"/>
               <a:buChar char="•"/>
             </a:pPr>
             <a:r>
-              <a:rPr lang="en-US" sz="2000" dirty="0"/>
-              <a:t>The mission is set to give the people relief from congestion. Smart City India will also ensure the security of the people, promote communication, and reduce smog at the same time. </a:t>
+              <a:rPr lang="en-IN" sz="2000" dirty="0">
+                <a:latin typeface="Times New Roman" panose="02020603050405020304" pitchFamily="18" charset="0"/>
+                <a:cs typeface="Times New Roman" panose="02020603050405020304" pitchFamily="18" charset="0"/>
+              </a:rPr>
+              <a:t>The goal of face detection is to automatically detect the presence and location of faces in a given image or video.</a:t>
             </a:r>
           </a:p>
           <a:p>
             <a:pPr marL="800100" lvl="1" indent="-342900" algn="just">
-              <a:lnSpc>
-                <a:spcPct val="150000"/>
-              </a:lnSpc>
               <a:buFont typeface="Arial" panose="020B0604020202020204" pitchFamily="34" charset="0"/>
               <a:buChar char="•"/>
             </a:pPr>
-            <a:r>
-              <a:rPr lang="en-US" sz="2000" dirty="0"/>
-              <a:t>Developing recreational spots like gardens, parks, open gyms, playgrounds, and more are other major goals of the mission.</a:t>
-            </a:r>
+            <a:endParaRPr lang="en-US" sz="2000" dirty="0">
+              <a:latin typeface="Times New Roman" panose="02020603050405020304" pitchFamily="18" charset="0"/>
+              <a:cs typeface="Times New Roman" panose="02020603050405020304" pitchFamily="18" charset="0"/>
+            </a:endParaRPr>
           </a:p>
           <a:p>
             <a:pPr marL="800100" lvl="1" indent="-342900" algn="just">
-              <a:lnSpc>
-                <a:spcPct val="150000"/>
-              </a:lnSpc>
               <a:buFont typeface="Arial" panose="020B0604020202020204" pitchFamily="34" charset="0"/>
               <a:buChar char="•"/>
             </a:pPr>
             <a:r>
-              <a:rPr lang="en-US" sz="2000" dirty="0"/>
-              <a:t>Government-related services are gradually going digital to promote transparency and accountability in the system and the people.</a:t>
-            </a:r>
+              <a:rPr lang="en-IN" sz="2000" dirty="0">
+                <a:latin typeface="Times New Roman" panose="02020603050405020304" pitchFamily="18" charset="0"/>
+                <a:cs typeface="Times New Roman" panose="02020603050405020304" pitchFamily="18" charset="0"/>
+              </a:rPr>
+              <a:t>Face detection algorithms typically work by analysing the visual patterns and features that are characteristic of human faces. </a:t>
+            </a:r>
+          </a:p>
+          <a:p>
+            <a:pPr marL="800100" lvl="1" indent="-342900" algn="just">
+              <a:buFont typeface="Arial" panose="020B0604020202020204" pitchFamily="34" charset="0"/>
+              <a:buChar char="•"/>
+            </a:pPr>
+            <a:endParaRPr lang="en-IN" sz="2000" dirty="0">
+              <a:latin typeface="Times New Roman" panose="02020603050405020304" pitchFamily="18" charset="0"/>
+              <a:cs typeface="Times New Roman" panose="02020603050405020304" pitchFamily="18" charset="0"/>
+            </a:endParaRPr>
+          </a:p>
+          <a:p>
+            <a:pPr marL="800100" lvl="1" indent="-342900" algn="just">
+              <a:buFont typeface="Arial" panose="020B0604020202020204" pitchFamily="34" charset="0"/>
+              <a:buChar char="•"/>
+            </a:pPr>
+            <a:r>
+              <a:rPr lang="en-IN" sz="2000" dirty="0">
+                <a:latin typeface="Times New Roman" panose="02020603050405020304" pitchFamily="18" charset="0"/>
+                <a:cs typeface="Times New Roman" panose="02020603050405020304" pitchFamily="18" charset="0"/>
+              </a:rPr>
+              <a:t>These algorithms can be based on different approaches, including traditional image processing techniques or more advanced machine learning methods.</a:t>
+            </a:r>
+            <a:endParaRPr lang="en-US" sz="2000" dirty="0">
+              <a:latin typeface="Times New Roman" panose="02020603050405020304" pitchFamily="18" charset="0"/>
+              <a:cs typeface="Times New Roman" panose="02020603050405020304" pitchFamily="18" charset="0"/>
+            </a:endParaRPr>
           </a:p>
           <a:p>
             <a:pPr marL="285750" indent="-285750" algn="just">
               <a:buFont typeface="Arial" panose="020B0604020202020204" pitchFamily="34" charset="0"/>
               <a:buChar char="•"/>
             </a:pPr>
-            <a:endParaRPr lang="en-GB" dirty="0"/>
+            <a:endParaRPr lang="en-GB" dirty="0">
+              <a:latin typeface="Times New Roman" panose="02020603050405020304" pitchFamily="18" charset="0"/>
+              <a:cs typeface="Times New Roman" panose="02020603050405020304" pitchFamily="18" charset="0"/>
+            </a:endParaRPr>
           </a:p>
         </p:txBody>
       </p:sp>
@@ -34464,7 +36024,10 @@
           <a:lstStyle/>
           <a:p>
             <a:r>
-              <a:rPr lang="en-GB" sz="3600" b="1" dirty="0"/>
+              <a:rPr lang="en-GB" sz="3600" b="1" dirty="0">
+                <a:latin typeface="Times New Roman" panose="02020603050405020304" pitchFamily="18" charset="0"/>
+                <a:cs typeface="Times New Roman" panose="02020603050405020304" pitchFamily="18" charset="0"/>
+              </a:rPr>
               <a:t>PROBLEM STATEMENT</a:t>
             </a:r>
           </a:p>
@@ -34553,28 +36116,11 @@
               <a:buChar char="•"/>
             </a:pPr>
             <a:r>
-              <a:rPr lang="en-GB" sz="2000" dirty="0" err="1"/>
-              <a:t>Color</a:t>
-            </a:r>
-            <a:r>
-              <a:rPr lang="en-GB" sz="2000" dirty="0"/>
-              <a:t>-based Detection: Threshold the input image in the HSV </a:t>
-            </a:r>
-            <a:r>
-              <a:rPr lang="en-GB" sz="2000" dirty="0" err="1"/>
-              <a:t>color</a:t>
-            </a:r>
-            <a:r>
-              <a:rPr lang="en-GB" sz="2000" dirty="0"/>
-              <a:t> space using predefined </a:t>
-            </a:r>
-            <a:r>
-              <a:rPr lang="en-GB" sz="2000" dirty="0" err="1"/>
-              <a:t>color</a:t>
-            </a:r>
-            <a:r>
-              <a:rPr lang="en-GB" sz="2000" dirty="0"/>
-              <a:t> ranges for red, yellow, and green to accurately detect traffic lights.</a:t>
+              <a:rPr lang="en-GB" sz="2000" dirty="0">
+                <a:latin typeface="Times New Roman" panose="02020603050405020304" pitchFamily="18" charset="0"/>
+                <a:cs typeface="Times New Roman" panose="02020603050405020304" pitchFamily="18" charset="0"/>
+              </a:rPr>
+              <a:t>Face Detection: Threshold the input image in the HSV colour space using predefined colour ranges for skin colour to accurately detect Face.</a:t>
             </a:r>
           </a:p>
           <a:p>
@@ -34586,15 +36132,24 @@
               <a:buChar char="•"/>
             </a:pPr>
             <a:r>
-              <a:rPr lang="en-GB" sz="2000" dirty="0"/>
-              <a:t>Contour Extraction: Utilize contour detection techniques to identify the contours of the traffic lights in the binary masks obtained from </a:t>
-            </a:r>
-            <a:r>
-              <a:rPr lang="en-GB" sz="2000" dirty="0" err="1"/>
+              <a:rPr lang="en-GB" sz="2000" dirty="0">
+                <a:latin typeface="Times New Roman" panose="02020603050405020304" pitchFamily="18" charset="0"/>
+                <a:cs typeface="Times New Roman" panose="02020603050405020304" pitchFamily="18" charset="0"/>
+              </a:rPr>
+              <a:t>Contour Extraction: Utilize contour detection techniques to identify the contours of the Face in the binary masks obtained from </a:t>
+            </a:r>
+            <a:r>
+              <a:rPr lang="en-GB" sz="2000" dirty="0" err="1">
+                <a:latin typeface="Times New Roman" panose="02020603050405020304" pitchFamily="18" charset="0"/>
+                <a:cs typeface="Times New Roman" panose="02020603050405020304" pitchFamily="18" charset="0"/>
+              </a:rPr>
               <a:t>color</a:t>
             </a:r>
             <a:r>
-              <a:rPr lang="en-GB" sz="2000" dirty="0"/>
+              <a:rPr lang="en-GB" sz="2000" dirty="0">
+                <a:latin typeface="Times New Roman" panose="02020603050405020304" pitchFamily="18" charset="0"/>
+                <a:cs typeface="Times New Roman" panose="02020603050405020304" pitchFamily="18" charset="0"/>
+              </a:rPr>
               <a:t> thresholding.</a:t>
             </a:r>
           </a:p>
@@ -34607,7 +36162,10 @@
               <a:buChar char="•"/>
             </a:pPr>
             <a:r>
-              <a:rPr lang="en-GB" sz="2000" dirty="0"/>
+              <a:rPr lang="en-GB" sz="2000" dirty="0">
+                <a:latin typeface="Times New Roman" panose="02020603050405020304" pitchFamily="18" charset="0"/>
+                <a:cs typeface="Times New Roman" panose="02020603050405020304" pitchFamily="18" charset="0"/>
+              </a:rPr>
               <a:t>Filtering and Size-based Selection: Filter out small and irrelevant contours based on their area, using a minimum contour area threshold, to eliminate noise and improve detection accuracy.</a:t>
             </a:r>
           </a:p>
@@ -34620,16 +36178,11 @@
               <a:buChar char="•"/>
             </a:pPr>
             <a:r>
-              <a:rPr lang="en-GB" sz="2000" dirty="0"/>
-              <a:t>Bounding Box Visualization: Draw bounding rectangles around the detected traffic light contours and annotate them with the corresponding </a:t>
-            </a:r>
-            <a:r>
-              <a:rPr lang="en-GB" sz="2000" dirty="0" err="1"/>
-              <a:t>color</a:t>
-            </a:r>
-            <a:r>
-              <a:rPr lang="en-GB" sz="2000" dirty="0"/>
-              <a:t> label (red, yellow, or green) for visual representation and interpretation.</a:t>
+              <a:rPr lang="en-GB" sz="2000" dirty="0">
+                <a:latin typeface="Times New Roman" panose="02020603050405020304" pitchFamily="18" charset="0"/>
+                <a:cs typeface="Times New Roman" panose="02020603050405020304" pitchFamily="18" charset="0"/>
+              </a:rPr>
+              <a:t>Bounding Box Visualization: Draw bounding rectangles around the detected Face contours and annotate them with the corresponding Face for visual representation and interpretation.</a:t>
             </a:r>
           </a:p>
           <a:p>
@@ -34637,7 +36190,10 @@
               <a:buFont typeface="Arial" panose="020B0604020202020204" pitchFamily="34" charset="0"/>
               <a:buChar char="•"/>
             </a:pPr>
-            <a:endParaRPr lang="en-GB" dirty="0"/>
+            <a:endParaRPr lang="en-GB" dirty="0">
+              <a:latin typeface="Times New Roman" panose="02020603050405020304" pitchFamily="18" charset="0"/>
+              <a:cs typeface="Times New Roman" panose="02020603050405020304" pitchFamily="18" charset="0"/>
+            </a:endParaRPr>
           </a:p>
         </p:txBody>
       </p:sp>
@@ -34673,6 +36229,204 @@
       </p:grpSpPr>
       <p:sp>
         <p:nvSpPr>
+          <p:cNvPr id="15" name="Title 14">
+            <a:extLst>
+              <a:ext uri="{FF2B5EF4-FFF2-40B4-BE49-F238E27FC236}">
+                <a16:creationId xmlns:a16="http://schemas.microsoft.com/office/drawing/2014/main" id="{13BBFB99-68AC-4AD9-AE8E-63CDF20EA6E5}"/>
+              </a:ext>
+            </a:extLst>
+          </p:cNvPr>
+          <p:cNvSpPr>
+            <a:spLocks noGrp="1"/>
+          </p:cNvSpPr>
+          <p:nvPr>
+            <p:ph type="title"/>
+          </p:nvPr>
+        </p:nvSpPr>
+        <p:spPr>
+          <a:xfrm>
+            <a:off x="393700" y="5535169"/>
+            <a:ext cx="10515600" cy="484632"/>
+          </a:xfrm>
+        </p:spPr>
+        <p:txBody>
+          <a:bodyPr>
+            <a:normAutofit/>
+          </a:bodyPr>
+          <a:lstStyle/>
+          <a:p>
+            <a:r>
+              <a:rPr lang="en-GB" sz="2000" b="1" dirty="0">
+                <a:latin typeface="Times New Roman" panose="02020603050405020304" pitchFamily="18" charset="0"/>
+                <a:cs typeface="Times New Roman" panose="02020603050405020304" pitchFamily="18" charset="0"/>
+              </a:rPr>
+              <a:t>		Non-Detected Face					Detected Face 	</a:t>
+            </a:r>
+            <a:endParaRPr lang="en-IN" sz="2000" b="1" dirty="0">
+              <a:latin typeface="Times New Roman" panose="02020603050405020304" pitchFamily="18" charset="0"/>
+              <a:cs typeface="Times New Roman" panose="02020603050405020304" pitchFamily="18" charset="0"/>
+            </a:endParaRPr>
+          </a:p>
+        </p:txBody>
+      </p:sp>
+      <p:sp>
+        <p:nvSpPr>
+          <p:cNvPr id="3" name="Slide Number Placeholder 2">
+            <a:extLst>
+              <a:ext uri="{FF2B5EF4-FFF2-40B4-BE49-F238E27FC236}">
+                <a16:creationId xmlns:a16="http://schemas.microsoft.com/office/drawing/2014/main" id="{542C9BA5-0D9C-4152-9A90-49FA56588D93}"/>
+              </a:ext>
+            </a:extLst>
+          </p:cNvPr>
+          <p:cNvSpPr>
+            <a:spLocks noGrp="1"/>
+          </p:cNvSpPr>
+          <p:nvPr>
+            <p:ph type="sldNum" sz="quarter" idx="12"/>
+          </p:nvPr>
+        </p:nvSpPr>
+        <p:spPr/>
+        <p:txBody>
+          <a:bodyPr/>
+          <a:lstStyle/>
+          <a:p>
+            <a:fld id="{03DC2DEF-D2FE-4B45-ABA4-9F153FD1C98A}" type="slidenum">
+              <a:rPr lang="en-US" smtClean="0"/>
+              <a:pPr/>
+              <a:t>28</a:t>
+            </a:fld>
+            <a:endParaRPr lang="en-US" dirty="0"/>
+          </a:p>
+        </p:txBody>
+      </p:sp>
+      <p:pic>
+        <p:nvPicPr>
+          <p:cNvPr id="10" name="Picture 9">
+            <a:extLst>
+              <a:ext uri="{FF2B5EF4-FFF2-40B4-BE49-F238E27FC236}">
+                <a16:creationId xmlns:a16="http://schemas.microsoft.com/office/drawing/2014/main" id="{E468792C-8F9D-4A6E-95DC-89F0D53E7FC3}"/>
+              </a:ext>
+            </a:extLst>
+          </p:cNvPr>
+          <p:cNvPicPr>
+            <a:picLocks noChangeAspect="1"/>
+          </p:cNvPicPr>
+          <p:nvPr/>
+        </p:nvPicPr>
+        <p:blipFill rotWithShape="1">
+          <a:blip r:embed="rId2"/>
+          <a:srcRect l="11655" r="11655"/>
+          <a:stretch/>
+        </p:blipFill>
+        <p:spPr>
+          <a:xfrm>
+            <a:off x="1033780" y="1791835"/>
+            <a:ext cx="4178300" cy="3629930"/>
+          </a:xfrm>
+          <a:prstGeom prst="rect">
+            <a:avLst/>
+          </a:prstGeom>
+        </p:spPr>
+      </p:pic>
+      <p:pic>
+        <p:nvPicPr>
+          <p:cNvPr id="12" name="Picture 11">
+            <a:extLst>
+              <a:ext uri="{FF2B5EF4-FFF2-40B4-BE49-F238E27FC236}">
+                <a16:creationId xmlns:a16="http://schemas.microsoft.com/office/drawing/2014/main" id="{F983642E-6E20-416B-8BEF-D2F87332FB0D}"/>
+              </a:ext>
+            </a:extLst>
+          </p:cNvPr>
+          <p:cNvPicPr>
+            <a:picLocks noChangeAspect="1"/>
+          </p:cNvPicPr>
+          <p:nvPr/>
+        </p:nvPicPr>
+        <p:blipFill rotWithShape="1">
+          <a:blip r:embed="rId3"/>
+          <a:srcRect l="10256" r="13054"/>
+          <a:stretch/>
+        </p:blipFill>
+        <p:spPr>
+          <a:xfrm>
+            <a:off x="6733079" y="1791835"/>
+            <a:ext cx="4178300" cy="3629930"/>
+          </a:xfrm>
+          <a:prstGeom prst="rect">
+            <a:avLst/>
+          </a:prstGeom>
+        </p:spPr>
+      </p:pic>
+      <p:sp>
+        <p:nvSpPr>
+          <p:cNvPr id="14" name="TextBox 13">
+            <a:extLst>
+              <a:ext uri="{FF2B5EF4-FFF2-40B4-BE49-F238E27FC236}">
+                <a16:creationId xmlns:a16="http://schemas.microsoft.com/office/drawing/2014/main" id="{2FB5028D-E2F6-4B64-8A73-8D609E321DF6}"/>
+              </a:ext>
+            </a:extLst>
+          </p:cNvPr>
+          <p:cNvSpPr txBox="1"/>
+          <p:nvPr/>
+        </p:nvSpPr>
+        <p:spPr>
+          <a:xfrm>
+            <a:off x="647700" y="660050"/>
+            <a:ext cx="6096000" cy="646331"/>
+          </a:xfrm>
+          <a:prstGeom prst="rect">
+            <a:avLst/>
+          </a:prstGeom>
+          <a:noFill/>
+        </p:spPr>
+        <p:txBody>
+          <a:bodyPr wrap="square">
+            <a:spAutoFit/>
+          </a:bodyPr>
+          <a:lstStyle/>
+          <a:p>
+            <a:r>
+              <a:rPr lang="en-IN" sz="3600" b="1" dirty="0">
+                <a:latin typeface="Times New Roman" panose="02020603050405020304" pitchFamily="18" charset="0"/>
+                <a:cs typeface="Times New Roman" panose="02020603050405020304" pitchFamily="18" charset="0"/>
+              </a:rPr>
+              <a:t>Output of program</a:t>
+            </a:r>
+          </a:p>
+        </p:txBody>
+      </p:sp>
+    </p:spTree>
+    <p:extLst>
+      <p:ext uri="{BB962C8B-B14F-4D97-AF65-F5344CB8AC3E}">
+        <p14:creationId xmlns:p14="http://schemas.microsoft.com/office/powerpoint/2010/main" val="1722388084"/>
+      </p:ext>
+    </p:extLst>
+  </p:cSld>
+  <p:clrMapOvr>
+    <a:masterClrMapping/>
+  </p:clrMapOvr>
+</p:sld>
+</file>
+
+<file path=ppt/slides/slide29.xml><?xml version="1.0" encoding="utf-8"?>
+<p:sld xmlns:a="http://schemas.openxmlformats.org/drawingml/2006/main" xmlns:r="http://schemas.openxmlformats.org/officeDocument/2006/relationships" xmlns:p="http://schemas.openxmlformats.org/presentationml/2006/main">
+  <p:cSld>
+    <p:spTree>
+      <p:nvGrpSpPr>
+        <p:cNvPr id="1" name=""/>
+        <p:cNvGrpSpPr/>
+        <p:nvPr/>
+      </p:nvGrpSpPr>
+      <p:grpSpPr>
+        <a:xfrm>
+          <a:off x="0" y="0"/>
+          <a:ext cx="0" cy="0"/>
+          <a:chOff x="0" y="0"/>
+          <a:chExt cx="0" cy="0"/>
+        </a:xfrm>
+      </p:grpSpPr>
+      <p:sp>
+        <p:nvSpPr>
           <p:cNvPr id="23" name="Title 22">
             <a:extLst>
               <a:ext uri="{FF2B5EF4-FFF2-40B4-BE49-F238E27FC236}">
@@ -34748,7 +36502,7 @@
                 </a:solidFill>
               </a:rPr>
               <a:pPr/>
-              <a:t>28</a:t>
+              <a:t>29</a:t>
             </a:fld>
             <a:endParaRPr lang="en-US" b="1" dirty="0">
               <a:solidFill>
@@ -34774,8 +36528,8 @@
         </p:nvSpPr>
         <p:spPr>
           <a:xfrm>
-            <a:off x="872587" y="1515752"/>
-            <a:ext cx="10071355" cy="8153579"/>
+            <a:off x="872587" y="1381065"/>
+            <a:ext cx="10071355" cy="5324535"/>
           </a:xfrm>
           <a:prstGeom prst="rect">
             <a:avLst/>
@@ -34789,9 +36543,6 @@
           <a:lstStyle/>
           <a:p>
             <a:pPr marL="342900" indent="-342900" algn="just">
-              <a:lnSpc>
-                <a:spcPct val="170000"/>
-              </a:lnSpc>
               <a:buFont typeface="Arial" panose="020B0604020202020204" pitchFamily="34" charset="0"/>
               <a:buChar char="•"/>
             </a:pPr>
@@ -34804,24 +36555,36 @@
           </a:p>
           <a:p>
             <a:pPr marL="342900" indent="-342900" algn="just">
-              <a:lnSpc>
-                <a:spcPct val="170000"/>
-              </a:lnSpc>
               <a:buFont typeface="Arial" panose="020B0604020202020204" pitchFamily="34" charset="0"/>
               <a:buChar char="•"/>
             </a:pPr>
+            <a:endParaRPr lang="en-GB" sz="2000" dirty="0">
+              <a:latin typeface="Bookman Old Style" pitchFamily="18" charset="0"/>
+            </a:endParaRPr>
+          </a:p>
+          <a:p>
+            <a:pPr marL="342900" indent="-342900" algn="just">
+              <a:buFont typeface="Arial" panose="020B0604020202020204" pitchFamily="34" charset="0"/>
+              <a:buChar char="•"/>
+            </a:pPr>
             <a:r>
               <a:rPr lang="en-GB" sz="2000" dirty="0">
                 <a:latin typeface="Bookman Old Style" pitchFamily="18" charset="0"/>
               </a:rPr>
-              <a:t>We were assigned with Banking application using python programming language, where we used python oops, python function like map, reduce, lambda. Created an programming which accepts the input as account id and displays based on users interest of deposit or withdraw amount and to show balance </a:t>
+              <a:t>We were assigned with Banking application using python programming language, where we used python oops, python function like map, reduce, lambda. Created an programming which accepts the input as account id and displays based on users interest of deposit or withdraw amount and to show balance</a:t>
+            </a:r>
+          </a:p>
+          <a:p>
+            <a:pPr algn="just"/>
+            <a:r>
+              <a:rPr lang="en-GB" sz="2000" dirty="0">
+                <a:latin typeface="Bookman Old Style" pitchFamily="18" charset="0"/>
+              </a:rPr>
+              <a:t> </a:t>
             </a:r>
           </a:p>
           <a:p>
             <a:pPr marL="342900" indent="-342900" algn="just">
-              <a:lnSpc>
-                <a:spcPct val="170000"/>
-              </a:lnSpc>
               <a:buFont typeface="Arial" panose="020B0604020202020204" pitchFamily="34" charset="0"/>
               <a:buChar char="•"/>
             </a:pPr>
@@ -34858,29 +36621,23 @@
           </a:p>
           <a:p>
             <a:pPr marL="342900" indent="-342900" algn="just">
-              <a:lnSpc>
-                <a:spcPct val="170000"/>
-              </a:lnSpc>
               <a:buFont typeface="Arial" panose="020B0604020202020204" pitchFamily="34" charset="0"/>
               <a:buChar char="•"/>
             </a:pPr>
+            <a:endParaRPr lang="en-GB" sz="2000" dirty="0">
+              <a:latin typeface="Bookman Old Style" pitchFamily="18" charset="0"/>
+            </a:endParaRPr>
+          </a:p>
+          <a:p>
+            <a:pPr marL="342900" indent="-342900" algn="just">
+              <a:buFont typeface="Arial" panose="020B0604020202020204" pitchFamily="34" charset="0"/>
+              <a:buChar char="•"/>
+            </a:pPr>
             <a:r>
               <a:rPr lang="en-GB" sz="2000" dirty="0">
                 <a:latin typeface="Bookman Old Style" pitchFamily="18" charset="0"/>
               </a:rPr>
-              <a:t>Assigned with task which shows traffic light  detection using OpenCV. Here we created a program that detect the </a:t>
-            </a:r>
-            <a:r>
-              <a:rPr lang="en-GB" sz="2000" dirty="0" err="1">
-                <a:latin typeface="Bookman Old Style" pitchFamily="18" charset="0"/>
-              </a:rPr>
-              <a:t>color</a:t>
-            </a:r>
-            <a:r>
-              <a:rPr lang="en-GB" sz="2000" dirty="0">
-                <a:latin typeface="Bookman Old Style" pitchFamily="18" charset="0"/>
-              </a:rPr>
-              <a:t> of traffic signals by cars. From which there will less chances of accidents . </a:t>
+              <a:t>Assigned with task which shows face detection using OpenCV. Here we created a program that detect face. </a:t>
             </a:r>
             <a:endParaRPr lang="en-GB" sz="2000" dirty="0"/>
           </a:p>
@@ -34902,7 +36659,7 @@
         </p:nvCxnSpPr>
         <p:spPr>
           <a:xfrm>
-            <a:off x="872587" y="1515752"/>
+            <a:off x="872587" y="1305152"/>
             <a:ext cx="10071355" cy="0"/>
           </a:xfrm>
           <a:prstGeom prst="line">
@@ -34937,118 +36694,6 @@
 </p:sld>
 </file>
 
-<file path=ppt/slides/slide29.xml><?xml version="1.0" encoding="utf-8"?>
-<p:sld xmlns:a="http://schemas.openxmlformats.org/drawingml/2006/main" xmlns:r="http://schemas.openxmlformats.org/officeDocument/2006/relationships" xmlns:p="http://schemas.openxmlformats.org/presentationml/2006/main">
-  <p:cSld>
-    <p:spTree>
-      <p:nvGrpSpPr>
-        <p:cNvPr id="1" name=""/>
-        <p:cNvGrpSpPr/>
-        <p:nvPr/>
-      </p:nvGrpSpPr>
-      <p:grpSpPr>
-        <a:xfrm>
-          <a:off x="0" y="0"/>
-          <a:ext cx="0" cy="0"/>
-          <a:chOff x="0" y="0"/>
-          <a:chExt cx="0" cy="0"/>
-        </a:xfrm>
-      </p:grpSpPr>
-      <p:sp>
-        <p:nvSpPr>
-          <p:cNvPr id="4" name="Picture Placeholder 3">
-            <a:extLst>
-              <a:ext uri="{FF2B5EF4-FFF2-40B4-BE49-F238E27FC236}">
-                <a16:creationId xmlns:a16="http://schemas.microsoft.com/office/drawing/2014/main" id="{80A73606-768F-4798-85F4-9F4B6C0F711A}"/>
-              </a:ext>
-            </a:extLst>
-          </p:cNvPr>
-          <p:cNvSpPr>
-            <a:spLocks noGrp="1"/>
-          </p:cNvSpPr>
-          <p:nvPr>
-            <p:ph type="pic" sz="quarter" idx="10"/>
-          </p:nvPr>
-        </p:nvSpPr>
-        <p:spPr/>
-      </p:sp>
-      <p:sp>
-        <p:nvSpPr>
-          <p:cNvPr id="3" name="Title 2">
-            <a:extLst>
-              <a:ext uri="{FF2B5EF4-FFF2-40B4-BE49-F238E27FC236}">
-                <a16:creationId xmlns:a16="http://schemas.microsoft.com/office/drawing/2014/main" id="{2C065025-6FEC-42DA-ABC0-9EF025AE13A0}"/>
-              </a:ext>
-            </a:extLst>
-          </p:cNvPr>
-          <p:cNvSpPr>
-            <a:spLocks noGrp="1"/>
-          </p:cNvSpPr>
-          <p:nvPr>
-            <p:ph type="ctrTitle"/>
-          </p:nvPr>
-        </p:nvSpPr>
-        <p:spPr/>
-        <p:txBody>
-          <a:bodyPr/>
-          <a:lstStyle/>
-          <a:p>
-            <a:r>
-              <a:rPr lang="en-GB" dirty="0"/>
-              <a:t>Thank You</a:t>
-            </a:r>
-            <a:endParaRPr lang="en-IN" dirty="0"/>
-          </a:p>
-        </p:txBody>
-      </p:sp>
-      <p:sp>
-        <p:nvSpPr>
-          <p:cNvPr id="2" name="Slide Number Placeholder 1">
-            <a:extLst>
-              <a:ext uri="{FF2B5EF4-FFF2-40B4-BE49-F238E27FC236}">
-                <a16:creationId xmlns:a16="http://schemas.microsoft.com/office/drawing/2014/main" id="{EE867346-FFF8-4674-BD90-C72F031D56FA}"/>
-              </a:ext>
-            </a:extLst>
-          </p:cNvPr>
-          <p:cNvSpPr>
-            <a:spLocks noGrp="1"/>
-          </p:cNvSpPr>
-          <p:nvPr>
-            <p:ph type="sldNum" sz="quarter" idx="4294967295"/>
-          </p:nvPr>
-        </p:nvSpPr>
-        <p:spPr>
-          <a:xfrm>
-            <a:off x="9448800" y="6356350"/>
-            <a:ext cx="2743200" cy="365125"/>
-          </a:xfrm>
-        </p:spPr>
-        <p:txBody>
-          <a:bodyPr/>
-          <a:lstStyle/>
-          <a:p>
-            <a:fld id="{03DC2DEF-D2FE-4B45-ABA4-9F153FD1C98A}" type="slidenum">
-              <a:rPr lang="en-US" smtClean="0"/>
-              <a:pPr/>
-              <a:t>29</a:t>
-            </a:fld>
-            <a:endParaRPr lang="en-US" dirty="0"/>
-          </a:p>
-        </p:txBody>
-      </p:sp>
-    </p:spTree>
-    <p:extLst>
-      <p:ext uri="{BB962C8B-B14F-4D97-AF65-F5344CB8AC3E}">
-        <p14:creationId xmlns:p14="http://schemas.microsoft.com/office/powerpoint/2010/main" val="2461629764"/>
-      </p:ext>
-    </p:extLst>
-  </p:cSld>
-  <p:clrMapOvr>
-    <a:masterClrMapping/>
-  </p:clrMapOvr>
-</p:sld>
-</file>
-
 <file path=ppt/slides/slide3.xml><?xml version="1.0" encoding="utf-8"?>
 <p:sld xmlns:a="http://schemas.openxmlformats.org/drawingml/2006/main" xmlns:r="http://schemas.openxmlformats.org/officeDocument/2006/relationships" xmlns:p="http://schemas.openxmlformats.org/presentationml/2006/main">
   <p:cSld>
@@ -35084,7 +36729,7 @@
         </p:nvSpPr>
         <p:spPr>
           <a:xfrm>
-            <a:off x="838200" y="538164"/>
+            <a:off x="838200" y="747714"/>
             <a:ext cx="10515600" cy="999692"/>
           </a:xfrm>
         </p:spPr>
@@ -35096,13 +36741,22 @@
           <a:p>
             <a:pPr algn="ctr"/>
             <a:r>
-              <a:rPr lang="en-IN" b="1" dirty="0"/>
+              <a:rPr lang="en-IN" b="1" dirty="0">
+                <a:latin typeface="Times New Roman" panose="02020603050405020304" pitchFamily="18" charset="0"/>
+                <a:cs typeface="Times New Roman" panose="02020603050405020304" pitchFamily="18" charset="0"/>
+              </a:rPr>
               <a:t>1. Company Description</a:t>
             </a:r>
             <a:br>
-              <a:rPr lang="en-IN" b="1" dirty="0"/>
+              <a:rPr lang="en-IN" b="1" dirty="0">
+                <a:latin typeface="Times New Roman" panose="02020603050405020304" pitchFamily="18" charset="0"/>
+                <a:cs typeface="Times New Roman" panose="02020603050405020304" pitchFamily="18" charset="0"/>
+              </a:rPr>
             </a:br>
-            <a:endParaRPr lang="en-IN" sz="4000" b="1" dirty="0"/>
+            <a:endParaRPr lang="en-IN" sz="4000" b="1" dirty="0">
+              <a:latin typeface="Times New Roman" panose="02020603050405020304" pitchFamily="18" charset="0"/>
+              <a:cs typeface="Times New Roman" panose="02020603050405020304" pitchFamily="18" charset="0"/>
+            </a:endParaRPr>
           </a:p>
         </p:txBody>
       </p:sp>
@@ -35190,12 +36844,16 @@
                 <a:effectLst/>
                 <a:uLnTx/>
                 <a:uFillTx/>
+                <a:latin typeface="Times New Roman" panose="02020603050405020304" pitchFamily="18" charset="0"/>
                 <a:ea typeface="+mj-ea"/>
-                <a:cs typeface="+mj-cs"/>
+                <a:cs typeface="Times New Roman" panose="02020603050405020304" pitchFamily="18" charset="0"/>
               </a:rPr>
               <a:t>Overview of the Organization</a:t>
             </a:r>
-            <a:endParaRPr lang="en-GB" dirty="0"/>
+            <a:endParaRPr lang="en-GB" dirty="0">
+              <a:latin typeface="Times New Roman" panose="02020603050405020304" pitchFamily="18" charset="0"/>
+              <a:cs typeface="Times New Roman" panose="02020603050405020304" pitchFamily="18" charset="0"/>
+            </a:endParaRPr>
           </a:p>
           <a:p>
             <a:pPr marL="742950" lvl="1" indent="-285750" algn="just">
@@ -35206,7 +36864,10 @@
               <a:buChar char="•"/>
             </a:pPr>
             <a:r>
-              <a:rPr lang="en-GB" sz="2000" dirty="0"/>
+              <a:rPr lang="en-GB" sz="2000" dirty="0">
+                <a:latin typeface="Times New Roman" panose="02020603050405020304" pitchFamily="18" charset="0"/>
+                <a:cs typeface="Times New Roman" panose="02020603050405020304" pitchFamily="18" charset="0"/>
+              </a:rPr>
               <a:t>TechifyIndia is a start-up for providing IT solutions, building innovative IoT products providing systems integration solutions and technology provider</a:t>
             </a:r>
           </a:p>
@@ -35219,7 +36880,10 @@
               <a:buChar char="•"/>
             </a:pPr>
             <a:r>
-              <a:rPr lang="en-GB" sz="2000" dirty="0"/>
+              <a:rPr lang="en-GB" sz="2000" dirty="0">
+                <a:latin typeface="Times New Roman" panose="02020603050405020304" pitchFamily="18" charset="0"/>
+                <a:cs typeface="Times New Roman" panose="02020603050405020304" pitchFamily="18" charset="0"/>
+              </a:rPr>
               <a:t>Since 2017, the company have been providing service like:(website development, design services, IoT, application development and technical support) to clients in various industries</a:t>
             </a:r>
           </a:p>
@@ -35232,7 +36896,10 @@
               <a:buChar char="•"/>
             </a:pPr>
             <a:r>
-              <a:rPr lang="en-GB" sz="2000" dirty="0"/>
+              <a:rPr lang="en-GB" sz="2000" dirty="0">
+                <a:latin typeface="Times New Roman" panose="02020603050405020304" pitchFamily="18" charset="0"/>
+                <a:cs typeface="Times New Roman" panose="02020603050405020304" pitchFamily="18" charset="0"/>
+              </a:rPr>
               <a:t>Our creative team brings business to the next level of digitalization with mobile apps and internet marketing to improve branding and lead generation to succeed.</a:t>
             </a:r>
           </a:p>
@@ -35241,7 +36908,10 @@
               <a:buFont typeface="Arial" panose="020B0604020202020204" pitchFamily="34" charset="0"/>
               <a:buChar char="•"/>
             </a:pPr>
-            <a:endParaRPr lang="en-GB" sz="2000" dirty="0"/>
+            <a:endParaRPr lang="en-GB" sz="2000" dirty="0">
+              <a:latin typeface="Times New Roman" panose="02020603050405020304" pitchFamily="18" charset="0"/>
+              <a:cs typeface="Times New Roman" panose="02020603050405020304" pitchFamily="18" charset="0"/>
+            </a:endParaRPr>
           </a:p>
         </p:txBody>
       </p:sp>
@@ -35296,6 +36966,118 @@
 </p:sld>
 </file>
 
+<file path=ppt/slides/slide30.xml><?xml version="1.0" encoding="utf-8"?>
+<p:sld xmlns:a="http://schemas.openxmlformats.org/drawingml/2006/main" xmlns:r="http://schemas.openxmlformats.org/officeDocument/2006/relationships" xmlns:p="http://schemas.openxmlformats.org/presentationml/2006/main">
+  <p:cSld>
+    <p:spTree>
+      <p:nvGrpSpPr>
+        <p:cNvPr id="1" name=""/>
+        <p:cNvGrpSpPr/>
+        <p:nvPr/>
+      </p:nvGrpSpPr>
+      <p:grpSpPr>
+        <a:xfrm>
+          <a:off x="0" y="0"/>
+          <a:ext cx="0" cy="0"/>
+          <a:chOff x="0" y="0"/>
+          <a:chExt cx="0" cy="0"/>
+        </a:xfrm>
+      </p:grpSpPr>
+      <p:sp>
+        <p:nvSpPr>
+          <p:cNvPr id="4" name="Picture Placeholder 3">
+            <a:extLst>
+              <a:ext uri="{FF2B5EF4-FFF2-40B4-BE49-F238E27FC236}">
+                <a16:creationId xmlns:a16="http://schemas.microsoft.com/office/drawing/2014/main" id="{80A73606-768F-4798-85F4-9F4B6C0F711A}"/>
+              </a:ext>
+            </a:extLst>
+          </p:cNvPr>
+          <p:cNvSpPr>
+            <a:spLocks noGrp="1"/>
+          </p:cNvSpPr>
+          <p:nvPr>
+            <p:ph type="pic" sz="quarter" idx="10"/>
+          </p:nvPr>
+        </p:nvSpPr>
+        <p:spPr/>
+      </p:sp>
+      <p:sp>
+        <p:nvSpPr>
+          <p:cNvPr id="3" name="Title 2">
+            <a:extLst>
+              <a:ext uri="{FF2B5EF4-FFF2-40B4-BE49-F238E27FC236}">
+                <a16:creationId xmlns:a16="http://schemas.microsoft.com/office/drawing/2014/main" id="{2C065025-6FEC-42DA-ABC0-9EF025AE13A0}"/>
+              </a:ext>
+            </a:extLst>
+          </p:cNvPr>
+          <p:cNvSpPr>
+            <a:spLocks noGrp="1"/>
+          </p:cNvSpPr>
+          <p:nvPr>
+            <p:ph type="ctrTitle"/>
+          </p:nvPr>
+        </p:nvSpPr>
+        <p:spPr/>
+        <p:txBody>
+          <a:bodyPr/>
+          <a:lstStyle/>
+          <a:p>
+            <a:r>
+              <a:rPr lang="en-GB" dirty="0"/>
+              <a:t>Thank You</a:t>
+            </a:r>
+            <a:endParaRPr lang="en-IN" dirty="0"/>
+          </a:p>
+        </p:txBody>
+      </p:sp>
+      <p:sp>
+        <p:nvSpPr>
+          <p:cNvPr id="2" name="Slide Number Placeholder 1">
+            <a:extLst>
+              <a:ext uri="{FF2B5EF4-FFF2-40B4-BE49-F238E27FC236}">
+                <a16:creationId xmlns:a16="http://schemas.microsoft.com/office/drawing/2014/main" id="{EE867346-FFF8-4674-BD90-C72F031D56FA}"/>
+              </a:ext>
+            </a:extLst>
+          </p:cNvPr>
+          <p:cNvSpPr>
+            <a:spLocks noGrp="1"/>
+          </p:cNvSpPr>
+          <p:nvPr>
+            <p:ph type="sldNum" sz="quarter" idx="4294967295"/>
+          </p:nvPr>
+        </p:nvSpPr>
+        <p:spPr>
+          <a:xfrm>
+            <a:off x="9448800" y="6356350"/>
+            <a:ext cx="2743200" cy="365125"/>
+          </a:xfrm>
+        </p:spPr>
+        <p:txBody>
+          <a:bodyPr/>
+          <a:lstStyle/>
+          <a:p>
+            <a:fld id="{03DC2DEF-D2FE-4B45-ABA4-9F153FD1C98A}" type="slidenum">
+              <a:rPr lang="en-US" smtClean="0"/>
+              <a:pPr/>
+              <a:t>30</a:t>
+            </a:fld>
+            <a:endParaRPr lang="en-US" dirty="0"/>
+          </a:p>
+        </p:txBody>
+      </p:sp>
+    </p:spTree>
+    <p:extLst>
+      <p:ext uri="{BB962C8B-B14F-4D97-AF65-F5344CB8AC3E}">
+        <p14:creationId xmlns:p14="http://schemas.microsoft.com/office/powerpoint/2010/main" val="2461629764"/>
+      </p:ext>
+    </p:extLst>
+  </p:cSld>
+  <p:clrMapOvr>
+    <a:masterClrMapping/>
+  </p:clrMapOvr>
+</p:sld>
+</file>
+
 <file path=ppt/slides/slide4.xml><?xml version="1.0" encoding="utf-8"?>
 <p:sld xmlns:a="http://schemas.openxmlformats.org/drawingml/2006/main" xmlns:r="http://schemas.openxmlformats.org/officeDocument/2006/relationships" xmlns:p="http://schemas.openxmlformats.org/presentationml/2006/main">
   <p:cSld>
@@ -35329,7 +37111,12 @@
             <p:ph type="title"/>
           </p:nvPr>
         </p:nvSpPr>
-        <p:spPr/>
+        <p:spPr>
+          <a:xfrm>
+            <a:off x="838199" y="428625"/>
+            <a:ext cx="10849495" cy="581025"/>
+          </a:xfrm>
+        </p:spPr>
         <p:txBody>
           <a:bodyPr>
             <a:noAutofit/>
@@ -35337,28 +37124,52 @@
           <a:lstStyle/>
           <a:p>
             <a:br>
-              <a:rPr lang="en-GB" sz="3600" b="1" dirty="0"/>
+              <a:rPr lang="en-GB" sz="3600" b="1" dirty="0">
+                <a:latin typeface="Times New Roman" panose="02020603050405020304" pitchFamily="18" charset="0"/>
+                <a:cs typeface="Times New Roman" panose="02020603050405020304" pitchFamily="18" charset="0"/>
+              </a:rPr>
             </a:br>
             <a:br>
-              <a:rPr lang="en-GB" sz="3600" b="1" dirty="0"/>
+              <a:rPr lang="en-GB" sz="3600" b="1" dirty="0">
+                <a:latin typeface="Times New Roman" panose="02020603050405020304" pitchFamily="18" charset="0"/>
+                <a:cs typeface="Times New Roman" panose="02020603050405020304" pitchFamily="18" charset="0"/>
+              </a:rPr>
             </a:br>
             <a:br>
-              <a:rPr lang="en-GB" sz="3600" b="1" dirty="0"/>
+              <a:rPr lang="en-GB" sz="3600" b="1" dirty="0">
+                <a:latin typeface="Times New Roman" panose="02020603050405020304" pitchFamily="18" charset="0"/>
+                <a:cs typeface="Times New Roman" panose="02020603050405020304" pitchFamily="18" charset="0"/>
+              </a:rPr>
             </a:br>
             <a:br>
-              <a:rPr lang="en-GB" sz="3600" b="1" dirty="0"/>
+              <a:rPr lang="en-GB" sz="3600" b="1" dirty="0">
+                <a:latin typeface="Times New Roman" panose="02020603050405020304" pitchFamily="18" charset="0"/>
+                <a:cs typeface="Times New Roman" panose="02020603050405020304" pitchFamily="18" charset="0"/>
+              </a:rPr>
             </a:br>
             <a:r>
-              <a:rPr lang="en-GB" sz="3600" b="1" dirty="0"/>
+              <a:rPr lang="en-GB" sz="3600" b="1" dirty="0">
+                <a:latin typeface="Times New Roman" panose="02020603050405020304" pitchFamily="18" charset="0"/>
+                <a:cs typeface="Times New Roman" panose="02020603050405020304" pitchFamily="18" charset="0"/>
+              </a:rPr>
               <a:t>VISION AND MISSION OF THE ORGANIZATION</a:t>
             </a:r>
             <a:br>
-              <a:rPr lang="en-GB" sz="3600" b="1" dirty="0"/>
+              <a:rPr lang="en-GB" sz="3600" b="1" dirty="0">
+                <a:latin typeface="Times New Roman" panose="02020603050405020304" pitchFamily="18" charset="0"/>
+                <a:cs typeface="Times New Roman" panose="02020603050405020304" pitchFamily="18" charset="0"/>
+              </a:rPr>
             </a:br>
             <a:br>
-              <a:rPr lang="en-IN" sz="3600" b="1" dirty="0"/>
+              <a:rPr lang="en-IN" sz="3600" b="1" dirty="0">
+                <a:latin typeface="Times New Roman" panose="02020603050405020304" pitchFamily="18" charset="0"/>
+                <a:cs typeface="Times New Roman" panose="02020603050405020304" pitchFamily="18" charset="0"/>
+              </a:rPr>
             </a:br>
-            <a:endParaRPr lang="en-IN" sz="3600" b="1" dirty="0"/>
+            <a:endParaRPr lang="en-IN" sz="3600" b="1" dirty="0">
+              <a:latin typeface="Times New Roman" panose="02020603050405020304" pitchFamily="18" charset="0"/>
+              <a:cs typeface="Times New Roman" panose="02020603050405020304" pitchFamily="18" charset="0"/>
+            </a:endParaRPr>
           </a:p>
         </p:txBody>
       </p:sp>
@@ -35453,7 +37264,10 @@
               <a:t> </a:t>
             </a:r>
             <a:r>
-              <a:rPr lang="en-GB" sz="2000" dirty="0"/>
+              <a:rPr lang="en-GB" sz="2000" dirty="0">
+                <a:latin typeface="Times New Roman" panose="02020603050405020304" pitchFamily="18" charset="0"/>
+                <a:cs typeface="Times New Roman" panose="02020603050405020304" pitchFamily="18" charset="0"/>
+              </a:rPr>
               <a:t>To produce excellent services in the field of IT Services </a:t>
             </a:r>
           </a:p>
@@ -35465,7 +37279,10 @@
               <a:buFont typeface="Arial" panose="020B0604020202020204" pitchFamily="34" charset="0"/>
               <a:buChar char="•"/>
             </a:pPr>
-            <a:endParaRPr lang="en-GB" sz="2000" dirty="0"/>
+            <a:endParaRPr lang="en-GB" sz="2000" dirty="0">
+              <a:latin typeface="Times New Roman" panose="02020603050405020304" pitchFamily="18" charset="0"/>
+              <a:cs typeface="Times New Roman" panose="02020603050405020304" pitchFamily="18" charset="0"/>
+            </a:endParaRPr>
           </a:p>
           <a:p>
             <a:pPr marL="800100" lvl="1" indent="-342900" algn="just">
@@ -35476,7 +37293,10 @@
               <a:buChar char="•"/>
             </a:pPr>
             <a:r>
-              <a:rPr lang="en-GB" sz="2000" dirty="0"/>
+              <a:rPr lang="en-GB" sz="2000" dirty="0">
+                <a:latin typeface="Times New Roman" panose="02020603050405020304" pitchFamily="18" charset="0"/>
+                <a:cs typeface="Times New Roman" panose="02020603050405020304" pitchFamily="18" charset="0"/>
+              </a:rPr>
               <a:t>The company's vision and mission is creating a positive impact on the industry and society</a:t>
             </a:r>
           </a:p>
@@ -35488,7 +37308,10 @@
               <a:buFont typeface="Arial" panose="020B0604020202020204" pitchFamily="34" charset="0"/>
               <a:buChar char="•"/>
             </a:pPr>
-            <a:endParaRPr lang="en-GB" sz="2000" dirty="0"/>
+            <a:endParaRPr lang="en-GB" sz="2000" dirty="0">
+              <a:latin typeface="Times New Roman" panose="02020603050405020304" pitchFamily="18" charset="0"/>
+              <a:cs typeface="Times New Roman" panose="02020603050405020304" pitchFamily="18" charset="0"/>
+            </a:endParaRPr>
           </a:p>
           <a:p>
             <a:pPr marL="800100" lvl="1" indent="-342900" algn="just">
@@ -35499,7 +37322,10 @@
               <a:buChar char="•"/>
             </a:pPr>
             <a:r>
-              <a:rPr lang="en-GB" sz="2000" dirty="0"/>
+              <a:rPr lang="en-GB" sz="2000" dirty="0">
+                <a:latin typeface="Times New Roman" panose="02020603050405020304" pitchFamily="18" charset="0"/>
+                <a:cs typeface="Times New Roman" panose="02020603050405020304" pitchFamily="18" charset="0"/>
+              </a:rPr>
               <a:t>TECHIFYINDIA is one stop partner where you can outsource all your support services with complete peace of mind about quality and reliability.</a:t>
             </a:r>
           </a:p>
@@ -35571,8 +37397,8 @@
         </p:nvSpPr>
         <p:spPr>
           <a:xfrm>
-            <a:off x="786063" y="744076"/>
-            <a:ext cx="5830284" cy="939581"/>
+            <a:off x="776538" y="725488"/>
+            <a:ext cx="5830284" cy="729569"/>
           </a:xfrm>
         </p:spPr>
         <p:txBody>
@@ -35583,40 +37409,76 @@
           <a:p>
             <a:pPr algn="l"/>
             <a:br>
-              <a:rPr lang="en-US" sz="3600" b="1" dirty="0"/>
+              <a:rPr lang="en-US" sz="3600" b="1" dirty="0">
+                <a:latin typeface="Times New Roman" panose="02020603050405020304" pitchFamily="18" charset="0"/>
+                <a:cs typeface="Times New Roman" panose="02020603050405020304" pitchFamily="18" charset="0"/>
+              </a:rPr>
             </a:br>
             <a:br>
-              <a:rPr lang="en-US" sz="3600" b="1" dirty="0"/>
+              <a:rPr lang="en-US" sz="3600" b="1" dirty="0">
+                <a:latin typeface="Times New Roman" panose="02020603050405020304" pitchFamily="18" charset="0"/>
+                <a:cs typeface="Times New Roman" panose="02020603050405020304" pitchFamily="18" charset="0"/>
+              </a:rPr>
             </a:br>
             <a:br>
-              <a:rPr lang="en-US" sz="3600" b="1" dirty="0"/>
+              <a:rPr lang="en-US" sz="3600" b="1" dirty="0">
+                <a:latin typeface="Times New Roman" panose="02020603050405020304" pitchFamily="18" charset="0"/>
+                <a:cs typeface="Times New Roman" panose="02020603050405020304" pitchFamily="18" charset="0"/>
+              </a:rPr>
             </a:br>
             <a:br>
-              <a:rPr lang="en-US" sz="3600" b="1" dirty="0"/>
+              <a:rPr lang="en-US" sz="3600" b="1" dirty="0">
+                <a:latin typeface="Times New Roman" panose="02020603050405020304" pitchFamily="18" charset="0"/>
+                <a:cs typeface="Times New Roman" panose="02020603050405020304" pitchFamily="18" charset="0"/>
+              </a:rPr>
             </a:br>
             <a:br>
-              <a:rPr lang="en-US" sz="3600" b="1" dirty="0"/>
+              <a:rPr lang="en-US" sz="3600" b="1" dirty="0">
+                <a:latin typeface="Times New Roman" panose="02020603050405020304" pitchFamily="18" charset="0"/>
+                <a:cs typeface="Times New Roman" panose="02020603050405020304" pitchFamily="18" charset="0"/>
+              </a:rPr>
             </a:br>
             <a:br>
-              <a:rPr lang="en-US" sz="3600" b="1" dirty="0"/>
+              <a:rPr lang="en-US" sz="3600" b="1" dirty="0">
+                <a:latin typeface="Times New Roman" panose="02020603050405020304" pitchFamily="18" charset="0"/>
+                <a:cs typeface="Times New Roman" panose="02020603050405020304" pitchFamily="18" charset="0"/>
+              </a:rPr>
             </a:br>
             <a:br>
-              <a:rPr lang="en-US" sz="3600" b="1" dirty="0"/>
+              <a:rPr lang="en-US" sz="3600" b="1" dirty="0">
+                <a:latin typeface="Times New Roman" panose="02020603050405020304" pitchFamily="18" charset="0"/>
+                <a:cs typeface="Times New Roman" panose="02020603050405020304" pitchFamily="18" charset="0"/>
+              </a:rPr>
             </a:br>
             <a:br>
-              <a:rPr lang="en-US" sz="3600" b="1" dirty="0"/>
+              <a:rPr lang="en-US" sz="3600" b="1" dirty="0">
+                <a:latin typeface="Times New Roman" panose="02020603050405020304" pitchFamily="18" charset="0"/>
+                <a:cs typeface="Times New Roman" panose="02020603050405020304" pitchFamily="18" charset="0"/>
+              </a:rPr>
             </a:br>
             <a:br>
-              <a:rPr lang="en-US" sz="3600" b="1" dirty="0"/>
+              <a:rPr lang="en-US" sz="3600" b="1" dirty="0">
+                <a:latin typeface="Times New Roman" panose="02020603050405020304" pitchFamily="18" charset="0"/>
+                <a:cs typeface="Times New Roman" panose="02020603050405020304" pitchFamily="18" charset="0"/>
+              </a:rPr>
             </a:br>
             <a:br>
-              <a:rPr lang="en-US" sz="3600" b="1" dirty="0"/>
+              <a:rPr lang="en-US" sz="3600" b="1" dirty="0">
+                <a:latin typeface="Times New Roman" panose="02020603050405020304" pitchFamily="18" charset="0"/>
+                <a:cs typeface="Times New Roman" panose="02020603050405020304" pitchFamily="18" charset="0"/>
+              </a:rPr>
             </a:br>
             <a:br>
-              <a:rPr lang="en-US" sz="3600" b="1" dirty="0"/>
+              <a:rPr lang="en-US" sz="3600" b="1" dirty="0">
+                <a:latin typeface="Times New Roman" panose="02020603050405020304" pitchFamily="18" charset="0"/>
+                <a:cs typeface="Times New Roman" panose="02020603050405020304" pitchFamily="18" charset="0"/>
+              </a:rPr>
             </a:br>
             <a:r>
-              <a:rPr lang="en-US" sz="3600" b="1" dirty="0"/>
+              <a:rPr lang="en-US" sz="3600" b="1" dirty="0">
+                <a:latin typeface="Times New Roman" panose="02020603050405020304" pitchFamily="18" charset="0"/>
+                <a:cs typeface="Times New Roman" panose="02020603050405020304" pitchFamily="18" charset="0"/>
+              </a:rPr>
               <a:t>Organization structure</a:t>
             </a:r>
           </a:p>
@@ -35658,7 +37520,10 @@
               <a:buChar char="•"/>
             </a:pPr>
             <a:r>
-              <a:rPr lang="en-GB" dirty="0"/>
+              <a:rPr lang="en-GB" dirty="0">
+                <a:latin typeface="Times New Roman" panose="02020603050405020304" pitchFamily="18" charset="0"/>
+                <a:cs typeface="Times New Roman" panose="02020603050405020304" pitchFamily="18" charset="0"/>
+              </a:rPr>
               <a:t>The executive team consists of 12 members, with the CEO being the highest-ranking member of the organization.</a:t>
             </a:r>
           </a:p>
@@ -35671,7 +37536,10 @@
               <a:buChar char="•"/>
             </a:pPr>
             <a:r>
-              <a:rPr lang="en-GB" dirty="0"/>
+              <a:rPr lang="en-GB" dirty="0">
+                <a:latin typeface="Times New Roman" panose="02020603050405020304" pitchFamily="18" charset="0"/>
+                <a:cs typeface="Times New Roman" panose="02020603050405020304" pitchFamily="18" charset="0"/>
+              </a:rPr>
               <a:t>The organization's structure ensures that each department operates efficiently and while working towards the company's goals.</a:t>
             </a:r>
           </a:p>
@@ -35764,8 +37632,8 @@
         </p:nvSpPr>
         <p:spPr>
           <a:xfrm>
-            <a:off x="857250" y="395287"/>
-            <a:ext cx="8991600" cy="1528763"/>
+            <a:off x="857250" y="600075"/>
+            <a:ext cx="11068050" cy="1323975"/>
           </a:xfrm>
         </p:spPr>
         <p:txBody>
@@ -35775,13 +37643,22 @@
           <a:lstStyle/>
           <a:p>
             <a:br>
-              <a:rPr lang="en-GB" sz="3600" b="1" dirty="0"/>
+              <a:rPr lang="en-GB" sz="3600" b="1" dirty="0">
+                <a:latin typeface="Times New Roman" panose="02020603050405020304" pitchFamily="18" charset="0"/>
+                <a:cs typeface="Times New Roman" panose="02020603050405020304" pitchFamily="18" charset="0"/>
+              </a:rPr>
             </a:br>
             <a:r>
-              <a:rPr lang="en-GB" sz="3600" b="1" dirty="0"/>
+              <a:rPr lang="en-GB" sz="3600" b="1" dirty="0">
+                <a:latin typeface="Times New Roman" panose="02020603050405020304" pitchFamily="18" charset="0"/>
+                <a:cs typeface="Times New Roman" panose="02020603050405020304" pitchFamily="18" charset="0"/>
+              </a:rPr>
               <a:t>Roles and Responsibilities of personnel in the organization</a:t>
             </a:r>
-            <a:endParaRPr lang="en-US" sz="3600" b="1" dirty="0"/>
+            <a:endParaRPr lang="en-US" sz="3600" b="1" dirty="0">
+              <a:latin typeface="Times New Roman" panose="02020603050405020304" pitchFamily="18" charset="0"/>
+              <a:cs typeface="Times New Roman" panose="02020603050405020304" pitchFamily="18" charset="0"/>
+            </a:endParaRPr>
           </a:p>
         </p:txBody>
       </p:sp>
@@ -35814,7 +37691,10 @@
             <a:pPr marL="0" indent="0">
               <a:buNone/>
             </a:pPr>
-            <a:endParaRPr lang="en-GB" sz="2400" dirty="0"/>
+            <a:endParaRPr lang="en-GB" sz="2400" dirty="0">
+              <a:latin typeface="Times New Roman" panose="02020603050405020304" pitchFamily="18" charset="0"/>
+              <a:cs typeface="Times New Roman" panose="02020603050405020304" pitchFamily="18" charset="0"/>
+            </a:endParaRPr>
           </a:p>
           <a:p>
             <a:pPr lvl="1" algn="just">
@@ -35823,7 +37703,10 @@
               </a:lnSpc>
             </a:pPr>
             <a:r>
-              <a:rPr lang="en-GB" sz="2000" dirty="0"/>
+              <a:rPr lang="en-GB" sz="2000" dirty="0">
+                <a:latin typeface="Times New Roman" panose="02020603050405020304" pitchFamily="18" charset="0"/>
+                <a:cs typeface="Times New Roman" panose="02020603050405020304" pitchFamily="18" charset="0"/>
+              </a:rPr>
               <a:t>The roles and responsibilities of personnel within the organization vary depending on their job functions and departmental affiliations.</a:t>
             </a:r>
           </a:p>
@@ -35834,7 +37717,10 @@
               </a:lnSpc>
             </a:pPr>
             <a:r>
-              <a:rPr lang="en-GB" sz="2000" dirty="0"/>
+              <a:rPr lang="en-GB" sz="2000" dirty="0">
+                <a:latin typeface="Times New Roman" panose="02020603050405020304" pitchFamily="18" charset="0"/>
+                <a:cs typeface="Times New Roman" panose="02020603050405020304" pitchFamily="18" charset="0"/>
+              </a:rPr>
               <a:t>The common roles within the organization include</a:t>
             </a:r>
           </a:p>
@@ -35846,7 +37732,10 @@
               <a:buNone/>
             </a:pPr>
             <a:r>
-              <a:rPr lang="en-GB" sz="2000" dirty="0"/>
+              <a:rPr lang="en-GB" sz="2000" dirty="0">
+                <a:latin typeface="Times New Roman" panose="02020603050405020304" pitchFamily="18" charset="0"/>
+                <a:cs typeface="Times New Roman" panose="02020603050405020304" pitchFamily="18" charset="0"/>
+              </a:rPr>
               <a:t>   	CEO, Marketing management, Developers, H-R management, etc,</a:t>
             </a:r>
           </a:p>
@@ -35854,7 +37743,10 @@
             <a:pPr marL="0" indent="0">
               <a:buNone/>
             </a:pPr>
-            <a:endParaRPr lang="en-US" dirty="0"/>
+            <a:endParaRPr lang="en-US" dirty="0">
+              <a:latin typeface="Times New Roman" panose="02020603050405020304" pitchFamily="18" charset="0"/>
+              <a:cs typeface="Times New Roman" panose="02020603050405020304" pitchFamily="18" charset="0"/>
+            </a:endParaRPr>
           </a:p>
         </p:txBody>
       </p:sp>
@@ -35952,13 +37844,22 @@
           <a:lstStyle/>
           <a:p>
             <a:br>
-              <a:rPr lang="en-GB" sz="3600" dirty="0"/>
+              <a:rPr lang="en-GB" sz="3600" b="1" dirty="0">
+                <a:latin typeface="Times New Roman" panose="02020603050405020304" pitchFamily="18" charset="0"/>
+                <a:cs typeface="Times New Roman" panose="02020603050405020304" pitchFamily="18" charset="0"/>
+              </a:rPr>
             </a:br>
             <a:r>
-              <a:rPr lang="en-GB" sz="3600" b="1" dirty="0"/>
+              <a:rPr lang="en-GB" sz="3600" b="1" dirty="0">
+                <a:latin typeface="Times New Roman" panose="02020603050405020304" pitchFamily="18" charset="0"/>
+                <a:cs typeface="Times New Roman" panose="02020603050405020304" pitchFamily="18" charset="0"/>
+              </a:rPr>
               <a:t>Products and market performance:</a:t>
             </a:r>
-            <a:endParaRPr lang="en-US" sz="3600" b="1" dirty="0"/>
+            <a:endParaRPr lang="en-US" sz="3600" b="1" dirty="0">
+              <a:latin typeface="Times New Roman" panose="02020603050405020304" pitchFamily="18" charset="0"/>
+              <a:cs typeface="Times New Roman" panose="02020603050405020304" pitchFamily="18" charset="0"/>
+            </a:endParaRPr>
           </a:p>
         </p:txBody>
       </p:sp>
@@ -35996,7 +37897,10 @@
               </a:lnSpc>
             </a:pPr>
             <a:r>
-              <a:rPr lang="en-GB" sz="2000" dirty="0"/>
+              <a:rPr lang="en-GB" sz="2000" dirty="0">
+                <a:latin typeface="Times New Roman" panose="02020603050405020304" pitchFamily="18" charset="0"/>
+                <a:cs typeface="Times New Roman" panose="02020603050405020304" pitchFamily="18" charset="0"/>
+              </a:rPr>
               <a:t>TECHIFYINDIA Software Solution’s strength lies in understanding the client’s business processes, culture, vision and goals across the industry segments and offering client oriented solutions which are highly reliable, creating customer comfort. Few of our products are listed below.</a:t>
             </a:r>
           </a:p>
@@ -36007,7 +37911,10 @@
               </a:lnSpc>
             </a:pPr>
             <a:r>
-              <a:rPr lang="en-GB" dirty="0"/>
+              <a:rPr lang="en-GB" dirty="0">
+                <a:latin typeface="Times New Roman" panose="02020603050405020304" pitchFamily="18" charset="0"/>
+                <a:cs typeface="Times New Roman" panose="02020603050405020304" pitchFamily="18" charset="0"/>
+              </a:rPr>
               <a:t>Cashew Soft ERP</a:t>
             </a:r>
           </a:p>
@@ -36018,7 +37925,10 @@
               </a:lnSpc>
             </a:pPr>
             <a:r>
-              <a:rPr lang="en-GB" dirty="0"/>
+              <a:rPr lang="en-GB" dirty="0">
+                <a:latin typeface="Times New Roman" panose="02020603050405020304" pitchFamily="18" charset="0"/>
+                <a:cs typeface="Times New Roman" panose="02020603050405020304" pitchFamily="18" charset="0"/>
+              </a:rPr>
               <a:t>TAX-E(GST Billing)</a:t>
             </a:r>
           </a:p>
@@ -36029,7 +37939,10 @@
               </a:lnSpc>
             </a:pPr>
             <a:r>
-              <a:rPr lang="en-GB" dirty="0"/>
+              <a:rPr lang="en-GB" dirty="0">
+                <a:latin typeface="Times New Roman" panose="02020603050405020304" pitchFamily="18" charset="0"/>
+                <a:cs typeface="Times New Roman" panose="02020603050405020304" pitchFamily="18" charset="0"/>
+              </a:rPr>
               <a:t>CNC Monitoring</a:t>
             </a:r>
           </a:p>
@@ -36040,10 +37953,16 @@
               </a:lnSpc>
             </a:pPr>
             <a:r>
-              <a:rPr lang="en-GB" dirty="0"/>
+              <a:rPr lang="en-GB" dirty="0">
+                <a:latin typeface="Times New Roman" panose="02020603050405020304" pitchFamily="18" charset="0"/>
+                <a:cs typeface="Times New Roman" panose="02020603050405020304" pitchFamily="18" charset="0"/>
+              </a:rPr>
               <a:t>IOT Based Smart Bell</a:t>
             </a:r>
-            <a:endParaRPr lang="en-US" dirty="0"/>
+            <a:endParaRPr lang="en-US" dirty="0">
+              <a:latin typeface="Times New Roman" panose="02020603050405020304" pitchFamily="18" charset="0"/>
+              <a:cs typeface="Times New Roman" panose="02020603050405020304" pitchFamily="18" charset="0"/>
+            </a:endParaRPr>
           </a:p>
         </p:txBody>
       </p:sp>
@@ -36267,17 +38186,29 @@
           <a:p>
             <a:pPr algn="ctr"/>
             <a:r>
-              <a:rPr lang="en-GB" sz="3600" b="1" dirty="0"/>
+              <a:rPr lang="en-GB" sz="3600" b="1" dirty="0">
+                <a:latin typeface="Times New Roman" panose="02020603050405020304" pitchFamily="18" charset="0"/>
+                <a:cs typeface="Times New Roman" panose="02020603050405020304" pitchFamily="18" charset="0"/>
+              </a:rPr>
               <a:t>Product sales Record of </a:t>
             </a:r>
             <a:r>
-              <a:rPr lang="en-GB" sz="3600" b="1" dirty="0" err="1"/>
+              <a:rPr lang="en-GB" sz="3600" b="1" dirty="0" err="1">
+                <a:latin typeface="Times New Roman" panose="02020603050405020304" pitchFamily="18" charset="0"/>
+                <a:cs typeface="Times New Roman" panose="02020603050405020304" pitchFamily="18" charset="0"/>
+              </a:rPr>
               <a:t>TechifyIndia</a:t>
             </a:r>
             <a:br>
-              <a:rPr lang="en-GB" sz="3600" b="1" dirty="0"/>
+              <a:rPr lang="en-GB" sz="3600" b="1" dirty="0">
+                <a:latin typeface="Times New Roman" panose="02020603050405020304" pitchFamily="18" charset="0"/>
+                <a:cs typeface="Times New Roman" panose="02020603050405020304" pitchFamily="18" charset="0"/>
+              </a:rPr>
             </a:br>
-            <a:endParaRPr lang="en-IN" sz="3600" b="1" dirty="0"/>
+            <a:endParaRPr lang="en-IN" sz="3600" b="1" dirty="0">
+              <a:latin typeface="Times New Roman" panose="02020603050405020304" pitchFamily="18" charset="0"/>
+              <a:cs typeface="Times New Roman" panose="02020603050405020304" pitchFamily="18" charset="0"/>
+            </a:endParaRPr>
           </a:p>
         </p:txBody>
       </p:sp>

--- a/Reports/SEE PPT's/Final ppt/KRISHNA.pptx
+++ b/Reports/SEE PPT's/Final ppt/KRISHNA.pptx
@@ -31162,8 +31162,11 @@
             </a:r>
             <a:r>
               <a:rPr lang="en-US" sz="2000" b="1" dirty="0"/>
-              <a:t>			 393CS20030</a:t>
-            </a:r>
+              <a:t>			 393CS2009</a:t>
+            </a:r>
+          </a:p>
+          <a:p>
+            <a:endParaRPr lang="en-US" sz="2000" b="1" dirty="0"/>
           </a:p>
         </p:txBody>
       </p:sp>
